--- a/PPT/DSLab_이승건_특허.pptx
+++ b/PPT/DSLab_이승건_특허.pptx
@@ -5,7 +5,7 @@
     <p:sldMasterId id="2147483648" r:id="rId1"/>
   </p:sldMasterIdLst>
   <p:notesMasterIdLst>
-    <p:notesMasterId r:id="rId9"/>
+    <p:notesMasterId r:id="rId8"/>
   </p:notesMasterIdLst>
   <p:sldIdLst>
     <p:sldId id="258" r:id="rId2"/>
@@ -14,7 +14,6 @@
     <p:sldId id="256" r:id="rId5"/>
     <p:sldId id="263" r:id="rId6"/>
     <p:sldId id="264" r:id="rId7"/>
-    <p:sldId id="259" r:id="rId8"/>
   </p:sldIdLst>
   <p:sldSz cx="12192000" cy="6858000"/>
   <p:notesSz cx="6858000" cy="9144000"/>
@@ -203,7 +202,7 @@
           <a:p>
             <a:fld id="{92E34C07-989B-4F61-AE3F-153A5F3AB426}" type="datetimeFigureOut">
               <a:rPr lang="ko-KR" altLang="en-US" smtClean="0"/>
-              <a:t>2025-02-25</a:t>
+              <a:t>2025-02-26</a:t>
             </a:fld>
             <a:endParaRPr lang="ko-KR" altLang="en-US"/>
           </a:p>
@@ -617,7 +616,7 @@
           <a:p>
             <a:fld id="{0D5E1F66-E70E-4992-8451-264A0511747B}" type="datetimeFigureOut">
               <a:rPr lang="ko-KR" altLang="en-US" smtClean="0"/>
-              <a:t>2025-02-25</a:t>
+              <a:t>2025-02-26</a:t>
             </a:fld>
             <a:endParaRPr lang="ko-KR" altLang="en-US"/>
           </a:p>
@@ -815,7 +814,7 @@
           <a:p>
             <a:fld id="{0D5E1F66-E70E-4992-8451-264A0511747B}" type="datetimeFigureOut">
               <a:rPr lang="ko-KR" altLang="en-US" smtClean="0"/>
-              <a:t>2025-02-25</a:t>
+              <a:t>2025-02-26</a:t>
             </a:fld>
             <a:endParaRPr lang="ko-KR" altLang="en-US"/>
           </a:p>
@@ -1023,7 +1022,7 @@
           <a:p>
             <a:fld id="{0D5E1F66-E70E-4992-8451-264A0511747B}" type="datetimeFigureOut">
               <a:rPr lang="ko-KR" altLang="en-US" smtClean="0"/>
-              <a:t>2025-02-25</a:t>
+              <a:t>2025-02-26</a:t>
             </a:fld>
             <a:endParaRPr lang="ko-KR" altLang="en-US"/>
           </a:p>
@@ -1221,7 +1220,7 @@
           <a:p>
             <a:fld id="{0D5E1F66-E70E-4992-8451-264A0511747B}" type="datetimeFigureOut">
               <a:rPr lang="ko-KR" altLang="en-US" smtClean="0"/>
-              <a:t>2025-02-25</a:t>
+              <a:t>2025-02-26</a:t>
             </a:fld>
             <a:endParaRPr lang="ko-KR" altLang="en-US"/>
           </a:p>
@@ -1496,7 +1495,7 @@
           <a:p>
             <a:fld id="{0D5E1F66-E70E-4992-8451-264A0511747B}" type="datetimeFigureOut">
               <a:rPr lang="ko-KR" altLang="en-US" smtClean="0"/>
-              <a:t>2025-02-25</a:t>
+              <a:t>2025-02-26</a:t>
             </a:fld>
             <a:endParaRPr lang="ko-KR" altLang="en-US"/>
           </a:p>
@@ -1761,7 +1760,7 @@
           <a:p>
             <a:fld id="{0D5E1F66-E70E-4992-8451-264A0511747B}" type="datetimeFigureOut">
               <a:rPr lang="ko-KR" altLang="en-US" smtClean="0"/>
-              <a:t>2025-02-25</a:t>
+              <a:t>2025-02-26</a:t>
             </a:fld>
             <a:endParaRPr lang="ko-KR" altLang="en-US"/>
           </a:p>
@@ -2173,7 +2172,7 @@
           <a:p>
             <a:fld id="{0D5E1F66-E70E-4992-8451-264A0511747B}" type="datetimeFigureOut">
               <a:rPr lang="ko-KR" altLang="en-US" smtClean="0"/>
-              <a:t>2025-02-25</a:t>
+              <a:t>2025-02-26</a:t>
             </a:fld>
             <a:endParaRPr lang="ko-KR" altLang="en-US"/>
           </a:p>
@@ -2314,7 +2313,7 @@
           <a:p>
             <a:fld id="{0D5E1F66-E70E-4992-8451-264A0511747B}" type="datetimeFigureOut">
               <a:rPr lang="ko-KR" altLang="en-US" smtClean="0"/>
-              <a:t>2025-02-25</a:t>
+              <a:t>2025-02-26</a:t>
             </a:fld>
             <a:endParaRPr lang="ko-KR" altLang="en-US"/>
           </a:p>
@@ -2427,7 +2426,7 @@
           <a:p>
             <a:fld id="{0D5E1F66-E70E-4992-8451-264A0511747B}" type="datetimeFigureOut">
               <a:rPr lang="ko-KR" altLang="en-US" smtClean="0"/>
-              <a:t>2025-02-25</a:t>
+              <a:t>2025-02-26</a:t>
             </a:fld>
             <a:endParaRPr lang="ko-KR" altLang="en-US"/>
           </a:p>
@@ -2738,7 +2737,7 @@
           <a:p>
             <a:fld id="{0D5E1F66-E70E-4992-8451-264A0511747B}" type="datetimeFigureOut">
               <a:rPr lang="ko-KR" altLang="en-US" smtClean="0"/>
-              <a:t>2025-02-25</a:t>
+              <a:t>2025-02-26</a:t>
             </a:fld>
             <a:endParaRPr lang="ko-KR" altLang="en-US"/>
           </a:p>
@@ -3026,7 +3025,7 @@
           <a:p>
             <a:fld id="{0D5E1F66-E70E-4992-8451-264A0511747B}" type="datetimeFigureOut">
               <a:rPr lang="ko-KR" altLang="en-US" smtClean="0"/>
-              <a:t>2025-02-25</a:t>
+              <a:t>2025-02-26</a:t>
             </a:fld>
             <a:endParaRPr lang="ko-KR" altLang="en-US"/>
           </a:p>
@@ -3267,7 +3266,7 @@
           <a:p>
             <a:fld id="{0D5E1F66-E70E-4992-8451-264A0511747B}" type="datetimeFigureOut">
               <a:rPr lang="ko-KR" altLang="en-US" smtClean="0"/>
-              <a:t>2025-02-25</a:t>
+              <a:t>2025-02-26</a:t>
             </a:fld>
             <a:endParaRPr lang="ko-KR" altLang="en-US"/>
           </a:p>
@@ -3731,10 +3730,10 @@
       </p:sp>
       <p:sp>
         <p:nvSpPr>
-          <p:cNvPr id="5" name="TextBox 4">
-            <a:extLst>
-              <a:ext uri="{FF2B5EF4-FFF2-40B4-BE49-F238E27FC236}">
-                <a16:creationId xmlns:a16="http://schemas.microsoft.com/office/drawing/2014/main" id="{424998B3-F5B9-46CB-8113-DCB4D3F489AB}"/>
+          <p:cNvPr id="6" name="TextBox 5">
+            <a:extLst>
+              <a:ext uri="{FF2B5EF4-FFF2-40B4-BE49-F238E27FC236}">
+                <a16:creationId xmlns:a16="http://schemas.microsoft.com/office/drawing/2014/main" id="{C2222754-EAC1-4970-B1B9-1639FA5F81EB}"/>
               </a:ext>
             </a:extLst>
           </p:cNvPr>
@@ -3743,8 +3742,8 @@
         </p:nvSpPr>
         <p:spPr>
           <a:xfrm>
-            <a:off x="9284677" y="5600701"/>
-            <a:ext cx="2707793" cy="369332"/>
+            <a:off x="11857657" y="6445507"/>
+            <a:ext cx="274434" cy="276999"/>
           </a:xfrm>
           <a:prstGeom prst="rect">
             <a:avLst/>
@@ -3758,53 +3757,10 @@
           <a:lstStyle/>
           <a:p>
             <a:r>
-              <a:rPr lang="ko-KR" altLang="en-US" dirty="0"/>
-              <a:t>석사과정 송민섭</a:t>
-            </a:r>
-            <a:r>
-              <a:rPr lang="en-US" altLang="ko-KR" dirty="0"/>
-              <a:t>, </a:t>
-            </a:r>
-            <a:r>
-              <a:rPr lang="ko-KR" altLang="en-US" dirty="0"/>
-              <a:t>이승건</a:t>
-            </a:r>
-          </a:p>
-        </p:txBody>
-      </p:sp>
-      <p:sp>
-        <p:nvSpPr>
-          <p:cNvPr id="6" name="TextBox 5">
-            <a:extLst>
-              <a:ext uri="{FF2B5EF4-FFF2-40B4-BE49-F238E27FC236}">
-                <a16:creationId xmlns:a16="http://schemas.microsoft.com/office/drawing/2014/main" id="{C2222754-EAC1-4970-B1B9-1639FA5F81EB}"/>
-              </a:ext>
-            </a:extLst>
-          </p:cNvPr>
-          <p:cNvSpPr txBox="1"/>
-          <p:nvPr/>
-        </p:nvSpPr>
-        <p:spPr>
-          <a:xfrm>
-            <a:off x="11857657" y="6445507"/>
-            <a:ext cx="269626" cy="276999"/>
-          </a:xfrm>
-          <a:prstGeom prst="rect">
-            <a:avLst/>
-          </a:prstGeom>
-          <a:noFill/>
-        </p:spPr>
-        <p:txBody>
-          <a:bodyPr wrap="none" rtlCol="0">
-            <a:spAutoFit/>
-          </a:bodyPr>
-          <a:lstStyle/>
-          <a:p>
-            <a:r>
-              <a:rPr lang="en-US" altLang="ko-KR" sz="1200" dirty="0"/>
+              <a:rPr lang="en-US" altLang="ko-KR" sz="1200" b="1" dirty="0"/>
               <a:t>1</a:t>
             </a:r>
-            <a:endParaRPr lang="ko-KR" altLang="en-US" sz="1200" dirty="0"/>
+            <a:endParaRPr lang="ko-KR" altLang="en-US" sz="1200" b="1" dirty="0"/>
           </a:p>
         </p:txBody>
       </p:sp>
@@ -3853,13 +3809,13 @@
           <p:nvPr>
             <p:extLst>
               <p:ext uri="{D42A27DB-BD31-4B8C-83A1-F6EECF244321}">
-                <p14:modId xmlns:p14="http://schemas.microsoft.com/office/powerpoint/2010/main" val="2266813544"/>
+                <p14:modId xmlns:p14="http://schemas.microsoft.com/office/powerpoint/2010/main" val="2125042967"/>
               </p:ext>
             </p:extLst>
           </p:nvPr>
         </p:nvGraphicFramePr>
         <p:xfrm>
-          <a:off x="2032000" y="3058160"/>
+          <a:off x="2108200" y="1034626"/>
           <a:ext cx="8128000" cy="741680"/>
         </p:xfrm>
         <a:graphic>
@@ -3951,11 +3907,11 @@
                       <a:pPr latinLnBrk="1"/>
                       <a:r>
                         <a:rPr lang="en-US" altLang="ko-KR" dirty="0"/>
-                        <a:t>sql2text</a:t>
+                        <a:t>Sql2text</a:t>
                       </a:r>
                       <a:r>
                         <a:rPr lang="ko-KR" altLang="en-US" dirty="0"/>
-                        <a:t> 과정에서 </a:t>
+                        <a:t> </a:t>
                       </a:r>
                       <a:r>
                         <a:rPr lang="en-US" altLang="ko-KR" dirty="0"/>
@@ -3979,6 +3935,112 @@
           </a:graphicData>
         </a:graphic>
       </p:graphicFrame>
+      <p:sp>
+        <p:nvSpPr>
+          <p:cNvPr id="2" name="TextBox 1">
+            <a:extLst>
+              <a:ext uri="{FF2B5EF4-FFF2-40B4-BE49-F238E27FC236}">
+                <a16:creationId xmlns:a16="http://schemas.microsoft.com/office/drawing/2014/main" id="{AC806472-0B28-B740-A77A-D47FC6A773FC}"/>
+              </a:ext>
+            </a:extLst>
+          </p:cNvPr>
+          <p:cNvSpPr txBox="1"/>
+          <p:nvPr/>
+        </p:nvSpPr>
+        <p:spPr>
+          <a:xfrm>
+            <a:off x="1311214" y="1880558"/>
+            <a:ext cx="7203058" cy="646331"/>
+          </a:xfrm>
+          <a:prstGeom prst="rect">
+            <a:avLst/>
+          </a:prstGeom>
+          <a:noFill/>
+        </p:spPr>
+        <p:txBody>
+          <a:bodyPr wrap="square" rtlCol="0">
+            <a:spAutoFit/>
+          </a:bodyPr>
+          <a:lstStyle/>
+          <a:p>
+            <a:r>
+              <a:rPr lang="ko-KR" altLang="en-US" dirty="0"/>
+              <a:t>표준용어 </a:t>
+            </a:r>
+            <a:r>
+              <a:rPr lang="en-US" altLang="ko-KR" dirty="0"/>
+              <a:t>base</a:t>
+            </a:r>
+            <a:r>
+              <a:rPr lang="ko-KR" altLang="en-US" dirty="0"/>
+              <a:t>의 정제된 문장</a:t>
+            </a:r>
+            <a:r>
+              <a:rPr lang="en-US" altLang="ko-KR" dirty="0"/>
+              <a:t>, SQL Query</a:t>
+            </a:r>
+            <a:r>
+              <a:rPr lang="ko-KR" altLang="en-US" dirty="0"/>
+              <a:t>의 데이터셋 쌍을 활용 </a:t>
+            </a:r>
+            <a:endParaRPr lang="en-US" altLang="ko-KR" dirty="0"/>
+          </a:p>
+          <a:p>
+            <a:r>
+              <a:rPr lang="en-US" altLang="ko-KR" dirty="0"/>
+              <a:t>RAG</a:t>
+            </a:r>
+            <a:r>
+              <a:rPr lang="ko-KR" altLang="en-US" dirty="0"/>
+              <a:t>를 활용해 생성한 문장들을 </a:t>
+            </a:r>
+            <a:r>
+              <a:rPr lang="en-US" altLang="ko-KR" dirty="0"/>
+              <a:t>1:N </a:t>
+            </a:r>
+            <a:r>
+              <a:rPr lang="ko-KR" altLang="en-US" dirty="0"/>
+              <a:t>매핑</a:t>
+            </a:r>
+          </a:p>
+        </p:txBody>
+      </p:sp>
+      <p:sp>
+        <p:nvSpPr>
+          <p:cNvPr id="3" name="TextBox 2">
+            <a:extLst>
+              <a:ext uri="{FF2B5EF4-FFF2-40B4-BE49-F238E27FC236}">
+                <a16:creationId xmlns:a16="http://schemas.microsoft.com/office/drawing/2014/main" id="{4C7B4F19-7853-A72E-EEA9-C01F436A1B4D}"/>
+              </a:ext>
+            </a:extLst>
+          </p:cNvPr>
+          <p:cNvSpPr txBox="1"/>
+          <p:nvPr/>
+        </p:nvSpPr>
+        <p:spPr>
+          <a:xfrm>
+            <a:off x="11857657" y="6445507"/>
+            <a:ext cx="274434" cy="276999"/>
+          </a:xfrm>
+          <a:prstGeom prst="rect">
+            <a:avLst/>
+          </a:prstGeom>
+          <a:noFill/>
+        </p:spPr>
+        <p:txBody>
+          <a:bodyPr wrap="none" rtlCol="0">
+            <a:spAutoFit/>
+          </a:bodyPr>
+          <a:lstStyle/>
+          <a:p>
+            <a:r>
+              <a:rPr lang="en-US" altLang="ko-KR" sz="1200" b="1" dirty="0"/>
+              <a:t>2</a:t>
+            </a:r>
+            <a:endParaRPr lang="ko-KR" altLang="en-US" sz="1200" b="1" dirty="0"/>
+          </a:p>
+        </p:txBody>
+      </p:sp>
     </p:spTree>
     <p:extLst>
       <p:ext uri="{BB962C8B-B14F-4D97-AF65-F5344CB8AC3E}">
@@ -4009,12 +4071,48 @@
           <a:chExt cx="0" cy="0"/>
         </a:xfrm>
       </p:grpSpPr>
-      <p:sp>
-        <p:nvSpPr>
-          <p:cNvPr id="4" name="TextBox 3">
-            <a:extLst>
-              <a:ext uri="{FF2B5EF4-FFF2-40B4-BE49-F238E27FC236}">
-                <a16:creationId xmlns:a16="http://schemas.microsoft.com/office/drawing/2014/main" id="{F9799967-B1D9-04FA-33B3-F50DE8BCD863}"/>
+      <p:pic>
+        <p:nvPicPr>
+          <p:cNvPr id="8" name="그림 7">
+            <a:extLst>
+              <a:ext uri="{FF2B5EF4-FFF2-40B4-BE49-F238E27FC236}">
+                <a16:creationId xmlns:a16="http://schemas.microsoft.com/office/drawing/2014/main" id="{A97AAC62-34EF-43F3-9625-522091AC6B61}"/>
+              </a:ext>
+            </a:extLst>
+          </p:cNvPr>
+          <p:cNvPicPr>
+            <a:picLocks noChangeAspect="1"/>
+          </p:cNvPicPr>
+          <p:nvPr/>
+        </p:nvPicPr>
+        <p:blipFill>
+          <a:blip r:embed="rId2">
+            <a:extLst>
+              <a:ext uri="{28A0092B-C50C-407E-A947-70E740481C1C}">
+                <a14:useLocalDpi xmlns:a14="http://schemas.microsoft.com/office/drawing/2010/main" val="0"/>
+              </a:ext>
+            </a:extLst>
+          </a:blip>
+          <a:stretch>
+            <a:fillRect/>
+          </a:stretch>
+        </p:blipFill>
+        <p:spPr>
+          <a:xfrm>
+            <a:off x="0" y="6584007"/>
+            <a:ext cx="2356338" cy="273993"/>
+          </a:xfrm>
+          <a:prstGeom prst="rect">
+            <a:avLst/>
+          </a:prstGeom>
+        </p:spPr>
+      </p:pic>
+      <p:sp>
+        <p:nvSpPr>
+          <p:cNvPr id="10" name="TextBox 9">
+            <a:extLst>
+              <a:ext uri="{FF2B5EF4-FFF2-40B4-BE49-F238E27FC236}">
+                <a16:creationId xmlns:a16="http://schemas.microsoft.com/office/drawing/2014/main" id="{F54120D7-B620-4D19-A7B6-CF154A2EA856}"/>
               </a:ext>
             </a:extLst>
           </p:cNvPr>
@@ -4023,8 +4121,8 @@
         </p:nvSpPr>
         <p:spPr>
           <a:xfrm>
-            <a:off x="0" y="105616"/>
-            <a:ext cx="1905918" cy="400110"/>
+            <a:off x="70338" y="87923"/>
+            <a:ext cx="2609255" cy="400110"/>
           </a:xfrm>
           <a:prstGeom prst="rect">
             <a:avLst/>
@@ -4038,18 +4136,208 @@
           <a:lstStyle/>
           <a:p>
             <a:r>
+              <a:rPr lang="en-US" altLang="ko-KR" sz="2000" b="1" dirty="0"/>
+              <a:t>text2sql </a:t>
+            </a:r>
+            <a:r>
               <a:rPr lang="ko-KR" altLang="en-US" sz="2000" b="1" dirty="0"/>
-              <a:t>배경</a:t>
-            </a:r>
-          </a:p>
-        </p:txBody>
-      </p:sp>
-      <p:sp>
-        <p:nvSpPr>
-          <p:cNvPr id="5" name="TextBox 4">
-            <a:extLst>
-              <a:ext uri="{FF2B5EF4-FFF2-40B4-BE49-F238E27FC236}">
-                <a16:creationId xmlns:a16="http://schemas.microsoft.com/office/drawing/2014/main" id="{A4615F08-30DD-7313-FD97-D3A61ECBC6D4}"/>
+              <a:t>기본 구조</a:t>
+            </a:r>
+          </a:p>
+        </p:txBody>
+      </p:sp>
+      <p:sp>
+        <p:nvSpPr>
+          <p:cNvPr id="12" name="순서도: 자기 디스크 11">
+            <a:extLst>
+              <a:ext uri="{FF2B5EF4-FFF2-40B4-BE49-F238E27FC236}">
+                <a16:creationId xmlns:a16="http://schemas.microsoft.com/office/drawing/2014/main" id="{B83B9B9F-2EC5-414C-A922-C6CC1E2067D3}"/>
+              </a:ext>
+            </a:extLst>
+          </p:cNvPr>
+          <p:cNvSpPr/>
+          <p:nvPr/>
+        </p:nvSpPr>
+        <p:spPr>
+          <a:xfrm>
+            <a:off x="3349656" y="751113"/>
+            <a:ext cx="1301262" cy="621323"/>
+          </a:xfrm>
+          <a:prstGeom prst="flowChartMagneticDisk">
+            <a:avLst/>
+          </a:prstGeom>
+          <a:solidFill>
+            <a:schemeClr val="bg1"/>
+          </a:solidFill>
+        </p:spPr>
+        <p:style>
+          <a:lnRef idx="2">
+            <a:schemeClr val="accent1">
+              <a:shade val="50000"/>
+            </a:schemeClr>
+          </a:lnRef>
+          <a:fillRef idx="1">
+            <a:schemeClr val="accent1"/>
+          </a:fillRef>
+          <a:effectRef idx="0">
+            <a:schemeClr val="accent1"/>
+          </a:effectRef>
+          <a:fontRef idx="minor">
+            <a:schemeClr val="lt1"/>
+          </a:fontRef>
+        </p:style>
+        <p:txBody>
+          <a:bodyPr rtlCol="0" anchor="ctr"/>
+          <a:lstStyle/>
+          <a:p>
+            <a:pPr algn="ctr"/>
+            <a:r>
+              <a:rPr lang="en-US" altLang="ko-KR" sz="1000" dirty="0">
+                <a:solidFill>
+                  <a:schemeClr val="tx1"/>
+                </a:solidFill>
+              </a:rPr>
+              <a:t>RAG</a:t>
+            </a:r>
+            <a:endParaRPr lang="ko-KR" altLang="en-US" sz="1000" dirty="0">
+              <a:solidFill>
+                <a:schemeClr val="tx1"/>
+              </a:solidFill>
+            </a:endParaRPr>
+          </a:p>
+        </p:txBody>
+      </p:sp>
+      <p:sp>
+        <p:nvSpPr>
+          <p:cNvPr id="14" name="타원 13">
+            <a:extLst>
+              <a:ext uri="{FF2B5EF4-FFF2-40B4-BE49-F238E27FC236}">
+                <a16:creationId xmlns:a16="http://schemas.microsoft.com/office/drawing/2014/main" id="{1E8605BF-97EA-4A53-AA8D-F72BE5BFFA60}"/>
+              </a:ext>
+            </a:extLst>
+          </p:cNvPr>
+          <p:cNvSpPr/>
+          <p:nvPr/>
+        </p:nvSpPr>
+        <p:spPr>
+          <a:xfrm>
+            <a:off x="142583" y="1428198"/>
+            <a:ext cx="1617785" cy="430879"/>
+          </a:xfrm>
+          <a:prstGeom prst="ellipse">
+            <a:avLst/>
+          </a:prstGeom>
+          <a:solidFill>
+            <a:schemeClr val="bg1"/>
+          </a:solidFill>
+        </p:spPr>
+        <p:style>
+          <a:lnRef idx="2">
+            <a:schemeClr val="accent1">
+              <a:shade val="50000"/>
+            </a:schemeClr>
+          </a:lnRef>
+          <a:fillRef idx="1">
+            <a:schemeClr val="accent1"/>
+          </a:fillRef>
+          <a:effectRef idx="0">
+            <a:schemeClr val="accent1"/>
+          </a:effectRef>
+          <a:fontRef idx="minor">
+            <a:schemeClr val="lt1"/>
+          </a:fontRef>
+        </p:style>
+        <p:txBody>
+          <a:bodyPr rtlCol="0" anchor="ctr"/>
+          <a:lstStyle/>
+          <a:p>
+            <a:pPr algn="ctr"/>
+            <a:r>
+              <a:rPr lang="en-US" altLang="ko-KR" sz="1200" dirty="0">
+                <a:solidFill>
+                  <a:schemeClr val="tx1"/>
+                </a:solidFill>
+              </a:rPr>
+              <a:t>SQL</a:t>
+            </a:r>
+            <a:r>
+              <a:rPr lang="ko-KR" altLang="en-US" sz="1200" dirty="0">
+                <a:solidFill>
+                  <a:schemeClr val="tx1"/>
+                </a:solidFill>
+              </a:rPr>
+              <a:t> 비전문가</a:t>
+            </a:r>
+          </a:p>
+        </p:txBody>
+      </p:sp>
+      <p:sp>
+        <p:nvSpPr>
+          <p:cNvPr id="16" name="순서도: 자기 디스크 15">
+            <a:extLst>
+              <a:ext uri="{FF2B5EF4-FFF2-40B4-BE49-F238E27FC236}">
+                <a16:creationId xmlns:a16="http://schemas.microsoft.com/office/drawing/2014/main" id="{874064D7-0B41-4DE5-869B-662B8BC2E00B}"/>
+              </a:ext>
+            </a:extLst>
+          </p:cNvPr>
+          <p:cNvSpPr/>
+          <p:nvPr/>
+        </p:nvSpPr>
+        <p:spPr>
+          <a:xfrm>
+            <a:off x="9031594" y="1332978"/>
+            <a:ext cx="1301262" cy="621323"/>
+          </a:xfrm>
+          <a:prstGeom prst="flowChartMagneticDisk">
+            <a:avLst/>
+          </a:prstGeom>
+          <a:solidFill>
+            <a:schemeClr val="bg1"/>
+          </a:solidFill>
+        </p:spPr>
+        <p:style>
+          <a:lnRef idx="2">
+            <a:schemeClr val="accent1">
+              <a:shade val="50000"/>
+            </a:schemeClr>
+          </a:lnRef>
+          <a:fillRef idx="1">
+            <a:schemeClr val="accent1"/>
+          </a:fillRef>
+          <a:effectRef idx="0">
+            <a:schemeClr val="accent1"/>
+          </a:effectRef>
+          <a:fontRef idx="minor">
+            <a:schemeClr val="lt1"/>
+          </a:fontRef>
+        </p:style>
+        <p:txBody>
+          <a:bodyPr rtlCol="0" anchor="ctr"/>
+          <a:lstStyle/>
+          <a:p>
+            <a:pPr algn="ctr"/>
+            <a:r>
+              <a:rPr lang="en-US" altLang="ko-KR" dirty="0">
+                <a:solidFill>
+                  <a:schemeClr val="tx1"/>
+                </a:solidFill>
+              </a:rPr>
+              <a:t>text2sql</a:t>
+            </a:r>
+            <a:endParaRPr lang="ko-KR" altLang="en-US" dirty="0">
+              <a:solidFill>
+                <a:schemeClr val="tx1"/>
+              </a:solidFill>
+            </a:endParaRPr>
+          </a:p>
+        </p:txBody>
+      </p:sp>
+      <p:sp>
+        <p:nvSpPr>
+          <p:cNvPr id="18" name="TextBox 17">
+            <a:extLst>
+              <a:ext uri="{FF2B5EF4-FFF2-40B4-BE49-F238E27FC236}">
+                <a16:creationId xmlns:a16="http://schemas.microsoft.com/office/drawing/2014/main" id="{0BAA1C45-FB36-4C84-92AE-8EF3ADA3A6DE}"/>
               </a:ext>
             </a:extLst>
           </p:cNvPr>
@@ -4058,8 +4346,8 @@
         </p:nvSpPr>
         <p:spPr>
           <a:xfrm>
-            <a:off x="1311215" y="1880558"/>
-            <a:ext cx="2082301" cy="369332"/>
+            <a:off x="9031594" y="981736"/>
+            <a:ext cx="473206" cy="276999"/>
           </a:xfrm>
           <a:prstGeom prst="rect">
             <a:avLst/>
@@ -4073,20 +4361,693 @@
           <a:lstStyle/>
           <a:p>
             <a:r>
+              <a:rPr lang="en-US" altLang="ko-KR" sz="1200" i="1" dirty="0"/>
+              <a:t>LLM</a:t>
+            </a:r>
+            <a:endParaRPr lang="ko-KR" altLang="en-US" sz="1200" i="1" dirty="0"/>
+          </a:p>
+        </p:txBody>
+      </p:sp>
+      <p:sp>
+        <p:nvSpPr>
+          <p:cNvPr id="19" name="TextBox 18">
+            <a:extLst>
+              <a:ext uri="{FF2B5EF4-FFF2-40B4-BE49-F238E27FC236}">
+                <a16:creationId xmlns:a16="http://schemas.microsoft.com/office/drawing/2014/main" id="{A12100DF-44E3-463E-A5A8-F6EB0335F9FF}"/>
+              </a:ext>
+            </a:extLst>
+          </p:cNvPr>
+          <p:cNvSpPr txBox="1"/>
+          <p:nvPr/>
+        </p:nvSpPr>
+        <p:spPr>
+          <a:xfrm>
+            <a:off x="9031594" y="2756792"/>
+            <a:ext cx="1372492" cy="369332"/>
+          </a:xfrm>
+          <a:prstGeom prst="rect">
+            <a:avLst/>
+          </a:prstGeom>
+          <a:noFill/>
+          <a:ln>
+            <a:solidFill>
+              <a:schemeClr val="accent1"/>
+            </a:solidFill>
+          </a:ln>
+        </p:spPr>
+        <p:txBody>
+          <a:bodyPr wrap="none" rtlCol="0">
+            <a:spAutoFit/>
+          </a:bodyPr>
+          <a:lstStyle/>
+          <a:p>
+            <a:r>
               <a:rPr lang="en-US" altLang="ko-KR" dirty="0"/>
-              <a:t>text2sql </a:t>
-            </a:r>
-            <a:r>
-              <a:rPr lang="ko-KR" altLang="en-US" dirty="0"/>
-              <a:t>과정에서 </a:t>
-            </a:r>
+              <a:t>SQL </a:t>
+            </a:r>
+            <a:r>
+              <a:rPr lang="ko-KR" altLang="en-US" dirty="0" err="1"/>
+              <a:t>쿼리문</a:t>
+            </a:r>
+            <a:endParaRPr lang="ko-KR" altLang="en-US" dirty="0"/>
+          </a:p>
+        </p:txBody>
+      </p:sp>
+      <p:sp>
+        <p:nvSpPr>
+          <p:cNvPr id="21" name="순서도: 자기 디스크 20">
+            <a:extLst>
+              <a:ext uri="{FF2B5EF4-FFF2-40B4-BE49-F238E27FC236}">
+                <a16:creationId xmlns:a16="http://schemas.microsoft.com/office/drawing/2014/main" id="{5599383A-7A91-420B-A1DE-16813265848E}"/>
+              </a:ext>
+            </a:extLst>
+          </p:cNvPr>
+          <p:cNvSpPr/>
+          <p:nvPr/>
+        </p:nvSpPr>
+        <p:spPr>
+          <a:xfrm>
+            <a:off x="9102824" y="4043947"/>
+            <a:ext cx="1301262" cy="621323"/>
+          </a:xfrm>
+          <a:prstGeom prst="flowChartMagneticDisk">
+            <a:avLst/>
+          </a:prstGeom>
+          <a:solidFill>
+            <a:schemeClr val="bg1"/>
+          </a:solidFill>
+        </p:spPr>
+        <p:style>
+          <a:lnRef idx="2">
+            <a:schemeClr val="accent1">
+              <a:shade val="50000"/>
+            </a:schemeClr>
+          </a:lnRef>
+          <a:fillRef idx="1">
+            <a:schemeClr val="accent1"/>
+          </a:fillRef>
+          <a:effectRef idx="0">
+            <a:schemeClr val="accent1"/>
+          </a:effectRef>
+          <a:fontRef idx="minor">
+            <a:schemeClr val="lt1"/>
+          </a:fontRef>
+        </p:style>
+        <p:txBody>
+          <a:bodyPr rtlCol="0" anchor="ctr"/>
+          <a:lstStyle/>
+          <a:p>
+            <a:pPr algn="ctr"/>
+            <a:r>
+              <a:rPr lang="en-US" altLang="ko-KR" dirty="0">
+                <a:solidFill>
+                  <a:schemeClr val="tx1"/>
+                </a:solidFill>
+              </a:rPr>
+              <a:t>database</a:t>
+            </a:r>
+            <a:endParaRPr lang="ko-KR" altLang="en-US" dirty="0">
+              <a:solidFill>
+                <a:schemeClr val="tx1"/>
+              </a:solidFill>
+            </a:endParaRPr>
+          </a:p>
+        </p:txBody>
+      </p:sp>
+      <p:sp>
+        <p:nvSpPr>
+          <p:cNvPr id="22" name="타원 21">
+            <a:extLst>
+              <a:ext uri="{FF2B5EF4-FFF2-40B4-BE49-F238E27FC236}">
+                <a16:creationId xmlns:a16="http://schemas.microsoft.com/office/drawing/2014/main" id="{90718821-6F8D-4B06-9D4C-469A08AF88A3}"/>
+              </a:ext>
+            </a:extLst>
+          </p:cNvPr>
+          <p:cNvSpPr/>
+          <p:nvPr/>
+        </p:nvSpPr>
+        <p:spPr>
+          <a:xfrm>
+            <a:off x="8944562" y="5876264"/>
+            <a:ext cx="1617785" cy="430879"/>
+          </a:xfrm>
+          <a:prstGeom prst="ellipse">
+            <a:avLst/>
+          </a:prstGeom>
+          <a:solidFill>
+            <a:schemeClr val="bg1"/>
+          </a:solidFill>
+        </p:spPr>
+        <p:style>
+          <a:lnRef idx="2">
+            <a:schemeClr val="accent1">
+              <a:shade val="50000"/>
+            </a:schemeClr>
+          </a:lnRef>
+          <a:fillRef idx="1">
+            <a:schemeClr val="accent1"/>
+          </a:fillRef>
+          <a:effectRef idx="0">
+            <a:schemeClr val="accent1"/>
+          </a:effectRef>
+          <a:fontRef idx="minor">
+            <a:schemeClr val="lt1"/>
+          </a:fontRef>
+        </p:style>
+        <p:txBody>
+          <a:bodyPr rtlCol="0" anchor="ctr"/>
+          <a:lstStyle/>
+          <a:p>
+            <a:pPr algn="ctr"/>
+            <a:r>
+              <a:rPr lang="ko-KR" altLang="en-US" sz="1200" dirty="0">
+                <a:solidFill>
+                  <a:schemeClr val="tx1"/>
+                </a:solidFill>
+              </a:rPr>
+              <a:t>최종 출력</a:t>
+            </a:r>
+          </a:p>
+        </p:txBody>
+      </p:sp>
+      <p:sp>
+        <p:nvSpPr>
+          <p:cNvPr id="23" name="화살표: 오른쪽 22">
+            <a:extLst>
+              <a:ext uri="{FF2B5EF4-FFF2-40B4-BE49-F238E27FC236}">
+                <a16:creationId xmlns:a16="http://schemas.microsoft.com/office/drawing/2014/main" id="{5BF041C6-C603-444B-A11A-A77CF3BDCCF5}"/>
+              </a:ext>
+            </a:extLst>
+          </p:cNvPr>
+          <p:cNvSpPr/>
+          <p:nvPr/>
+        </p:nvSpPr>
+        <p:spPr>
+          <a:xfrm>
+            <a:off x="2139899" y="1496614"/>
+            <a:ext cx="786989" cy="294046"/>
+          </a:xfrm>
+          <a:prstGeom prst="rightArrow">
+            <a:avLst/>
+          </a:prstGeom>
+          <a:solidFill>
+            <a:schemeClr val="bg2"/>
+          </a:solidFill>
+        </p:spPr>
+        <p:style>
+          <a:lnRef idx="2">
+            <a:schemeClr val="accent1">
+              <a:shade val="50000"/>
+            </a:schemeClr>
+          </a:lnRef>
+          <a:fillRef idx="1">
+            <a:schemeClr val="accent1"/>
+          </a:fillRef>
+          <a:effectRef idx="0">
+            <a:schemeClr val="accent1"/>
+          </a:effectRef>
+          <a:fontRef idx="minor">
+            <a:schemeClr val="lt1"/>
+          </a:fontRef>
+        </p:style>
+        <p:txBody>
+          <a:bodyPr rtlCol="0" anchor="ctr"/>
+          <a:lstStyle/>
+          <a:p>
+            <a:pPr algn="ctr"/>
+            <a:endParaRPr lang="ko-KR" altLang="en-US"/>
+          </a:p>
+        </p:txBody>
+      </p:sp>
+      <p:sp>
+        <p:nvSpPr>
+          <p:cNvPr id="24" name="화살표: 오른쪽 23">
+            <a:extLst>
+              <a:ext uri="{FF2B5EF4-FFF2-40B4-BE49-F238E27FC236}">
+                <a16:creationId xmlns:a16="http://schemas.microsoft.com/office/drawing/2014/main" id="{F358D798-95F1-42AB-9068-910F1F96E595}"/>
+              </a:ext>
+            </a:extLst>
+          </p:cNvPr>
+          <p:cNvSpPr/>
+          <p:nvPr/>
+        </p:nvSpPr>
+        <p:spPr>
+          <a:xfrm>
+            <a:off x="5094109" y="1513704"/>
+            <a:ext cx="786989" cy="294046"/>
+          </a:xfrm>
+          <a:prstGeom prst="rightArrow">
+            <a:avLst/>
+          </a:prstGeom>
+          <a:solidFill>
+            <a:schemeClr val="bg2"/>
+          </a:solidFill>
+        </p:spPr>
+        <p:style>
+          <a:lnRef idx="2">
+            <a:schemeClr val="accent1">
+              <a:shade val="50000"/>
+            </a:schemeClr>
+          </a:lnRef>
+          <a:fillRef idx="1">
+            <a:schemeClr val="accent1"/>
+          </a:fillRef>
+          <a:effectRef idx="0">
+            <a:schemeClr val="accent1"/>
+          </a:effectRef>
+          <a:fontRef idx="minor">
+            <a:schemeClr val="lt1"/>
+          </a:fontRef>
+        </p:style>
+        <p:txBody>
+          <a:bodyPr rtlCol="0" anchor="ctr"/>
+          <a:lstStyle/>
+          <a:p>
+            <a:pPr algn="ctr"/>
+            <a:endParaRPr lang="ko-KR" altLang="en-US"/>
+          </a:p>
+        </p:txBody>
+      </p:sp>
+      <p:sp>
+        <p:nvSpPr>
+          <p:cNvPr id="25" name="화살표: 오른쪽 24">
+            <a:extLst>
+              <a:ext uri="{FF2B5EF4-FFF2-40B4-BE49-F238E27FC236}">
+                <a16:creationId xmlns:a16="http://schemas.microsoft.com/office/drawing/2014/main" id="{C4C8071B-E25C-4562-B557-D5D0E4DE3B5B}"/>
+              </a:ext>
+            </a:extLst>
+          </p:cNvPr>
+          <p:cNvSpPr/>
+          <p:nvPr/>
+        </p:nvSpPr>
+        <p:spPr>
+          <a:xfrm>
+            <a:off x="7900939" y="1496614"/>
+            <a:ext cx="786989" cy="294046"/>
+          </a:xfrm>
+          <a:prstGeom prst="rightArrow">
+            <a:avLst/>
+          </a:prstGeom>
+          <a:solidFill>
+            <a:schemeClr val="bg2"/>
+          </a:solidFill>
+        </p:spPr>
+        <p:style>
+          <a:lnRef idx="2">
+            <a:schemeClr val="accent1">
+              <a:shade val="50000"/>
+            </a:schemeClr>
+          </a:lnRef>
+          <a:fillRef idx="1">
+            <a:schemeClr val="accent1"/>
+          </a:fillRef>
+          <a:effectRef idx="0">
+            <a:schemeClr val="accent1"/>
+          </a:effectRef>
+          <a:fontRef idx="minor">
+            <a:schemeClr val="lt1"/>
+          </a:fontRef>
+        </p:style>
+        <p:txBody>
+          <a:bodyPr rtlCol="0" anchor="ctr"/>
+          <a:lstStyle/>
+          <a:p>
+            <a:pPr algn="ctr"/>
+            <a:endParaRPr lang="ko-KR" altLang="en-US"/>
+          </a:p>
+        </p:txBody>
+      </p:sp>
+      <p:sp>
+        <p:nvSpPr>
+          <p:cNvPr id="27" name="화살표: 아래쪽 26">
+            <a:extLst>
+              <a:ext uri="{FF2B5EF4-FFF2-40B4-BE49-F238E27FC236}">
+                <a16:creationId xmlns:a16="http://schemas.microsoft.com/office/drawing/2014/main" id="{0E65BBA0-401A-4707-8B1F-A6B748654B2B}"/>
+              </a:ext>
+            </a:extLst>
+          </p:cNvPr>
+          <p:cNvSpPr/>
+          <p:nvPr/>
+        </p:nvSpPr>
+        <p:spPr>
+          <a:xfrm>
+            <a:off x="9560181" y="2082985"/>
+            <a:ext cx="386546" cy="545123"/>
+          </a:xfrm>
+          <a:prstGeom prst="downArrow">
+            <a:avLst/>
+          </a:prstGeom>
+          <a:solidFill>
+            <a:schemeClr val="bg2"/>
+          </a:solidFill>
+        </p:spPr>
+        <p:style>
+          <a:lnRef idx="2">
+            <a:schemeClr val="accent1">
+              <a:shade val="50000"/>
+            </a:schemeClr>
+          </a:lnRef>
+          <a:fillRef idx="1">
+            <a:schemeClr val="accent1"/>
+          </a:fillRef>
+          <a:effectRef idx="0">
+            <a:schemeClr val="accent1"/>
+          </a:effectRef>
+          <a:fontRef idx="minor">
+            <a:schemeClr val="lt1"/>
+          </a:fontRef>
+        </p:style>
+        <p:txBody>
+          <a:bodyPr rtlCol="0" anchor="ctr"/>
+          <a:lstStyle/>
+          <a:p>
+            <a:pPr algn="ctr"/>
+            <a:endParaRPr lang="ko-KR" altLang="en-US" dirty="0"/>
+          </a:p>
+        </p:txBody>
+      </p:sp>
+      <p:sp>
+        <p:nvSpPr>
+          <p:cNvPr id="28" name="화살표: 아래쪽 27">
+            <a:extLst>
+              <a:ext uri="{FF2B5EF4-FFF2-40B4-BE49-F238E27FC236}">
+                <a16:creationId xmlns:a16="http://schemas.microsoft.com/office/drawing/2014/main" id="{FEA3134B-82EC-48D4-9813-42020FDC5367}"/>
+              </a:ext>
+            </a:extLst>
+          </p:cNvPr>
+          <p:cNvSpPr/>
+          <p:nvPr/>
+        </p:nvSpPr>
+        <p:spPr>
+          <a:xfrm>
+            <a:off x="9560181" y="3312474"/>
+            <a:ext cx="386546" cy="545123"/>
+          </a:xfrm>
+          <a:prstGeom prst="downArrow">
+            <a:avLst/>
+          </a:prstGeom>
+          <a:solidFill>
+            <a:schemeClr val="bg2"/>
+          </a:solidFill>
+        </p:spPr>
+        <p:style>
+          <a:lnRef idx="2">
+            <a:schemeClr val="accent1">
+              <a:shade val="50000"/>
+            </a:schemeClr>
+          </a:lnRef>
+          <a:fillRef idx="1">
+            <a:schemeClr val="accent1"/>
+          </a:fillRef>
+          <a:effectRef idx="0">
+            <a:schemeClr val="accent1"/>
+          </a:effectRef>
+          <a:fontRef idx="minor">
+            <a:schemeClr val="lt1"/>
+          </a:fontRef>
+        </p:style>
+        <p:txBody>
+          <a:bodyPr rtlCol="0" anchor="ctr"/>
+          <a:lstStyle/>
+          <a:p>
+            <a:pPr algn="ctr"/>
+            <a:endParaRPr lang="ko-KR" altLang="en-US" dirty="0"/>
+          </a:p>
+        </p:txBody>
+      </p:sp>
+      <p:sp>
+        <p:nvSpPr>
+          <p:cNvPr id="29" name="화살표: 아래쪽 28">
+            <a:extLst>
+              <a:ext uri="{FF2B5EF4-FFF2-40B4-BE49-F238E27FC236}">
+                <a16:creationId xmlns:a16="http://schemas.microsoft.com/office/drawing/2014/main" id="{1BF62DB4-BA86-43D9-89F7-A04EF907CAB1}"/>
+              </a:ext>
+            </a:extLst>
+          </p:cNvPr>
+          <p:cNvSpPr/>
+          <p:nvPr/>
+        </p:nvSpPr>
+        <p:spPr>
+          <a:xfrm>
+            <a:off x="9560181" y="4998205"/>
+            <a:ext cx="386546" cy="545123"/>
+          </a:xfrm>
+          <a:prstGeom prst="downArrow">
+            <a:avLst/>
+          </a:prstGeom>
+          <a:solidFill>
+            <a:schemeClr val="bg2"/>
+          </a:solidFill>
+        </p:spPr>
+        <p:style>
+          <a:lnRef idx="2">
+            <a:schemeClr val="accent1">
+              <a:shade val="50000"/>
+            </a:schemeClr>
+          </a:lnRef>
+          <a:fillRef idx="1">
+            <a:schemeClr val="accent1"/>
+          </a:fillRef>
+          <a:effectRef idx="0">
+            <a:schemeClr val="accent1"/>
+          </a:effectRef>
+          <a:fontRef idx="minor">
+            <a:schemeClr val="lt1"/>
+          </a:fontRef>
+        </p:style>
+        <p:txBody>
+          <a:bodyPr rtlCol="0" anchor="ctr"/>
+          <a:lstStyle/>
+          <a:p>
+            <a:pPr algn="ctr"/>
+            <a:endParaRPr lang="ko-KR" altLang="en-US" dirty="0"/>
+          </a:p>
+        </p:txBody>
+      </p:sp>
+      <p:sp>
+        <p:nvSpPr>
+          <p:cNvPr id="30" name="TextBox 29">
+            <a:extLst>
+              <a:ext uri="{FF2B5EF4-FFF2-40B4-BE49-F238E27FC236}">
+                <a16:creationId xmlns:a16="http://schemas.microsoft.com/office/drawing/2014/main" id="{4A2CE56B-7747-433C-A203-3558B978C306}"/>
+              </a:ext>
+            </a:extLst>
+          </p:cNvPr>
+          <p:cNvSpPr txBox="1"/>
+          <p:nvPr/>
+        </p:nvSpPr>
+        <p:spPr>
+          <a:xfrm>
+            <a:off x="2238447" y="1332977"/>
+            <a:ext cx="441146" cy="246221"/>
+          </a:xfrm>
+          <a:prstGeom prst="rect">
+            <a:avLst/>
+          </a:prstGeom>
+          <a:noFill/>
+        </p:spPr>
+        <p:txBody>
+          <a:bodyPr wrap="none" rtlCol="0">
+            <a:spAutoFit/>
+          </a:bodyPr>
+          <a:lstStyle/>
+          <a:p>
+            <a:r>
+              <a:rPr lang="ko-KR" altLang="en-US" sz="1000" dirty="0"/>
+              <a:t>질문</a:t>
+            </a:r>
+          </a:p>
+        </p:txBody>
+      </p:sp>
+      <p:sp>
+        <p:nvSpPr>
+          <p:cNvPr id="31" name="TextBox 30">
+            <a:extLst>
+              <a:ext uri="{FF2B5EF4-FFF2-40B4-BE49-F238E27FC236}">
+                <a16:creationId xmlns:a16="http://schemas.microsoft.com/office/drawing/2014/main" id="{032B145C-0525-4831-8C9F-C815EC83E449}"/>
+              </a:ext>
+            </a:extLst>
+          </p:cNvPr>
+          <p:cNvSpPr txBox="1"/>
+          <p:nvPr/>
+        </p:nvSpPr>
+        <p:spPr>
+          <a:xfrm>
+            <a:off x="9827089" y="5062869"/>
+            <a:ext cx="1345240" cy="246221"/>
+          </a:xfrm>
+          <a:prstGeom prst="rect">
+            <a:avLst/>
+          </a:prstGeom>
+          <a:noFill/>
+        </p:spPr>
+        <p:txBody>
+          <a:bodyPr wrap="none" rtlCol="0">
+            <a:spAutoFit/>
+          </a:bodyPr>
+          <a:lstStyle/>
+          <a:p>
+            <a:r>
+              <a:rPr lang="ko-KR" altLang="en-US" sz="1000" dirty="0"/>
+              <a:t>쿼리에 맞는 데이터</a:t>
+            </a:r>
+          </a:p>
+        </p:txBody>
+      </p:sp>
+      <p:sp>
+        <p:nvSpPr>
+          <p:cNvPr id="33" name="TextBox 32">
+            <a:extLst>
+              <a:ext uri="{FF2B5EF4-FFF2-40B4-BE49-F238E27FC236}">
+                <a16:creationId xmlns:a16="http://schemas.microsoft.com/office/drawing/2014/main" id="{9C95CE66-5478-43AE-9BA6-F164FB616C2B}"/>
+              </a:ext>
+            </a:extLst>
+          </p:cNvPr>
+          <p:cNvSpPr txBox="1"/>
+          <p:nvPr/>
+        </p:nvSpPr>
+        <p:spPr>
+          <a:xfrm>
+            <a:off x="1178169" y="3312474"/>
+            <a:ext cx="6278252" cy="1246495"/>
+          </a:xfrm>
+          <a:prstGeom prst="rect">
+            <a:avLst/>
+          </a:prstGeom>
+          <a:noFill/>
+        </p:spPr>
+        <p:txBody>
+          <a:bodyPr wrap="square" rtlCol="0">
+            <a:spAutoFit/>
+          </a:bodyPr>
+          <a:lstStyle/>
+          <a:p>
+            <a:pPr marL="342900" indent="-342900">
+              <a:buAutoNum type="arabicPeriod"/>
+            </a:pPr>
+            <a:r>
+              <a:rPr lang="en-US" altLang="ko-KR" sz="1500" dirty="0"/>
+              <a:t>RAG, LLM</a:t>
+            </a:r>
+            <a:r>
+              <a:rPr lang="ko-KR" altLang="en-US" sz="1500" dirty="0"/>
+              <a:t>을 활용하여 </a:t>
+            </a:r>
+            <a:r>
+              <a:rPr lang="ko-KR" altLang="en-US" sz="1500" b="1" dirty="0"/>
+              <a:t>질문</a:t>
+            </a:r>
+            <a:r>
+              <a:rPr lang="en-US" altLang="ko-KR" sz="1500" b="1" dirty="0"/>
+              <a:t>(</a:t>
+            </a:r>
+            <a:r>
+              <a:rPr lang="ko-KR" altLang="en-US" sz="1500" b="1" dirty="0"/>
+              <a:t>문장</a:t>
+            </a:r>
+            <a:r>
+              <a:rPr lang="en-US" altLang="ko-KR" sz="1500" b="1" dirty="0"/>
+              <a:t>)</a:t>
+            </a:r>
+            <a:r>
+              <a:rPr lang="ko-KR" altLang="en-US" sz="1500" b="1" dirty="0"/>
+              <a:t>에서 일반용어에 대응하는 표준용어</a:t>
+            </a:r>
+            <a:r>
+              <a:rPr lang="ko-KR" altLang="en-US" sz="1500" dirty="0"/>
+              <a:t>를 찾아 표준용어로 변환</a:t>
+            </a:r>
+            <a:endParaRPr lang="en-US" altLang="ko-KR" sz="1500" dirty="0"/>
+          </a:p>
+          <a:p>
+            <a:pPr marL="342900" indent="-342900">
+              <a:buAutoNum type="arabicPeriod"/>
+            </a:pPr>
+            <a:r>
+              <a:rPr lang="en-US" altLang="ko-KR" sz="1500" dirty="0"/>
+              <a:t>LLM</a:t>
+            </a:r>
+            <a:r>
+              <a:rPr lang="ko-KR" altLang="en-US" sz="1500" dirty="0"/>
+              <a:t>을 활용한 </a:t>
+            </a:r>
+            <a:r>
+              <a:rPr lang="en-US" altLang="ko-KR" sz="1500" b="1" dirty="0"/>
+              <a:t>text2sql</a:t>
+            </a:r>
+            <a:r>
+              <a:rPr lang="ko-KR" altLang="en-US" sz="1500" dirty="0"/>
+              <a:t>을 통해 질문을 </a:t>
+            </a:r>
+            <a:r>
+              <a:rPr lang="en-US" altLang="ko-KR" sz="1500" dirty="0"/>
+              <a:t>SQL </a:t>
+            </a:r>
+            <a:r>
+              <a:rPr lang="ko-KR" altLang="en-US" sz="1500" dirty="0"/>
+              <a:t>쿼리로 변환</a:t>
+            </a:r>
+            <a:endParaRPr lang="en-US" altLang="ko-KR" sz="1500" dirty="0"/>
+          </a:p>
+          <a:p>
+            <a:pPr marL="342900" indent="-342900">
+              <a:buAutoNum type="arabicPeriod"/>
+            </a:pPr>
+            <a:r>
+              <a:rPr lang="en-US" altLang="ko-KR" sz="1500" dirty="0"/>
+              <a:t>Database</a:t>
+            </a:r>
+            <a:r>
+              <a:rPr lang="ko-KR" altLang="en-US" sz="1500" dirty="0"/>
+              <a:t>에서 쿼리문에 해당하는 데이터 출력</a:t>
+            </a:r>
+            <a:endParaRPr lang="en-US" altLang="ko-KR" sz="1500" dirty="0"/>
+          </a:p>
+          <a:p>
+            <a:endParaRPr lang="ko-KR" altLang="en-US" sz="1500" dirty="0"/>
+          </a:p>
+        </p:txBody>
+      </p:sp>
+      <p:sp>
+        <p:nvSpPr>
+          <p:cNvPr id="2" name="TextBox 1">
+            <a:extLst>
+              <a:ext uri="{FF2B5EF4-FFF2-40B4-BE49-F238E27FC236}">
+                <a16:creationId xmlns:a16="http://schemas.microsoft.com/office/drawing/2014/main" id="{B5DE8DFB-B564-5292-4281-2D619C62ADB4}"/>
+              </a:ext>
+            </a:extLst>
+          </p:cNvPr>
+          <p:cNvSpPr txBox="1"/>
+          <p:nvPr/>
+        </p:nvSpPr>
+        <p:spPr>
+          <a:xfrm>
+            <a:off x="11857657" y="6445507"/>
+            <a:ext cx="274434" cy="276999"/>
+          </a:xfrm>
+          <a:prstGeom prst="rect">
+            <a:avLst/>
+          </a:prstGeom>
+          <a:noFill/>
+        </p:spPr>
+        <p:txBody>
+          <a:bodyPr wrap="none" rtlCol="0">
+            <a:spAutoFit/>
+          </a:bodyPr>
+          <a:lstStyle/>
+          <a:p>
+            <a:r>
+              <a:rPr lang="en-US" altLang="ko-KR" sz="1200" b="1" dirty="0"/>
+              <a:t>3</a:t>
+            </a:r>
+            <a:endParaRPr lang="ko-KR" altLang="en-US" sz="1200" b="1" dirty="0"/>
           </a:p>
         </p:txBody>
       </p:sp>
     </p:spTree>
     <p:extLst>
       <p:ext uri="{BB962C8B-B14F-4D97-AF65-F5344CB8AC3E}">
-        <p14:creationId xmlns:p14="http://schemas.microsoft.com/office/powerpoint/2010/main" val="3375228228"/>
+        <p14:creationId xmlns:p14="http://schemas.microsoft.com/office/powerpoint/2010/main" val="2632773126"/>
       </p:ext>
     </p:extLst>
   </p:cSld>
@@ -5205,22 +6166,6 @@
               </a:solidFill>
             </a:endParaRPr>
           </a:p>
-          <a:p>
-            <a:pPr algn="ctr"/>
-            <a:r>
-              <a:rPr lang="en-US" altLang="ko-KR" sz="800" i="1" dirty="0">
-                <a:solidFill>
-                  <a:schemeClr val="tx1"/>
-                </a:solidFill>
-              </a:rPr>
-              <a:t>database</a:t>
-            </a:r>
-            <a:endParaRPr lang="ko-KR" altLang="en-US" sz="800" i="1" dirty="0">
-              <a:solidFill>
-                <a:schemeClr val="tx1"/>
-              </a:solidFill>
-            </a:endParaRPr>
-          </a:p>
         </p:txBody>
       </p:sp>
       <p:sp>
@@ -5975,21 +6920,6 @@
                 </a:solidFill>
               </a:rPr>
               <a:t>NL</a:t>
-            </a:r>
-            <a:br>
-              <a:rPr lang="en-US" altLang="ko-KR" sz="800" i="1" dirty="0">
-                <a:solidFill>
-                  <a:schemeClr val="tx1"/>
-                </a:solidFill>
-              </a:rPr>
-            </a:br>
-            <a:r>
-              <a:rPr lang="en-US" altLang="ko-KR" sz="800" i="1" dirty="0">
-                <a:solidFill>
-                  <a:schemeClr val="tx1"/>
-                </a:solidFill>
-              </a:rPr>
-              <a:t>Database</a:t>
             </a:r>
             <a:endParaRPr lang="ko-KR" altLang="en-US" sz="800" i="1" dirty="0">
               <a:solidFill>
@@ -6895,6 +7825,42 @@
               <a:t>sql2text</a:t>
             </a:r>
             <a:endParaRPr lang="ko-KR" altLang="en-US" sz="2000" b="1" dirty="0"/>
+          </a:p>
+        </p:txBody>
+      </p:sp>
+      <p:sp>
+        <p:nvSpPr>
+          <p:cNvPr id="2" name="TextBox 1">
+            <a:extLst>
+              <a:ext uri="{FF2B5EF4-FFF2-40B4-BE49-F238E27FC236}">
+                <a16:creationId xmlns:a16="http://schemas.microsoft.com/office/drawing/2014/main" id="{FA505C57-1325-E883-8B29-BF50C9E28725}"/>
+              </a:ext>
+            </a:extLst>
+          </p:cNvPr>
+          <p:cNvSpPr txBox="1"/>
+          <p:nvPr/>
+        </p:nvSpPr>
+        <p:spPr>
+          <a:xfrm>
+            <a:off x="11857657" y="6445507"/>
+            <a:ext cx="274434" cy="276999"/>
+          </a:xfrm>
+          <a:prstGeom prst="rect">
+            <a:avLst/>
+          </a:prstGeom>
+          <a:noFill/>
+        </p:spPr>
+        <p:txBody>
+          <a:bodyPr wrap="none" rtlCol="0">
+            <a:spAutoFit/>
+          </a:bodyPr>
+          <a:lstStyle/>
+          <a:p>
+            <a:r>
+              <a:rPr lang="en-US" altLang="ko-KR" sz="1200" b="1" dirty="0"/>
+              <a:t>4</a:t>
+            </a:r>
+            <a:endParaRPr lang="ko-KR" altLang="en-US" sz="1200" b="1" dirty="0"/>
           </a:p>
         </p:txBody>
       </p:sp>
@@ -9302,9 +10268,9 @@
           <p:nvPr/>
         </p:nvCxnSpPr>
         <p:spPr>
-          <a:xfrm>
-            <a:off x="6095999" y="4715219"/>
-            <a:ext cx="0" cy="627463"/>
+          <a:xfrm flipH="1">
+            <a:off x="6095999" y="4754127"/>
+            <a:ext cx="1" cy="398149"/>
           </a:xfrm>
           <a:prstGeom prst="straightConnector1">
             <a:avLst/>
@@ -9328,6 +10294,42 @@
           </a:fontRef>
         </p:style>
       </p:cxnSp>
+      <p:sp>
+        <p:nvSpPr>
+          <p:cNvPr id="3" name="TextBox 2">
+            <a:extLst>
+              <a:ext uri="{FF2B5EF4-FFF2-40B4-BE49-F238E27FC236}">
+                <a16:creationId xmlns:a16="http://schemas.microsoft.com/office/drawing/2014/main" id="{5AB32787-F54D-1271-A1B5-12A2154D5225}"/>
+              </a:ext>
+            </a:extLst>
+          </p:cNvPr>
+          <p:cNvSpPr txBox="1"/>
+          <p:nvPr/>
+        </p:nvSpPr>
+        <p:spPr>
+          <a:xfrm>
+            <a:off x="11857657" y="6445507"/>
+            <a:ext cx="274434" cy="276999"/>
+          </a:xfrm>
+          <a:prstGeom prst="rect">
+            <a:avLst/>
+          </a:prstGeom>
+          <a:noFill/>
+        </p:spPr>
+        <p:txBody>
+          <a:bodyPr wrap="none" rtlCol="0">
+            <a:spAutoFit/>
+          </a:bodyPr>
+          <a:lstStyle/>
+          <a:p>
+            <a:r>
+              <a:rPr lang="en-US" altLang="ko-KR" sz="1200" b="1" dirty="0"/>
+              <a:t>5</a:t>
+            </a:r>
+            <a:endParaRPr lang="ko-KR" altLang="en-US" sz="1200" b="1" dirty="0"/>
+          </a:p>
+        </p:txBody>
+      </p:sp>
     </p:spTree>
     <p:extLst>
       <p:ext uri="{BB962C8B-B14F-4D97-AF65-F5344CB8AC3E}">
@@ -9378,8 +10380,8 @@
         </p:nvSpPr>
         <p:spPr>
           <a:xfrm>
-            <a:off x="3155470" y="2919469"/>
-            <a:ext cx="5300764" cy="1477328"/>
+            <a:off x="2060095" y="1348288"/>
+            <a:ext cx="8071809" cy="1477328"/>
           </a:xfrm>
           <a:prstGeom prst="rect">
             <a:avLst/>
@@ -9392,9 +10394,31 @@
           </a:bodyPr>
           <a:lstStyle/>
           <a:p>
-            <a:pPr marL="285750" indent="-285750">
-              <a:buFont typeface="Arial" panose="020B0604020202020204" pitchFamily="34" charset="0"/>
-              <a:buChar char="•"/>
+            <a:r>
+              <a:rPr lang="en-US" altLang="ko-KR" dirty="0"/>
+              <a:t>    Text2sql </a:t>
+            </a:r>
+            <a:r>
+              <a:rPr lang="ko-KR" altLang="en-US" dirty="0"/>
+              <a:t>성능 개선을 위해 </a:t>
+            </a:r>
+            <a:r>
+              <a:rPr lang="en-US" altLang="ko-KR" dirty="0"/>
+              <a:t>sql2text</a:t>
+            </a:r>
+            <a:r>
+              <a:rPr lang="ko-KR" altLang="en-US" dirty="0"/>
+              <a:t>를 통해 데이터셋을 만든다</a:t>
+            </a:r>
+            <a:r>
+              <a:rPr lang="en-US" altLang="ko-KR" dirty="0"/>
+              <a:t>.</a:t>
+            </a:r>
+          </a:p>
+          <a:p>
+            <a:pPr marL="342900" indent="-342900">
+              <a:buFont typeface="+mj-lt"/>
+              <a:buAutoNum type="arabicPeriod"/>
             </a:pPr>
             <a:r>
               <a:rPr lang="en-US" altLang="ko-KR" dirty="0"/>
@@ -9418,9 +10442,9 @@
             </a:r>
           </a:p>
           <a:p>
-            <a:pPr marL="285750" indent="-285750">
-              <a:buFont typeface="Arial" panose="020B0604020202020204" pitchFamily="34" charset="0"/>
-              <a:buChar char="•"/>
+            <a:pPr marL="342900" indent="-342900">
+              <a:buFont typeface="+mj-lt"/>
+              <a:buAutoNum type="arabicPeriod"/>
             </a:pPr>
             <a:r>
               <a:rPr lang="en-US" altLang="ko-KR" dirty="0"/>
@@ -9444,9 +10468,9 @@
             </a:r>
           </a:p>
           <a:p>
-            <a:pPr marL="285750" indent="-285750">
-              <a:buFont typeface="Arial" panose="020B0604020202020204" pitchFamily="34" charset="0"/>
-              <a:buChar char="•"/>
+            <a:pPr marL="342900" indent="-342900">
+              <a:buFont typeface="+mj-lt"/>
+              <a:buAutoNum type="arabicPeriod"/>
             </a:pPr>
             <a:r>
               <a:rPr lang="en-US" altLang="ko-KR" dirty="0"/>
@@ -9462,19 +10486,28 @@
             </a:r>
             <a:r>
               <a:rPr lang="ko-KR" altLang="en-US" dirty="0"/>
-              <a:t>을 추론하는 과정을 학습한다</a:t>
+              <a:t>을 학습하고</a:t>
             </a:r>
             <a:r>
               <a:rPr lang="en-US" altLang="ko-KR" dirty="0"/>
-              <a:t>. </a:t>
-            </a:r>
-          </a:p>
-          <a:p>
-            <a:pPr marL="285750" indent="-285750">
-              <a:buFont typeface="Arial" panose="020B0604020202020204" pitchFamily="34" charset="0"/>
-              <a:buChar char="•"/>
-            </a:pPr>
-            <a:endParaRPr lang="en-US" altLang="ko-KR" dirty="0"/>
+              <a:t>, </a:t>
+            </a:r>
+            <a:r>
+              <a:rPr lang="ko-KR" altLang="en-US" dirty="0"/>
+              <a:t>대응하는 </a:t>
+            </a:r>
+            <a:r>
+              <a:rPr lang="en-US" altLang="ko-KR" dirty="0"/>
+              <a:t>SQL Query</a:t>
+            </a:r>
+            <a:r>
+              <a:rPr lang="ko-KR" altLang="en-US" dirty="0"/>
+              <a:t>를 결과값으로 출력한다</a:t>
+            </a:r>
+            <a:r>
+              <a:rPr lang="en-US" altLang="ko-KR" dirty="0"/>
+              <a:t>.</a:t>
+            </a:r>
           </a:p>
           <a:p>
             <a:pPr marL="285750" indent="-285750">
@@ -9499,7 +10532,7 @@
         </p:nvSpPr>
         <p:spPr>
           <a:xfrm>
-            <a:off x="5210978" y="2236424"/>
+            <a:off x="5363377" y="805557"/>
             <a:ext cx="1189749" cy="369332"/>
           </a:xfrm>
           <a:prstGeom prst="rect">
@@ -9520,42 +10553,12 @@
           </a:p>
         </p:txBody>
       </p:sp>
-    </p:spTree>
-    <p:extLst>
-      <p:ext uri="{BB962C8B-B14F-4D97-AF65-F5344CB8AC3E}">
-        <p14:creationId xmlns:p14="http://schemas.microsoft.com/office/powerpoint/2010/main" val="3790415638"/>
-      </p:ext>
-    </p:extLst>
-  </p:cSld>
-  <p:clrMapOvr>
-    <a:masterClrMapping/>
-  </p:clrMapOvr>
-</p:sld>
-</file>
-
-<file path=ppt/slides/slide7.xml><?xml version="1.0" encoding="utf-8"?>
-<p:sld xmlns:a="http://schemas.openxmlformats.org/drawingml/2006/main" xmlns:r="http://schemas.openxmlformats.org/officeDocument/2006/relationships" xmlns:p="http://schemas.openxmlformats.org/presentationml/2006/main">
-  <p:cSld>
-    <p:spTree>
-      <p:nvGrpSpPr>
-        <p:cNvPr id="1" name=""/>
-        <p:cNvGrpSpPr/>
-        <p:nvPr/>
-      </p:nvGrpSpPr>
-      <p:grpSpPr>
-        <a:xfrm>
-          <a:off x="0" y="0"/>
-          <a:ext cx="0" cy="0"/>
-          <a:chOff x="0" y="0"/>
-          <a:chExt cx="0" cy="0"/>
-        </a:xfrm>
-      </p:grpSpPr>
       <p:sp>
         <p:nvSpPr>
           <p:cNvPr id="4" name="TextBox 3">
             <a:extLst>
               <a:ext uri="{FF2B5EF4-FFF2-40B4-BE49-F238E27FC236}">
-                <a16:creationId xmlns:a16="http://schemas.microsoft.com/office/drawing/2014/main" id="{FC7E8888-6FD6-477E-964F-6CE8FA497CF1}"/>
+                <a16:creationId xmlns:a16="http://schemas.microsoft.com/office/drawing/2014/main" id="{394AD63F-79ED-74BB-2BC4-98F4DB90A196}"/>
               </a:ext>
             </a:extLst>
           </p:cNvPr>
@@ -9564,8 +10567,8 @@
         </p:nvSpPr>
         <p:spPr>
           <a:xfrm>
-            <a:off x="11857657" y="6445507"/>
-            <a:ext cx="269626" cy="276999"/>
+            <a:off x="2060095" y="2758262"/>
+            <a:ext cx="6502312" cy="461665"/>
           </a:xfrm>
           <a:prstGeom prst="rect">
             <a:avLst/>
@@ -9573,25 +10576,131 @@
           <a:noFill/>
         </p:spPr>
         <p:txBody>
-          <a:bodyPr wrap="none" rtlCol="0">
+          <a:bodyPr wrap="square" rtlCol="0">
             <a:spAutoFit/>
           </a:bodyPr>
           <a:lstStyle/>
           <a:p>
             <a:r>
+              <a:rPr lang="en-US" altLang="ko-KR" sz="1200" b="1" dirty="0"/>
+              <a:t>SNL</a:t>
+            </a:r>
+            <a:r>
               <a:rPr lang="en-US" altLang="ko-KR" sz="1200" dirty="0"/>
-              <a:t>5</a:t>
-            </a:r>
-            <a:endParaRPr lang="ko-KR" altLang="en-US" sz="1200" dirty="0"/>
-          </a:p>
-        </p:txBody>
-      </p:sp>
-      <p:sp>
-        <p:nvSpPr>
-          <p:cNvPr id="5" name="TextBox 4">
-            <a:extLst>
-              <a:ext uri="{FF2B5EF4-FFF2-40B4-BE49-F238E27FC236}">
-                <a16:creationId xmlns:a16="http://schemas.microsoft.com/office/drawing/2014/main" id="{BE48F584-5C95-4004-A540-6544D1BE06E9}"/>
+              <a:t>(Standard Natural Language) –</a:t>
+            </a:r>
+            <a:r>
+              <a:rPr lang="ko-KR" altLang="en-US" sz="1200" dirty="0"/>
+              <a:t> </a:t>
+            </a:r>
+            <a:r>
+              <a:rPr lang="ko-KR" altLang="en-US" sz="1200" b="1" dirty="0"/>
+              <a:t>표준용어 </a:t>
+            </a:r>
+            <a:r>
+              <a:rPr lang="en-US" altLang="ko-KR" sz="1200" b="1" dirty="0"/>
+              <a:t>base</a:t>
+            </a:r>
+            <a:r>
+              <a:rPr lang="ko-KR" altLang="en-US" sz="1200" b="1" dirty="0"/>
+              <a:t>의 정제된</a:t>
+            </a:r>
+            <a:r>
+              <a:rPr lang="en-US" altLang="ko-KR" sz="1200" b="1" dirty="0"/>
+              <a:t> </a:t>
+            </a:r>
+            <a:r>
+              <a:rPr lang="ko-KR" altLang="en-US" sz="1200" b="1" dirty="0"/>
+              <a:t>문장</a:t>
+            </a:r>
+            <a:endParaRPr lang="en-US" altLang="ko-KR" sz="1200" b="1" dirty="0"/>
+          </a:p>
+          <a:p>
+            <a:r>
+              <a:rPr lang="en-US" altLang="ko-KR" sz="1200" b="1" dirty="0"/>
+              <a:t>NL</a:t>
+            </a:r>
+            <a:r>
+              <a:rPr lang="en-US" altLang="ko-KR" sz="1200" dirty="0"/>
+              <a:t>(Natural Language) – </a:t>
+            </a:r>
+            <a:r>
+              <a:rPr lang="en-US" altLang="ko-KR" sz="1200" b="1" dirty="0"/>
+              <a:t>RAG</a:t>
+            </a:r>
+            <a:r>
+              <a:rPr lang="ko-KR" altLang="en-US" sz="1200" b="1" dirty="0"/>
+              <a:t>를 활용해 생성한 문장</a:t>
+            </a:r>
+            <a:endParaRPr lang="en-US" altLang="ko-KR" sz="1200" b="1" dirty="0"/>
+          </a:p>
+        </p:txBody>
+      </p:sp>
+      <p:sp>
+        <p:nvSpPr>
+          <p:cNvPr id="5" name="타원 4">
+            <a:extLst>
+              <a:ext uri="{FF2B5EF4-FFF2-40B4-BE49-F238E27FC236}">
+                <a16:creationId xmlns:a16="http://schemas.microsoft.com/office/drawing/2014/main" id="{8D0ADD61-FCEB-68AF-1F72-014220F829C8}"/>
+              </a:ext>
+            </a:extLst>
+          </p:cNvPr>
+          <p:cNvSpPr/>
+          <p:nvPr/>
+        </p:nvSpPr>
+        <p:spPr>
+          <a:xfrm>
+            <a:off x="1852184" y="4294252"/>
+            <a:ext cx="610820" cy="346798"/>
+          </a:xfrm>
+          <a:prstGeom prst="ellipse">
+            <a:avLst/>
+          </a:prstGeom>
+          <a:noFill/>
+        </p:spPr>
+        <p:style>
+          <a:lnRef idx="2">
+            <a:schemeClr val="accent1">
+              <a:shade val="15000"/>
+            </a:schemeClr>
+          </a:lnRef>
+          <a:fillRef idx="1">
+            <a:schemeClr val="accent1"/>
+          </a:fillRef>
+          <a:effectRef idx="0">
+            <a:schemeClr val="accent1"/>
+          </a:effectRef>
+          <a:fontRef idx="minor">
+            <a:schemeClr val="lt1"/>
+          </a:fontRef>
+        </p:style>
+        <p:txBody>
+          <a:bodyPr rtlCol="0" anchor="ctr"/>
+          <a:lstStyle/>
+          <a:p>
+            <a:pPr algn="ctr"/>
+            <a:r>
+              <a:rPr lang="en-US" altLang="ko-KR" sz="1000" dirty="0">
+                <a:solidFill>
+                  <a:schemeClr val="tx1"/>
+                </a:solidFill>
+              </a:rPr>
+              <a:t>SNL</a:t>
+            </a:r>
+            <a:endParaRPr lang="ko-KR" altLang="en-US" sz="1000" dirty="0">
+              <a:solidFill>
+                <a:schemeClr val="tx1"/>
+              </a:solidFill>
+            </a:endParaRPr>
+          </a:p>
+        </p:txBody>
+      </p:sp>
+      <p:sp>
+        <p:nvSpPr>
+          <p:cNvPr id="6" name="TextBox 5">
+            <a:extLst>
+              <a:ext uri="{FF2B5EF4-FFF2-40B4-BE49-F238E27FC236}">
+                <a16:creationId xmlns:a16="http://schemas.microsoft.com/office/drawing/2014/main" id="{253E601D-F6D5-E751-FD4A-A782CE799B74}"/>
               </a:ext>
             </a:extLst>
           </p:cNvPr>
@@ -9600,8 +10709,8 @@
         </p:nvSpPr>
         <p:spPr>
           <a:xfrm>
-            <a:off x="0" y="122549"/>
-            <a:ext cx="1624163" cy="400110"/>
+            <a:off x="3316905" y="4667367"/>
+            <a:ext cx="461665" cy="263855"/>
           </a:xfrm>
           <a:prstGeom prst="rect">
             <a:avLst/>
@@ -9609,32 +10718,25 @@
           <a:noFill/>
         </p:spPr>
         <p:txBody>
-          <a:bodyPr wrap="none" rtlCol="0">
+          <a:bodyPr vert="eaVert" wrap="square" rtlCol="0">
             <a:spAutoFit/>
           </a:bodyPr>
           <a:lstStyle/>
           <a:p>
             <a:r>
-              <a:rPr lang="ko-KR" altLang="en-US" sz="2000" b="1" dirty="0"/>
-              <a:t>의견</a:t>
-            </a:r>
-            <a:r>
-              <a:rPr lang="en-US" altLang="ko-KR" sz="2000" b="1" dirty="0"/>
-              <a:t>, </a:t>
-            </a:r>
-            <a:r>
-              <a:rPr lang="ko-KR" altLang="en-US" sz="2000" b="1" dirty="0"/>
-              <a:t>문제점</a:t>
-            </a:r>
-          </a:p>
-        </p:txBody>
-      </p:sp>
-      <p:sp>
-        <p:nvSpPr>
-          <p:cNvPr id="6" name="TextBox 5">
-            <a:extLst>
-              <a:ext uri="{FF2B5EF4-FFF2-40B4-BE49-F238E27FC236}">
-                <a16:creationId xmlns:a16="http://schemas.microsoft.com/office/drawing/2014/main" id="{27371C03-40B1-4BF1-A891-3CC2DDB89D7D}"/>
+              <a:rPr lang="en-US" altLang="ko-KR" dirty="0"/>
+              <a:t>…</a:t>
+            </a:r>
+            <a:endParaRPr lang="ko-KR" altLang="en-US" dirty="0"/>
+          </a:p>
+        </p:txBody>
+      </p:sp>
+      <p:sp>
+        <p:nvSpPr>
+          <p:cNvPr id="7" name="TextBox 6">
+            <a:extLst>
+              <a:ext uri="{FF2B5EF4-FFF2-40B4-BE49-F238E27FC236}">
+                <a16:creationId xmlns:a16="http://schemas.microsoft.com/office/drawing/2014/main" id="{62335A68-1807-B128-C990-B3D679A644AD}"/>
               </a:ext>
             </a:extLst>
           </p:cNvPr>
@@ -9643,8 +10745,8 @@
         </p:nvSpPr>
         <p:spPr>
           <a:xfrm>
-            <a:off x="2384980" y="2418392"/>
-            <a:ext cx="8368011" cy="923330"/>
+            <a:off x="3279838" y="3687008"/>
+            <a:ext cx="386644" cy="246221"/>
           </a:xfrm>
           <a:prstGeom prst="rect">
             <a:avLst/>
@@ -9657,51 +10759,13 @@
           </a:bodyPr>
           <a:lstStyle/>
           <a:p>
-            <a:pPr marL="285750" indent="-285750">
-              <a:buFont typeface="Arial" panose="020B0604020202020204" pitchFamily="34" charset="0"/>
-              <a:buChar char="•"/>
-            </a:pPr>
-            <a:r>
-              <a:rPr lang="ko-KR" altLang="en-US" dirty="0"/>
-              <a:t>지식 그래프를 이용해 표준 용어와 일반 용어 사이의 매핑</a:t>
-            </a:r>
-            <a:r>
-              <a:rPr lang="en-US" altLang="ko-KR" dirty="0"/>
-              <a:t>, </a:t>
-            </a:r>
-            <a:r>
-              <a:rPr lang="ko-KR" altLang="en-US" dirty="0"/>
-              <a:t>확장성 개선</a:t>
-            </a:r>
-            <a:endParaRPr lang="en-US" altLang="ko-KR" dirty="0"/>
-          </a:p>
-          <a:p>
-            <a:pPr marL="285750" indent="-285750">
-              <a:buFont typeface="Arial" panose="020B0604020202020204" pitchFamily="34" charset="0"/>
-              <a:buChar char="•"/>
-            </a:pPr>
-            <a:r>
-              <a:rPr lang="en-US" altLang="ko-KR" dirty="0"/>
-              <a:t>LLM</a:t>
-            </a:r>
-            <a:r>
-              <a:rPr lang="ko-KR" altLang="en-US" dirty="0"/>
-              <a:t>에서 생성되는 일반용어를 뽑는 과정에서의 차별화도 고려해볼 수 있음</a:t>
-            </a:r>
-            <a:endParaRPr lang="en-US" altLang="ko-KR" dirty="0"/>
-          </a:p>
-          <a:p>
-            <a:pPr marL="285750" indent="-285750">
-              <a:buFont typeface="Arial" panose="020B0604020202020204" pitchFamily="34" charset="0"/>
-              <a:buChar char="•"/>
-            </a:pPr>
-            <a:r>
-              <a:rPr lang="ko-KR" altLang="en-US" dirty="0" err="1"/>
-              <a:t>테크니컬한</a:t>
-            </a:r>
-            <a:r>
-              <a:rPr lang="ko-KR" altLang="en-US" dirty="0"/>
-              <a:t> 부분이 들어가야 함</a:t>
+            <a:r>
+              <a:rPr lang="en-US" altLang="ko-KR" sz="1000" dirty="0"/>
+              <a:t>n</a:t>
+            </a:r>
+            <a:r>
+              <a:rPr lang="ko-KR" altLang="en-US" sz="1000" dirty="0"/>
+              <a:t>개</a:t>
             </a:r>
           </a:p>
         </p:txBody>
@@ -9711,7 +10775,7 @@
           <p:cNvPr id="8" name="TextBox 7">
             <a:extLst>
               <a:ext uri="{FF2B5EF4-FFF2-40B4-BE49-F238E27FC236}">
-                <a16:creationId xmlns:a16="http://schemas.microsoft.com/office/drawing/2014/main" id="{FF469047-A199-4AB7-BF58-AD02318B3D99}"/>
+                <a16:creationId xmlns:a16="http://schemas.microsoft.com/office/drawing/2014/main" id="{8E8311BB-E748-65C7-79A0-927A6ECCAAE1}"/>
               </a:ext>
             </a:extLst>
           </p:cNvPr>
@@ -9720,8 +10784,8 @@
         </p:nvSpPr>
         <p:spPr>
           <a:xfrm>
-            <a:off x="2384981" y="2049060"/>
-            <a:ext cx="646331" cy="369332"/>
+            <a:off x="1919739" y="3932929"/>
+            <a:ext cx="383438" cy="246221"/>
           </a:xfrm>
           <a:prstGeom prst="rect">
             <a:avLst/>
@@ -9729,14 +10793,18 @@
           <a:noFill/>
         </p:spPr>
         <p:txBody>
-          <a:bodyPr wrap="none" rtlCol="0">
+          <a:bodyPr wrap="square" rtlCol="0">
             <a:spAutoFit/>
           </a:bodyPr>
           <a:lstStyle/>
           <a:p>
             <a:r>
-              <a:rPr lang="ko-KR" altLang="en-US" dirty="0"/>
-              <a:t>의견</a:t>
+              <a:rPr lang="en-US" altLang="ko-KR" sz="1000" dirty="0"/>
+              <a:t>1</a:t>
+            </a:r>
+            <a:r>
+              <a:rPr lang="ko-KR" altLang="en-US" sz="1000" dirty="0"/>
+              <a:t>개</a:t>
             </a:r>
           </a:p>
         </p:txBody>
@@ -9746,7 +10814,7 @@
           <p:cNvPr id="9" name="TextBox 8">
             <a:extLst>
               <a:ext uri="{FF2B5EF4-FFF2-40B4-BE49-F238E27FC236}">
-                <a16:creationId xmlns:a16="http://schemas.microsoft.com/office/drawing/2014/main" id="{3B24D373-61A2-485D-8A0E-C4E5EDCA6C73}"/>
+                <a16:creationId xmlns:a16="http://schemas.microsoft.com/office/drawing/2014/main" id="{F9FFAFEE-89A8-DE20-5D71-DB3D0AD5DBE0}"/>
               </a:ext>
             </a:extLst>
           </p:cNvPr>
@@ -9755,8 +10823,8 @@
         </p:nvSpPr>
         <p:spPr>
           <a:xfrm>
-            <a:off x="2384980" y="3690437"/>
-            <a:ext cx="877163" cy="369332"/>
+            <a:off x="1535819" y="4712085"/>
+            <a:ext cx="1151277" cy="184666"/>
           </a:xfrm>
           <a:prstGeom prst="rect">
             <a:avLst/>
@@ -9764,16 +10832,24 @@
           <a:noFill/>
         </p:spPr>
         <p:txBody>
-          <a:bodyPr wrap="none" rtlCol="0">
+          <a:bodyPr wrap="square" rtlCol="0">
             <a:spAutoFit/>
           </a:bodyPr>
           <a:lstStyle/>
           <a:p>
             <a:r>
-              <a:rPr lang="ko-KR" altLang="en-US"/>
-              <a:t>문제점</a:t>
-            </a:r>
-            <a:endParaRPr lang="ko-KR" altLang="en-US" dirty="0"/>
+              <a:rPr lang="en-US" altLang="ko-KR" sz="600" dirty="0"/>
+              <a:t>"CAS</a:t>
+            </a:r>
+            <a:r>
+              <a:rPr lang="ko-KR" altLang="en-US" sz="600" dirty="0"/>
+              <a:t>번호 데이터를 보여줘</a:t>
+            </a:r>
+            <a:r>
+              <a:rPr lang="en-US" altLang="ko-KR" sz="600" dirty="0"/>
+              <a:t>."</a:t>
+            </a:r>
+            <a:endParaRPr lang="ko-KR" altLang="en-US" sz="600" dirty="0"/>
           </a:p>
         </p:txBody>
       </p:sp>
@@ -9782,7 +10858,7 @@
           <p:cNvPr id="10" name="TextBox 9">
             <a:extLst>
               <a:ext uri="{FF2B5EF4-FFF2-40B4-BE49-F238E27FC236}">
-                <a16:creationId xmlns:a16="http://schemas.microsoft.com/office/drawing/2014/main" id="{0B35BAF8-043D-4A11-8516-AEF027DE0E36}"/>
+                <a16:creationId xmlns:a16="http://schemas.microsoft.com/office/drawing/2014/main" id="{A903D60A-0913-AD9A-AC39-FE9F571A42EE}"/>
               </a:ext>
             </a:extLst>
           </p:cNvPr>
@@ -9791,8 +10867,8 @@
         </p:nvSpPr>
         <p:spPr>
           <a:xfrm>
-            <a:off x="2384980" y="4044515"/>
-            <a:ext cx="4828566" cy="369332"/>
+            <a:off x="3753484" y="4001677"/>
+            <a:ext cx="1151277" cy="184666"/>
           </a:xfrm>
           <a:prstGeom prst="rect">
             <a:avLst/>
@@ -9800,78 +10876,543 @@
           <a:noFill/>
         </p:spPr>
         <p:txBody>
-          <a:bodyPr wrap="none" rtlCol="0">
+          <a:bodyPr wrap="square" rtlCol="0">
             <a:spAutoFit/>
           </a:bodyPr>
           <a:lstStyle/>
           <a:p>
-            <a:pPr marL="285750" indent="-285750">
-              <a:buFont typeface="Arial" panose="020B0604020202020204" pitchFamily="34" charset="0"/>
-              <a:buChar char="•"/>
-            </a:pPr>
-            <a:r>
-              <a:rPr lang="ko-KR" altLang="en-US" dirty="0"/>
-              <a:t>표준용어 </a:t>
-            </a:r>
-            <a:r>
-              <a:rPr lang="en-US" altLang="ko-KR" dirty="0"/>
-              <a:t>dataset</a:t>
-            </a:r>
-            <a:r>
-              <a:rPr lang="ko-KR" altLang="en-US" dirty="0"/>
-              <a:t>에 </a:t>
-            </a:r>
-            <a:r>
-              <a:rPr lang="en-US" altLang="ko-KR" dirty="0"/>
-              <a:t>SQL </a:t>
-            </a:r>
-            <a:r>
-              <a:rPr lang="ko-KR" altLang="en-US" dirty="0"/>
-              <a:t>쿼리 데이터 부재</a:t>
-            </a:r>
-          </a:p>
-        </p:txBody>
-      </p:sp>
-      <p:pic>
-        <p:nvPicPr>
-          <p:cNvPr id="11" name="그림 10">
-            <a:extLst>
-              <a:ext uri="{FF2B5EF4-FFF2-40B4-BE49-F238E27FC236}">
-                <a16:creationId xmlns:a16="http://schemas.microsoft.com/office/drawing/2014/main" id="{F38363DC-D72F-4713-9785-11DAE6CE56F4}"/>
-              </a:ext>
-            </a:extLst>
-          </p:cNvPr>
-          <p:cNvPicPr>
-            <a:picLocks noChangeAspect="1"/>
-          </p:cNvPicPr>
+            <a:r>
+              <a:rPr lang="en-US" altLang="ko-KR" sz="600" dirty="0"/>
+              <a:t>"CAS</a:t>
+            </a:r>
+            <a:r>
+              <a:rPr lang="ko-KR" altLang="en-US" sz="600" dirty="0"/>
+              <a:t>번호 데이터를 보여줘</a:t>
+            </a:r>
+            <a:r>
+              <a:rPr lang="en-US" altLang="ko-KR" sz="600" dirty="0"/>
+              <a:t>."</a:t>
+            </a:r>
+            <a:endParaRPr lang="ko-KR" altLang="en-US" sz="600" dirty="0"/>
+          </a:p>
+        </p:txBody>
+      </p:sp>
+      <p:sp>
+        <p:nvSpPr>
+          <p:cNvPr id="11" name="TextBox 10">
+            <a:extLst>
+              <a:ext uri="{FF2B5EF4-FFF2-40B4-BE49-F238E27FC236}">
+                <a16:creationId xmlns:a16="http://schemas.microsoft.com/office/drawing/2014/main" id="{93C89D07-9AC3-D71D-EA5C-887559633E72}"/>
+              </a:ext>
+            </a:extLst>
+          </p:cNvPr>
+          <p:cNvSpPr txBox="1"/>
           <p:nvPr/>
-        </p:nvPicPr>
-        <p:blipFill>
-          <a:blip r:embed="rId2">
-            <a:extLst>
-              <a:ext uri="{28A0092B-C50C-407E-A947-70E740481C1C}">
-                <a14:useLocalDpi xmlns:a14="http://schemas.microsoft.com/office/drawing/2010/main" val="0"/>
-              </a:ext>
-            </a:extLst>
-          </a:blip>
-          <a:stretch>
-            <a:fillRect/>
-          </a:stretch>
-        </p:blipFill>
+        </p:nvSpPr>
         <p:spPr>
           <a:xfrm>
-            <a:off x="0" y="6584007"/>
-            <a:ext cx="2356338" cy="273993"/>
+            <a:off x="3753484" y="4407288"/>
+            <a:ext cx="808235" cy="184666"/>
           </a:xfrm>
           <a:prstGeom prst="rect">
             <a:avLst/>
           </a:prstGeom>
+          <a:noFill/>
         </p:spPr>
-      </p:pic>
+        <p:txBody>
+          <a:bodyPr wrap="square" rtlCol="0">
+            <a:spAutoFit/>
+          </a:bodyPr>
+          <a:lstStyle/>
+          <a:p>
+            <a:pPr latinLnBrk="1"/>
+            <a:r>
+              <a:rPr lang="en-US" altLang="ko-KR" sz="600" dirty="0"/>
+              <a:t>“</a:t>
+            </a:r>
+            <a:r>
+              <a:rPr lang="ko-KR" altLang="en-US" sz="600" dirty="0" err="1"/>
+              <a:t>캐스번호</a:t>
+            </a:r>
+            <a:r>
+              <a:rPr lang="ko-KR" altLang="en-US" sz="600" dirty="0"/>
+              <a:t> 보여줘</a:t>
+            </a:r>
+            <a:r>
+              <a:rPr lang="en-US" altLang="ko-KR" sz="600" dirty="0"/>
+              <a:t>”</a:t>
+            </a:r>
+            <a:endParaRPr lang="ko-KR" altLang="en-US" sz="600" dirty="0"/>
+          </a:p>
+        </p:txBody>
+      </p:sp>
+      <p:sp>
+        <p:nvSpPr>
+          <p:cNvPr id="12" name="TextBox 11">
+            <a:extLst>
+              <a:ext uri="{FF2B5EF4-FFF2-40B4-BE49-F238E27FC236}">
+                <a16:creationId xmlns:a16="http://schemas.microsoft.com/office/drawing/2014/main" id="{C0A19308-DE02-2702-FC5F-07214D1BDEE3}"/>
+              </a:ext>
+            </a:extLst>
+          </p:cNvPr>
+          <p:cNvSpPr txBox="1"/>
+          <p:nvPr/>
+        </p:nvSpPr>
+        <p:spPr>
+          <a:xfrm>
+            <a:off x="3747175" y="4987482"/>
+            <a:ext cx="1151277" cy="184666"/>
+          </a:xfrm>
+          <a:prstGeom prst="rect">
+            <a:avLst/>
+          </a:prstGeom>
+          <a:noFill/>
+        </p:spPr>
+        <p:txBody>
+          <a:bodyPr wrap="square" rtlCol="0">
+            <a:spAutoFit/>
+          </a:bodyPr>
+          <a:lstStyle/>
+          <a:p>
+            <a:r>
+              <a:rPr lang="en-US" altLang="ko-KR" sz="600" dirty="0"/>
+              <a:t>"CAS</a:t>
+            </a:r>
+            <a:r>
+              <a:rPr lang="ko-KR" altLang="en-US" sz="600" dirty="0"/>
+              <a:t>번호 데이터를 보여줘</a:t>
+            </a:r>
+            <a:r>
+              <a:rPr lang="en-US" altLang="ko-KR" sz="600" dirty="0"/>
+              <a:t>."</a:t>
+            </a:r>
+            <a:endParaRPr lang="ko-KR" altLang="en-US" sz="600" dirty="0"/>
+          </a:p>
+        </p:txBody>
+      </p:sp>
+      <p:sp>
+        <p:nvSpPr>
+          <p:cNvPr id="13" name="타원 12">
+            <a:extLst>
+              <a:ext uri="{FF2B5EF4-FFF2-40B4-BE49-F238E27FC236}">
+                <a16:creationId xmlns:a16="http://schemas.microsoft.com/office/drawing/2014/main" id="{B0D53F82-68BA-B075-78F2-70867B6F7572}"/>
+              </a:ext>
+            </a:extLst>
+          </p:cNvPr>
+          <p:cNvSpPr/>
+          <p:nvPr/>
+        </p:nvSpPr>
+        <p:spPr>
+          <a:xfrm>
+            <a:off x="3167750" y="3923704"/>
+            <a:ext cx="610820" cy="346798"/>
+          </a:xfrm>
+          <a:prstGeom prst="ellipse">
+            <a:avLst/>
+          </a:prstGeom>
+          <a:noFill/>
+        </p:spPr>
+        <p:style>
+          <a:lnRef idx="2">
+            <a:schemeClr val="accent1">
+              <a:shade val="15000"/>
+            </a:schemeClr>
+          </a:lnRef>
+          <a:fillRef idx="1">
+            <a:schemeClr val="accent1"/>
+          </a:fillRef>
+          <a:effectRef idx="0">
+            <a:schemeClr val="accent1"/>
+          </a:effectRef>
+          <a:fontRef idx="minor">
+            <a:schemeClr val="lt1"/>
+          </a:fontRef>
+        </p:style>
+        <p:txBody>
+          <a:bodyPr rtlCol="0" anchor="ctr"/>
+          <a:lstStyle/>
+          <a:p>
+            <a:pPr algn="ctr"/>
+            <a:r>
+              <a:rPr lang="en-US" altLang="ko-KR" sz="1000" dirty="0">
+                <a:solidFill>
+                  <a:schemeClr val="tx1"/>
+                </a:solidFill>
+              </a:rPr>
+              <a:t>NL</a:t>
+            </a:r>
+            <a:endParaRPr lang="ko-KR" altLang="en-US" sz="1000" dirty="0">
+              <a:solidFill>
+                <a:schemeClr val="tx1"/>
+              </a:solidFill>
+            </a:endParaRPr>
+          </a:p>
+        </p:txBody>
+      </p:sp>
+      <p:sp>
+        <p:nvSpPr>
+          <p:cNvPr id="14" name="타원 13">
+            <a:extLst>
+              <a:ext uri="{FF2B5EF4-FFF2-40B4-BE49-F238E27FC236}">
+                <a16:creationId xmlns:a16="http://schemas.microsoft.com/office/drawing/2014/main" id="{29F3827A-CDE9-9F1E-DAB8-8322A813221F}"/>
+              </a:ext>
+            </a:extLst>
+          </p:cNvPr>
+          <p:cNvSpPr/>
+          <p:nvPr/>
+        </p:nvSpPr>
+        <p:spPr>
+          <a:xfrm>
+            <a:off x="3167750" y="4331874"/>
+            <a:ext cx="610820" cy="346798"/>
+          </a:xfrm>
+          <a:prstGeom prst="ellipse">
+            <a:avLst/>
+          </a:prstGeom>
+          <a:noFill/>
+        </p:spPr>
+        <p:style>
+          <a:lnRef idx="2">
+            <a:schemeClr val="accent1">
+              <a:shade val="15000"/>
+            </a:schemeClr>
+          </a:lnRef>
+          <a:fillRef idx="1">
+            <a:schemeClr val="accent1"/>
+          </a:fillRef>
+          <a:effectRef idx="0">
+            <a:schemeClr val="accent1"/>
+          </a:effectRef>
+          <a:fontRef idx="minor">
+            <a:schemeClr val="lt1"/>
+          </a:fontRef>
+        </p:style>
+        <p:txBody>
+          <a:bodyPr rtlCol="0" anchor="ctr"/>
+          <a:lstStyle/>
+          <a:p>
+            <a:pPr algn="ctr"/>
+            <a:r>
+              <a:rPr lang="en-US" altLang="ko-KR" sz="1000" dirty="0">
+                <a:solidFill>
+                  <a:schemeClr val="tx1"/>
+                </a:solidFill>
+              </a:rPr>
+              <a:t>NL</a:t>
+            </a:r>
+            <a:endParaRPr lang="ko-KR" altLang="en-US" sz="1000" dirty="0">
+              <a:solidFill>
+                <a:schemeClr val="tx1"/>
+              </a:solidFill>
+            </a:endParaRPr>
+          </a:p>
+        </p:txBody>
+      </p:sp>
+      <p:sp>
+        <p:nvSpPr>
+          <p:cNvPr id="15" name="타원 14">
+            <a:extLst>
+              <a:ext uri="{FF2B5EF4-FFF2-40B4-BE49-F238E27FC236}">
+                <a16:creationId xmlns:a16="http://schemas.microsoft.com/office/drawing/2014/main" id="{2BBD8DF1-B193-CCD9-CEA2-E69072590F77}"/>
+              </a:ext>
+            </a:extLst>
+          </p:cNvPr>
+          <p:cNvSpPr/>
+          <p:nvPr/>
+        </p:nvSpPr>
+        <p:spPr>
+          <a:xfrm>
+            <a:off x="3167750" y="4906416"/>
+            <a:ext cx="610820" cy="346798"/>
+          </a:xfrm>
+          <a:prstGeom prst="ellipse">
+            <a:avLst/>
+          </a:prstGeom>
+          <a:noFill/>
+        </p:spPr>
+        <p:style>
+          <a:lnRef idx="2">
+            <a:schemeClr val="accent1">
+              <a:shade val="15000"/>
+            </a:schemeClr>
+          </a:lnRef>
+          <a:fillRef idx="1">
+            <a:schemeClr val="accent1"/>
+          </a:fillRef>
+          <a:effectRef idx="0">
+            <a:schemeClr val="accent1"/>
+          </a:effectRef>
+          <a:fontRef idx="minor">
+            <a:schemeClr val="lt1"/>
+          </a:fontRef>
+        </p:style>
+        <p:txBody>
+          <a:bodyPr rtlCol="0" anchor="ctr"/>
+          <a:lstStyle/>
+          <a:p>
+            <a:pPr algn="ctr"/>
+            <a:r>
+              <a:rPr lang="en-US" altLang="ko-KR" sz="1000" dirty="0">
+                <a:solidFill>
+                  <a:schemeClr val="tx1"/>
+                </a:solidFill>
+              </a:rPr>
+              <a:t>NL</a:t>
+            </a:r>
+            <a:endParaRPr lang="ko-KR" altLang="en-US" sz="1000" dirty="0">
+              <a:solidFill>
+                <a:schemeClr val="tx1"/>
+              </a:solidFill>
+            </a:endParaRPr>
+          </a:p>
+        </p:txBody>
+      </p:sp>
+      <p:cxnSp>
+        <p:nvCxnSpPr>
+          <p:cNvPr id="16" name="직선 연결선 15">
+            <a:extLst>
+              <a:ext uri="{FF2B5EF4-FFF2-40B4-BE49-F238E27FC236}">
+                <a16:creationId xmlns:a16="http://schemas.microsoft.com/office/drawing/2014/main" id="{A1B9C9A1-95F1-1EE3-36A9-5E9E24F2647C}"/>
+              </a:ext>
+            </a:extLst>
+          </p:cNvPr>
+          <p:cNvCxnSpPr>
+            <a:stCxn id="5" idx="6"/>
+            <a:endCxn id="13" idx="2"/>
+          </p:cNvCxnSpPr>
+          <p:nvPr/>
+        </p:nvCxnSpPr>
+        <p:spPr>
+          <a:xfrm flipV="1">
+            <a:off x="2463004" y="4097103"/>
+            <a:ext cx="704746" cy="370548"/>
+          </a:xfrm>
+          <a:prstGeom prst="line">
+            <a:avLst/>
+          </a:prstGeom>
+        </p:spPr>
+        <p:style>
+          <a:lnRef idx="1">
+            <a:schemeClr val="dk1"/>
+          </a:lnRef>
+          <a:fillRef idx="0">
+            <a:schemeClr val="dk1"/>
+          </a:fillRef>
+          <a:effectRef idx="0">
+            <a:schemeClr val="dk1"/>
+          </a:effectRef>
+          <a:fontRef idx="minor">
+            <a:schemeClr val="tx1"/>
+          </a:fontRef>
+        </p:style>
+      </p:cxnSp>
+      <p:cxnSp>
+        <p:nvCxnSpPr>
+          <p:cNvPr id="17" name="직선 연결선 16">
+            <a:extLst>
+              <a:ext uri="{FF2B5EF4-FFF2-40B4-BE49-F238E27FC236}">
+                <a16:creationId xmlns:a16="http://schemas.microsoft.com/office/drawing/2014/main" id="{C1CA3958-2A84-8CBC-F65E-D806108BD481}"/>
+              </a:ext>
+            </a:extLst>
+          </p:cNvPr>
+          <p:cNvCxnSpPr>
+            <a:stCxn id="5" idx="6"/>
+            <a:endCxn id="14" idx="2"/>
+          </p:cNvCxnSpPr>
+          <p:nvPr/>
+        </p:nvCxnSpPr>
+        <p:spPr>
+          <a:xfrm>
+            <a:off x="2463004" y="4467651"/>
+            <a:ext cx="704746" cy="37622"/>
+          </a:xfrm>
+          <a:prstGeom prst="line">
+            <a:avLst/>
+          </a:prstGeom>
+        </p:spPr>
+        <p:style>
+          <a:lnRef idx="1">
+            <a:schemeClr val="dk1"/>
+          </a:lnRef>
+          <a:fillRef idx="0">
+            <a:schemeClr val="dk1"/>
+          </a:fillRef>
+          <a:effectRef idx="0">
+            <a:schemeClr val="dk1"/>
+          </a:effectRef>
+          <a:fontRef idx="minor">
+            <a:schemeClr val="tx1"/>
+          </a:fontRef>
+        </p:style>
+      </p:cxnSp>
+      <p:cxnSp>
+        <p:nvCxnSpPr>
+          <p:cNvPr id="18" name="직선 연결선 17">
+            <a:extLst>
+              <a:ext uri="{FF2B5EF4-FFF2-40B4-BE49-F238E27FC236}">
+                <a16:creationId xmlns:a16="http://schemas.microsoft.com/office/drawing/2014/main" id="{695ECA30-BDF6-714D-DB1E-A535A4B09C9F}"/>
+              </a:ext>
+            </a:extLst>
+          </p:cNvPr>
+          <p:cNvCxnSpPr>
+            <a:stCxn id="5" idx="6"/>
+            <a:endCxn id="15" idx="2"/>
+          </p:cNvCxnSpPr>
+          <p:nvPr/>
+        </p:nvCxnSpPr>
+        <p:spPr>
+          <a:xfrm>
+            <a:off x="2463004" y="4467651"/>
+            <a:ext cx="704746" cy="612164"/>
+          </a:xfrm>
+          <a:prstGeom prst="line">
+            <a:avLst/>
+          </a:prstGeom>
+        </p:spPr>
+        <p:style>
+          <a:lnRef idx="1">
+            <a:schemeClr val="dk1"/>
+          </a:lnRef>
+          <a:fillRef idx="0">
+            <a:schemeClr val="dk1"/>
+          </a:fillRef>
+          <a:effectRef idx="0">
+            <a:schemeClr val="dk1"/>
+          </a:effectRef>
+          <a:fontRef idx="minor">
+            <a:schemeClr val="tx1"/>
+          </a:fontRef>
+        </p:style>
+      </p:cxnSp>
+      <p:sp>
+        <p:nvSpPr>
+          <p:cNvPr id="21" name="직사각형 20">
+            <a:extLst>
+              <a:ext uri="{FF2B5EF4-FFF2-40B4-BE49-F238E27FC236}">
+                <a16:creationId xmlns:a16="http://schemas.microsoft.com/office/drawing/2014/main" id="{A4C66736-A7A8-08E0-044B-0FA8D59EC91E}"/>
+              </a:ext>
+            </a:extLst>
+          </p:cNvPr>
+          <p:cNvSpPr/>
+          <p:nvPr/>
+        </p:nvSpPr>
+        <p:spPr>
+          <a:xfrm>
+            <a:off x="1250302" y="3508310"/>
+            <a:ext cx="3946849" cy="2064405"/>
+          </a:xfrm>
+          <a:prstGeom prst="rect">
+            <a:avLst/>
+          </a:prstGeom>
+          <a:noFill/>
+          <a:effectLst>
+            <a:outerShdw blurRad="25400" dist="50800" dir="5400000" algn="ctr" rotWithShape="0">
+              <a:srgbClr val="000000">
+                <a:alpha val="43137"/>
+              </a:srgbClr>
+            </a:outerShdw>
+          </a:effectLst>
+        </p:spPr>
+        <p:style>
+          <a:lnRef idx="2">
+            <a:schemeClr val="accent1">
+              <a:shade val="15000"/>
+            </a:schemeClr>
+          </a:lnRef>
+          <a:fillRef idx="1">
+            <a:schemeClr val="accent1"/>
+          </a:fillRef>
+          <a:effectRef idx="0">
+            <a:schemeClr val="accent1"/>
+          </a:effectRef>
+          <a:fontRef idx="minor">
+            <a:schemeClr val="lt1"/>
+          </a:fontRef>
+        </p:style>
+        <p:txBody>
+          <a:bodyPr rtlCol="0" anchor="ctr"/>
+          <a:lstStyle/>
+          <a:p>
+            <a:pPr algn="ctr"/>
+            <a:endParaRPr lang="ko-KR" altLang="en-US" dirty="0"/>
+          </a:p>
+        </p:txBody>
+      </p:sp>
+      <p:sp>
+        <p:nvSpPr>
+          <p:cNvPr id="22" name="TextBox 21">
+            <a:extLst>
+              <a:ext uri="{FF2B5EF4-FFF2-40B4-BE49-F238E27FC236}">
+                <a16:creationId xmlns:a16="http://schemas.microsoft.com/office/drawing/2014/main" id="{1209B7D0-2616-A09E-CD04-8785E5B16789}"/>
+              </a:ext>
+            </a:extLst>
+          </p:cNvPr>
+          <p:cNvSpPr txBox="1"/>
+          <p:nvPr/>
+        </p:nvSpPr>
+        <p:spPr>
+          <a:xfrm>
+            <a:off x="1217702" y="3262089"/>
+            <a:ext cx="441146" cy="246221"/>
+          </a:xfrm>
+          <a:prstGeom prst="rect">
+            <a:avLst/>
+          </a:prstGeom>
+          <a:noFill/>
+        </p:spPr>
+        <p:txBody>
+          <a:bodyPr wrap="none" rtlCol="0">
+            <a:spAutoFit/>
+          </a:bodyPr>
+          <a:lstStyle/>
+          <a:p>
+            <a:r>
+              <a:rPr lang="ko-KR" altLang="en-US" sz="1000" dirty="0"/>
+              <a:t>학습</a:t>
+            </a:r>
+          </a:p>
+        </p:txBody>
+      </p:sp>
+      <p:sp>
+        <p:nvSpPr>
+          <p:cNvPr id="23" name="TextBox 22">
+            <a:extLst>
+              <a:ext uri="{FF2B5EF4-FFF2-40B4-BE49-F238E27FC236}">
+                <a16:creationId xmlns:a16="http://schemas.microsoft.com/office/drawing/2014/main" id="{C17B2C6A-DF46-9528-19A4-9719AE362952}"/>
+              </a:ext>
+            </a:extLst>
+          </p:cNvPr>
+          <p:cNvSpPr txBox="1"/>
+          <p:nvPr/>
+        </p:nvSpPr>
+        <p:spPr>
+          <a:xfrm>
+            <a:off x="11857657" y="6445507"/>
+            <a:ext cx="274434" cy="276999"/>
+          </a:xfrm>
+          <a:prstGeom prst="rect">
+            <a:avLst/>
+          </a:prstGeom>
+          <a:noFill/>
+        </p:spPr>
+        <p:txBody>
+          <a:bodyPr wrap="none" rtlCol="0">
+            <a:spAutoFit/>
+          </a:bodyPr>
+          <a:lstStyle/>
+          <a:p>
+            <a:r>
+              <a:rPr lang="en-US" altLang="ko-KR" sz="1200" b="1" dirty="0"/>
+              <a:t>6</a:t>
+            </a:r>
+            <a:endParaRPr lang="ko-KR" altLang="en-US" sz="1200" b="1" dirty="0"/>
+          </a:p>
+        </p:txBody>
+      </p:sp>
     </p:spTree>
     <p:extLst>
       <p:ext uri="{BB962C8B-B14F-4D97-AF65-F5344CB8AC3E}">
-        <p14:creationId xmlns:p14="http://schemas.microsoft.com/office/powerpoint/2010/main" val="732667342"/>
+        <p14:creationId xmlns:p14="http://schemas.microsoft.com/office/powerpoint/2010/main" val="3790415638"/>
       </p:ext>
     </p:extLst>
   </p:cSld>

--- a/PPT/DSLab_이승건_특허.pptx
+++ b/PPT/DSLab_이승건_특허.pptx
@@ -5,15 +5,14 @@
     <p:sldMasterId id="2147483648" r:id="rId1"/>
   </p:sldMasterIdLst>
   <p:notesMasterIdLst>
-    <p:notesMasterId r:id="rId8"/>
+    <p:notesMasterId r:id="rId7"/>
   </p:notesMasterIdLst>
   <p:sldIdLst>
     <p:sldId id="258" r:id="rId2"/>
     <p:sldId id="257" r:id="rId3"/>
-    <p:sldId id="265" r:id="rId4"/>
-    <p:sldId id="256" r:id="rId5"/>
-    <p:sldId id="263" r:id="rId6"/>
-    <p:sldId id="264" r:id="rId7"/>
+    <p:sldId id="256" r:id="rId4"/>
+    <p:sldId id="263" r:id="rId5"/>
+    <p:sldId id="264" r:id="rId6"/>
   </p:sldIdLst>
   <p:sldSz cx="12192000" cy="6858000"/>
   <p:notesSz cx="6858000" cy="9144000"/>
@@ -3722,9 +3721,20 @@
             </a:r>
             <a:r>
               <a:rPr lang="en-US" altLang="ko-KR" sz="3000" b="1" dirty="0"/>
-              <a:t>sql2text</a:t>
-            </a:r>
-            <a:endParaRPr lang="ko-KR" altLang="en-US" sz="3000" b="1" dirty="0"/>
+              <a:t>sql2text </a:t>
+            </a:r>
+            <a:r>
+              <a:rPr lang="ko-KR" altLang="en-US" sz="3000" b="1" dirty="0"/>
+              <a:t>데이터 증강</a:t>
+            </a:r>
+            <a:br>
+              <a:rPr lang="en-US" altLang="ko-KR" sz="3000" b="1" dirty="0"/>
+            </a:br>
+            <a:r>
+              <a:rPr lang="en-US" altLang="ko-KR" sz="2000" b="1" dirty="0"/>
+              <a:t>sql2text RAG-based data augmentation for text2sql training</a:t>
+            </a:r>
+            <a:endParaRPr lang="ko-KR" altLang="en-US" sz="2000" b="1" dirty="0"/>
           </a:p>
         </p:txBody>
       </p:sp>
@@ -3761,6 +3771,41 @@
               <a:t>1</a:t>
             </a:r>
             <a:endParaRPr lang="ko-KR" altLang="en-US" sz="1200" b="1" dirty="0"/>
+          </a:p>
+        </p:txBody>
+      </p:sp>
+      <p:sp>
+        <p:nvSpPr>
+          <p:cNvPr id="3" name="TextBox 2">
+            <a:extLst>
+              <a:ext uri="{FF2B5EF4-FFF2-40B4-BE49-F238E27FC236}">
+                <a16:creationId xmlns:a16="http://schemas.microsoft.com/office/drawing/2014/main" id="{C82C453B-0BB4-4087-B7B5-41E5EC825AFB}"/>
+              </a:ext>
+            </a:extLst>
+          </p:cNvPr>
+          <p:cNvSpPr txBox="1"/>
+          <p:nvPr/>
+        </p:nvSpPr>
+        <p:spPr>
+          <a:xfrm>
+            <a:off x="9686925" y="5791200"/>
+            <a:ext cx="1882247" cy="369332"/>
+          </a:xfrm>
+          <a:prstGeom prst="rect">
+            <a:avLst/>
+          </a:prstGeom>
+          <a:noFill/>
+        </p:spPr>
+        <p:txBody>
+          <a:bodyPr wrap="none" rtlCol="0">
+            <a:spAutoFit/>
+          </a:bodyPr>
+          <a:lstStyle/>
+          <a:p>
+            <a:r>
+              <a:rPr lang="ko-KR" altLang="en-US" dirty="0"/>
+              <a:t>석사과정 이승건</a:t>
+            </a:r>
           </a:p>
         </p:txBody>
       </p:sp>
@@ -3809,14 +3854,14 @@
           <p:nvPr>
             <p:extLst>
               <p:ext uri="{D42A27DB-BD31-4B8C-83A1-F6EECF244321}">
-                <p14:modId xmlns:p14="http://schemas.microsoft.com/office/powerpoint/2010/main" val="2125042967"/>
+                <p14:modId xmlns:p14="http://schemas.microsoft.com/office/powerpoint/2010/main" val="3461630433"/>
               </p:ext>
             </p:extLst>
           </p:nvPr>
         </p:nvGraphicFramePr>
         <p:xfrm>
-          <a:off x="2108200" y="1034626"/>
-          <a:ext cx="8128000" cy="741680"/>
+          <a:off x="2032000" y="2354580"/>
+          <a:ext cx="8128000" cy="2148840"/>
         </p:xfrm>
         <a:graphic>
           <a:graphicData uri="http://schemas.openxmlformats.org/drawingml/2006/table">
@@ -3825,14 +3870,14 @@
                 <a:tableStyleId>{5C22544A-7EE6-4342-B048-85BDC9FD1C3A}</a:tableStyleId>
               </a:tblPr>
               <a:tblGrid>
-                <a:gridCol w="1643529">
+                <a:gridCol w="1435100">
                   <a:extLst>
                     <a:ext uri="{9D8B030D-6E8A-4147-A177-3AD203B41FA5}">
                       <a16:colId xmlns:a16="http://schemas.microsoft.com/office/drawing/2014/main" val="825246426"/>
                     </a:ext>
                   </a:extLst>
                 </a:gridCol>
-                <a:gridCol w="6484471">
+                <a:gridCol w="6692900">
                   <a:extLst>
                     <a:ext uri="{9D8B030D-6E8A-4147-A177-3AD203B41FA5}">
                       <a16:colId xmlns:a16="http://schemas.microsoft.com/office/drawing/2014/main" val="2625059254"/>
@@ -3840,7 +3885,7 @@
                   </a:extLst>
                 </a:gridCol>
               </a:tblGrid>
-              <a:tr h="370840">
+              <a:tr h="329297">
                 <a:tc>
                   <a:txBody>
                     <a:bodyPr/>
@@ -3848,12 +3893,23 @@
                     <a:p>
                       <a:pPr latinLnBrk="1"/>
                       <a:r>
-                        <a:rPr lang="ko-KR" altLang="en-US" dirty="0"/>
-                        <a:t>특허 주제</a:t>
+                        <a:rPr lang="ko-KR" altLang="en-US" b="0" dirty="0">
+                          <a:solidFill>
+                            <a:schemeClr val="tx1"/>
+                          </a:solidFill>
+                        </a:rPr>
+                        <a:t>특허 명칭</a:t>
                       </a:r>
                     </a:p>
                   </a:txBody>
-                  <a:tcPr/>
+                  <a:tcPr>
+                    <a:solidFill>
+                      <a:schemeClr val="tx2">
+                        <a:lumMod val="40000"/>
+                        <a:lumOff val="60000"/>
+                      </a:schemeClr>
+                    </a:solidFill>
+                  </a:tcPr>
                 </a:tc>
                 <a:tc>
                   <a:txBody>
@@ -3862,21 +3918,47 @@
                     <a:p>
                       <a:pPr latinLnBrk="1"/>
                       <a:r>
-                        <a:rPr lang="en-US" altLang="ko-KR" dirty="0"/>
+                        <a:rPr lang="en-US" altLang="ko-KR" b="0" dirty="0">
+                          <a:solidFill>
+                            <a:schemeClr val="tx1"/>
+                          </a:solidFill>
+                        </a:rPr>
                         <a:t>text2sql </a:t>
                       </a:r>
                       <a:r>
-                        <a:rPr lang="ko-KR" altLang="en-US" dirty="0"/>
+                        <a:rPr lang="ko-KR" altLang="en-US" b="0" dirty="0">
+                          <a:solidFill>
+                            <a:schemeClr val="tx1"/>
+                          </a:solidFill>
+                        </a:rPr>
                         <a:t>학습을 위한 </a:t>
                       </a:r>
                       <a:r>
-                        <a:rPr lang="en-US" altLang="ko-KR" dirty="0"/>
-                        <a:t>sql2text</a:t>
-                      </a:r>
-                      <a:endParaRPr lang="ko-KR" altLang="en-US" dirty="0"/>
+                        <a:rPr lang="en-US" altLang="ko-KR" b="0" dirty="0">
+                          <a:solidFill>
+                            <a:schemeClr val="tx1"/>
+                          </a:solidFill>
+                        </a:rPr>
+                        <a:t>sql2text </a:t>
+                      </a:r>
+                      <a:r>
+                        <a:rPr lang="ko-KR" altLang="en-US" b="0" dirty="0">
+                          <a:solidFill>
+                            <a:schemeClr val="tx1"/>
+                          </a:solidFill>
+                        </a:rPr>
+                        <a:t>데이터 증강</a:t>
+                      </a:r>
                     </a:p>
                   </a:txBody>
-                  <a:tcPr/>
+                  <a:tcPr>
+                    <a:solidFill>
+                      <a:schemeClr val="tx2">
+                        <a:lumMod val="40000"/>
+                        <a:lumOff val="60000"/>
+                      </a:schemeClr>
+                    </a:solidFill>
+                  </a:tcPr>
                 </a:tc>
                 <a:extLst>
                   <a:ext uri="{0D108BD9-81ED-4DB2-BD59-A6C34878D82A}">
@@ -3884,7 +3966,7 @@
                   </a:ext>
                 </a:extLst>
               </a:tr>
-              <a:tr h="370840">
+              <a:tr h="548640">
                 <a:tc>
                   <a:txBody>
                     <a:bodyPr/>
@@ -3892,38 +3974,109 @@
                     <a:p>
                       <a:pPr latinLnBrk="1"/>
                       <a:r>
-                        <a:rPr lang="ko-KR" altLang="en-US" dirty="0"/>
-                        <a:t>핵심 주제</a:t>
+                        <a:rPr lang="ko-KR" altLang="en-US" sz="1500" dirty="0"/>
+                        <a:t>주제</a:t>
                       </a:r>
                     </a:p>
                   </a:txBody>
-                  <a:tcPr/>
+                  <a:tcPr anchor="ctr">
+                    <a:solidFill>
+                      <a:schemeClr val="tx2">
+                        <a:lumMod val="40000"/>
+                        <a:lumOff val="60000"/>
+                      </a:schemeClr>
+                    </a:solidFill>
+                  </a:tcPr>
                 </a:tc>
                 <a:tc>
                   <a:txBody>
                     <a:bodyPr/>
                     <a:lstStyle/>
                     <a:p>
+                      <a:pPr marL="285750" indent="-285750" latinLnBrk="1">
+                        <a:buFont typeface="Arial" panose="020B0604020202020204" pitchFamily="34" charset="0"/>
+                        <a:buChar char="•"/>
+                      </a:pPr>
+                      <a:r>
+                        <a:rPr lang="en-US" altLang="ko-KR" sz="1500" dirty="0"/>
+                        <a:t>sql2text</a:t>
+                      </a:r>
+                      <a:r>
+                        <a:rPr lang="ko-KR" altLang="en-US" sz="1500" dirty="0"/>
+                        <a:t> </a:t>
+                      </a:r>
+                      <a:r>
+                        <a:rPr lang="en-US" altLang="ko-KR" sz="1500" dirty="0"/>
+                        <a:t>RAG</a:t>
+                      </a:r>
+                      <a:r>
+                        <a:rPr lang="ko-KR" altLang="en-US" sz="1500" dirty="0"/>
+                        <a:t>를 통한 학습 데이터셋 증강</a:t>
+                      </a:r>
+                      <a:endParaRPr lang="en-US" altLang="ko-KR" sz="1500" dirty="0"/>
+                    </a:p>
+                    <a:p>
+                      <a:pPr marL="285750" indent="-285750">
+                        <a:buFont typeface="Arial" panose="020B0604020202020204" pitchFamily="34" charset="0"/>
+                        <a:buChar char="•"/>
+                      </a:pPr>
+                      <a:r>
+                        <a:rPr lang="ko-KR" altLang="en-US" sz="1500" dirty="0"/>
+                        <a:t>표준용어 </a:t>
+                      </a:r>
+                      <a:r>
+                        <a:rPr lang="en-US" altLang="ko-KR" sz="1500" dirty="0"/>
+                        <a:t>base</a:t>
+                      </a:r>
+                      <a:r>
+                        <a:rPr lang="ko-KR" altLang="en-US" sz="1500" dirty="0"/>
+                        <a:t>의 정제된 문장</a:t>
+                      </a:r>
+                      <a:r>
+                        <a:rPr lang="en-US" altLang="ko-KR" sz="1500" dirty="0"/>
+                        <a:t>, SQL Query</a:t>
+                      </a:r>
+                      <a:r>
+                        <a:rPr lang="ko-KR" altLang="en-US" sz="1500" dirty="0"/>
+                        <a:t>의 데이터셋 쌍을 활용 </a:t>
+                      </a:r>
+                      <a:endParaRPr lang="en-US" altLang="ko-KR" sz="1500" dirty="0"/>
+                    </a:p>
+                    <a:p>
+                      <a:pPr marL="285750" indent="-285750">
+                        <a:buFont typeface="Arial" panose="020B0604020202020204" pitchFamily="34" charset="0"/>
+                        <a:buChar char="•"/>
+                      </a:pPr>
+                      <a:r>
+                        <a:rPr lang="en-US" altLang="ko-KR" sz="1500" dirty="0"/>
+                        <a:t>RAG</a:t>
+                      </a:r>
+                      <a:r>
+                        <a:rPr lang="ko-KR" altLang="en-US" sz="1500" dirty="0"/>
+                        <a:t>를 활용해 생성한 문장들을 </a:t>
+                      </a:r>
+                      <a:r>
+                        <a:rPr lang="en-US" altLang="ko-KR" sz="1500" dirty="0"/>
+                        <a:t>1:N </a:t>
+                      </a:r>
+                      <a:r>
+                        <a:rPr lang="ko-KR" altLang="en-US" sz="1500" dirty="0"/>
+                        <a:t>매핑</a:t>
+                      </a:r>
+                    </a:p>
+                    <a:p>
                       <a:pPr latinLnBrk="1"/>
-                      <a:r>
-                        <a:rPr lang="en-US" altLang="ko-KR" dirty="0"/>
-                        <a:t>Sql2text</a:t>
-                      </a:r>
-                      <a:r>
-                        <a:rPr lang="ko-KR" altLang="en-US" dirty="0"/>
-                        <a:t> </a:t>
-                      </a:r>
-                      <a:r>
-                        <a:rPr lang="en-US" altLang="ko-KR" dirty="0"/>
-                        <a:t>RAG</a:t>
-                      </a:r>
-                      <a:r>
-                        <a:rPr lang="ko-KR" altLang="en-US" dirty="0"/>
-                        <a:t>를 통한 학습 데이터 증강</a:t>
-                      </a:r>
+                      <a:endParaRPr lang="ko-KR" altLang="en-US" sz="1500" dirty="0"/>
                     </a:p>
                   </a:txBody>
-                  <a:tcPr/>
+                  <a:tcPr>
+                    <a:solidFill>
+                      <a:schemeClr val="tx2">
+                        <a:lumMod val="40000"/>
+                        <a:lumOff val="60000"/>
+                      </a:schemeClr>
+                    </a:solidFill>
+                  </a:tcPr>
                 </a:tc>
                 <a:extLst>
                   <a:ext uri="{0D108BD9-81ED-4DB2-BD59-A6C34878D82A}">
@@ -3931,80 +4084,82 @@
                   </a:ext>
                 </a:extLst>
               </a:tr>
+              <a:tr h="548640">
+                <a:tc>
+                  <a:txBody>
+                    <a:bodyPr/>
+                    <a:lstStyle/>
+                    <a:p>
+                      <a:pPr latinLnBrk="1"/>
+                      <a:r>
+                        <a:rPr lang="ko-KR" altLang="en-US" sz="1500" dirty="0"/>
+                        <a:t>배경</a:t>
+                      </a:r>
+                    </a:p>
+                  </a:txBody>
+                  <a:tcPr anchor="ctr">
+                    <a:solidFill>
+                      <a:schemeClr val="tx2">
+                        <a:lumMod val="40000"/>
+                        <a:lumOff val="60000"/>
+                      </a:schemeClr>
+                    </a:solidFill>
+                  </a:tcPr>
+                </a:tc>
+                <a:tc>
+                  <a:txBody>
+                    <a:bodyPr/>
+                    <a:lstStyle/>
+                    <a:p>
+                      <a:r>
+                        <a:rPr lang="en-US" altLang="ko-KR" sz="1500" dirty="0"/>
+                        <a:t>text2sql</a:t>
+                      </a:r>
+                      <a:r>
+                        <a:rPr lang="ko-KR" altLang="en-US" sz="1500" dirty="0"/>
+                        <a:t>에서 전문용어를 사용하는 특정 분야의 데이터셋 크기 및 정보의 한계 개선을 위해</a:t>
+                      </a:r>
+                      <a:r>
+                        <a:rPr lang="en-US" altLang="ko-KR" sz="1500" dirty="0"/>
+                        <a:t>, </a:t>
+                      </a:r>
+                      <a:r>
+                        <a:rPr lang="en-US" altLang="ko-KR" sz="1500" b="1" dirty="0"/>
+                        <a:t>sql2text</a:t>
+                      </a:r>
+                      <a:r>
+                        <a:rPr lang="ko-KR" altLang="en-US" sz="1500" b="1" dirty="0"/>
+                        <a:t>를 통해 데이터셋 증강</a:t>
+                      </a:r>
+                      <a:r>
+                        <a:rPr lang="ko-KR" altLang="en-US" sz="1500" dirty="0"/>
+                        <a:t>을 해보고자 함 </a:t>
+                      </a:r>
+                    </a:p>
+                    <a:p>
+                      <a:pPr latinLnBrk="1"/>
+                      <a:endParaRPr lang="ko-KR" altLang="en-US" sz="1500" dirty="0"/>
+                    </a:p>
+                  </a:txBody>
+                  <a:tcPr>
+                    <a:solidFill>
+                      <a:schemeClr val="tx2">
+                        <a:lumMod val="40000"/>
+                        <a:lumOff val="60000"/>
+                      </a:schemeClr>
+                    </a:solidFill>
+                  </a:tcPr>
+                </a:tc>
+                <a:extLst>
+                  <a:ext uri="{0D108BD9-81ED-4DB2-BD59-A6C34878D82A}">
+                    <a16:rowId xmlns:a16="http://schemas.microsoft.com/office/drawing/2014/main" val="2550523604"/>
+                  </a:ext>
+                </a:extLst>
+              </a:tr>
             </a:tbl>
           </a:graphicData>
         </a:graphic>
       </p:graphicFrame>
-      <p:sp>
-        <p:nvSpPr>
-          <p:cNvPr id="2" name="TextBox 1">
-            <a:extLst>
-              <a:ext uri="{FF2B5EF4-FFF2-40B4-BE49-F238E27FC236}">
-                <a16:creationId xmlns:a16="http://schemas.microsoft.com/office/drawing/2014/main" id="{AC806472-0B28-B740-A77A-D47FC6A773FC}"/>
-              </a:ext>
-            </a:extLst>
-          </p:cNvPr>
-          <p:cNvSpPr txBox="1"/>
-          <p:nvPr/>
-        </p:nvSpPr>
-        <p:spPr>
-          <a:xfrm>
-            <a:off x="1311214" y="1880558"/>
-            <a:ext cx="7203058" cy="646331"/>
-          </a:xfrm>
-          <a:prstGeom prst="rect">
-            <a:avLst/>
-          </a:prstGeom>
-          <a:noFill/>
-        </p:spPr>
-        <p:txBody>
-          <a:bodyPr wrap="square" rtlCol="0">
-            <a:spAutoFit/>
-          </a:bodyPr>
-          <a:lstStyle/>
-          <a:p>
-            <a:r>
-              <a:rPr lang="ko-KR" altLang="en-US" dirty="0"/>
-              <a:t>표준용어 </a:t>
-            </a:r>
-            <a:r>
-              <a:rPr lang="en-US" altLang="ko-KR" dirty="0"/>
-              <a:t>base</a:t>
-            </a:r>
-            <a:r>
-              <a:rPr lang="ko-KR" altLang="en-US" dirty="0"/>
-              <a:t>의 정제된 문장</a:t>
-            </a:r>
-            <a:r>
-              <a:rPr lang="en-US" altLang="ko-KR" dirty="0"/>
-              <a:t>, SQL Query</a:t>
-            </a:r>
-            <a:r>
-              <a:rPr lang="ko-KR" altLang="en-US" dirty="0"/>
-              <a:t>의 데이터셋 쌍을 활용 </a:t>
-            </a:r>
-            <a:endParaRPr lang="en-US" altLang="ko-KR" dirty="0"/>
-          </a:p>
-          <a:p>
-            <a:r>
-              <a:rPr lang="en-US" altLang="ko-KR" dirty="0"/>
-              <a:t>RAG</a:t>
-            </a:r>
-            <a:r>
-              <a:rPr lang="ko-KR" altLang="en-US" dirty="0"/>
-              <a:t>를 활용해 생성한 문장들을 </a:t>
-            </a:r>
-            <a:r>
-              <a:rPr lang="en-US" altLang="ko-KR" dirty="0"/>
-              <a:t>1:N </a:t>
-            </a:r>
-            <a:r>
-              <a:rPr lang="ko-KR" altLang="en-US" dirty="0"/>
-              <a:t>매핑</a:t>
-            </a:r>
-          </a:p>
-        </p:txBody>
-      </p:sp>
       <p:sp>
         <p:nvSpPr>
           <p:cNvPr id="3" name="TextBox 2">
@@ -4038,6 +4193,42 @@
               <a:t>2</a:t>
             </a:r>
             <a:endParaRPr lang="ko-KR" altLang="en-US" sz="1200" b="1" dirty="0"/>
+          </a:p>
+        </p:txBody>
+      </p:sp>
+      <p:sp>
+        <p:nvSpPr>
+          <p:cNvPr id="7" name="TextBox 6">
+            <a:extLst>
+              <a:ext uri="{FF2B5EF4-FFF2-40B4-BE49-F238E27FC236}">
+                <a16:creationId xmlns:a16="http://schemas.microsoft.com/office/drawing/2014/main" id="{EAD81958-EA21-43DB-8E66-3F0BC85E2F32}"/>
+              </a:ext>
+            </a:extLst>
+          </p:cNvPr>
+          <p:cNvSpPr txBox="1"/>
+          <p:nvPr/>
+        </p:nvSpPr>
+        <p:spPr>
+          <a:xfrm>
+            <a:off x="70338" y="87923"/>
+            <a:ext cx="2609255" cy="400110"/>
+          </a:xfrm>
+          <a:prstGeom prst="rect">
+            <a:avLst/>
+          </a:prstGeom>
+          <a:noFill/>
+        </p:spPr>
+        <p:txBody>
+          <a:bodyPr wrap="square" rtlCol="0">
+            <a:spAutoFit/>
+          </a:bodyPr>
+          <a:lstStyle/>
+          <a:p>
+            <a:r>
+              <a:rPr lang="ko-KR" altLang="en-US" sz="2000" b="1"/>
+              <a:t>특허 명칭 및 주제</a:t>
+            </a:r>
+            <a:endParaRPr lang="ko-KR" altLang="en-US" sz="2000" b="1" dirty="0"/>
           </a:p>
         </p:txBody>
       </p:sp>
@@ -4071,1024 +4262,21 @@
           <a:chExt cx="0" cy="0"/>
         </a:xfrm>
       </p:grpSpPr>
-      <p:pic>
-        <p:nvPicPr>
-          <p:cNvPr id="8" name="그림 7">
-            <a:extLst>
-              <a:ext uri="{FF2B5EF4-FFF2-40B4-BE49-F238E27FC236}">
-                <a16:creationId xmlns:a16="http://schemas.microsoft.com/office/drawing/2014/main" id="{A97AAC62-34EF-43F3-9625-522091AC6B61}"/>
-              </a:ext>
-            </a:extLst>
-          </p:cNvPr>
-          <p:cNvPicPr>
-            <a:picLocks noChangeAspect="1"/>
-          </p:cNvPicPr>
+      <p:sp>
+        <p:nvSpPr>
+          <p:cNvPr id="4" name="순서도: 문서 3">
+            <a:extLst>
+              <a:ext uri="{FF2B5EF4-FFF2-40B4-BE49-F238E27FC236}">
+                <a16:creationId xmlns:a16="http://schemas.microsoft.com/office/drawing/2014/main" id="{6850831B-3BB2-CC73-856F-FABA0F70D8BE}"/>
+              </a:ext>
+            </a:extLst>
+          </p:cNvPr>
+          <p:cNvSpPr/>
           <p:nvPr/>
-        </p:nvPicPr>
-        <p:blipFill>
-          <a:blip r:embed="rId2">
-            <a:extLst>
-              <a:ext uri="{28A0092B-C50C-407E-A947-70E740481C1C}">
-                <a14:useLocalDpi xmlns:a14="http://schemas.microsoft.com/office/drawing/2010/main" val="0"/>
-              </a:ext>
-            </a:extLst>
-          </a:blip>
-          <a:stretch>
-            <a:fillRect/>
-          </a:stretch>
-        </p:blipFill>
+        </p:nvSpPr>
         <p:spPr>
           <a:xfrm>
-            <a:off x="0" y="6584007"/>
-            <a:ext cx="2356338" cy="273993"/>
-          </a:xfrm>
-          <a:prstGeom prst="rect">
-            <a:avLst/>
-          </a:prstGeom>
-        </p:spPr>
-      </p:pic>
-      <p:sp>
-        <p:nvSpPr>
-          <p:cNvPr id="10" name="TextBox 9">
-            <a:extLst>
-              <a:ext uri="{FF2B5EF4-FFF2-40B4-BE49-F238E27FC236}">
-                <a16:creationId xmlns:a16="http://schemas.microsoft.com/office/drawing/2014/main" id="{F54120D7-B620-4D19-A7B6-CF154A2EA856}"/>
-              </a:ext>
-            </a:extLst>
-          </p:cNvPr>
-          <p:cNvSpPr txBox="1"/>
-          <p:nvPr/>
-        </p:nvSpPr>
-        <p:spPr>
-          <a:xfrm>
-            <a:off x="70338" y="87923"/>
-            <a:ext cx="2609255" cy="400110"/>
-          </a:xfrm>
-          <a:prstGeom prst="rect">
-            <a:avLst/>
-          </a:prstGeom>
-          <a:noFill/>
-        </p:spPr>
-        <p:txBody>
-          <a:bodyPr wrap="square" rtlCol="0">
-            <a:spAutoFit/>
-          </a:bodyPr>
-          <a:lstStyle/>
-          <a:p>
-            <a:r>
-              <a:rPr lang="en-US" altLang="ko-KR" sz="2000" b="1" dirty="0"/>
-              <a:t>text2sql </a:t>
-            </a:r>
-            <a:r>
-              <a:rPr lang="ko-KR" altLang="en-US" sz="2000" b="1" dirty="0"/>
-              <a:t>기본 구조</a:t>
-            </a:r>
-          </a:p>
-        </p:txBody>
-      </p:sp>
-      <p:sp>
-        <p:nvSpPr>
-          <p:cNvPr id="12" name="순서도: 자기 디스크 11">
-            <a:extLst>
-              <a:ext uri="{FF2B5EF4-FFF2-40B4-BE49-F238E27FC236}">
-                <a16:creationId xmlns:a16="http://schemas.microsoft.com/office/drawing/2014/main" id="{B83B9B9F-2EC5-414C-A922-C6CC1E2067D3}"/>
-              </a:ext>
-            </a:extLst>
-          </p:cNvPr>
-          <p:cNvSpPr/>
-          <p:nvPr/>
-        </p:nvSpPr>
-        <p:spPr>
-          <a:xfrm>
-            <a:off x="3349656" y="751113"/>
-            <a:ext cx="1301262" cy="621323"/>
-          </a:xfrm>
-          <a:prstGeom prst="flowChartMagneticDisk">
-            <a:avLst/>
-          </a:prstGeom>
-          <a:solidFill>
-            <a:schemeClr val="bg1"/>
-          </a:solidFill>
-        </p:spPr>
-        <p:style>
-          <a:lnRef idx="2">
-            <a:schemeClr val="accent1">
-              <a:shade val="50000"/>
-            </a:schemeClr>
-          </a:lnRef>
-          <a:fillRef idx="1">
-            <a:schemeClr val="accent1"/>
-          </a:fillRef>
-          <a:effectRef idx="0">
-            <a:schemeClr val="accent1"/>
-          </a:effectRef>
-          <a:fontRef idx="minor">
-            <a:schemeClr val="lt1"/>
-          </a:fontRef>
-        </p:style>
-        <p:txBody>
-          <a:bodyPr rtlCol="0" anchor="ctr"/>
-          <a:lstStyle/>
-          <a:p>
-            <a:pPr algn="ctr"/>
-            <a:r>
-              <a:rPr lang="en-US" altLang="ko-KR" sz="1000" dirty="0">
-                <a:solidFill>
-                  <a:schemeClr val="tx1"/>
-                </a:solidFill>
-              </a:rPr>
-              <a:t>RAG</a:t>
-            </a:r>
-            <a:endParaRPr lang="ko-KR" altLang="en-US" sz="1000" dirty="0">
-              <a:solidFill>
-                <a:schemeClr val="tx1"/>
-              </a:solidFill>
-            </a:endParaRPr>
-          </a:p>
-        </p:txBody>
-      </p:sp>
-      <p:sp>
-        <p:nvSpPr>
-          <p:cNvPr id="14" name="타원 13">
-            <a:extLst>
-              <a:ext uri="{FF2B5EF4-FFF2-40B4-BE49-F238E27FC236}">
-                <a16:creationId xmlns:a16="http://schemas.microsoft.com/office/drawing/2014/main" id="{1E8605BF-97EA-4A53-AA8D-F72BE5BFFA60}"/>
-              </a:ext>
-            </a:extLst>
-          </p:cNvPr>
-          <p:cNvSpPr/>
-          <p:nvPr/>
-        </p:nvSpPr>
-        <p:spPr>
-          <a:xfrm>
-            <a:off x="142583" y="1428198"/>
-            <a:ext cx="1617785" cy="430879"/>
-          </a:xfrm>
-          <a:prstGeom prst="ellipse">
-            <a:avLst/>
-          </a:prstGeom>
-          <a:solidFill>
-            <a:schemeClr val="bg1"/>
-          </a:solidFill>
-        </p:spPr>
-        <p:style>
-          <a:lnRef idx="2">
-            <a:schemeClr val="accent1">
-              <a:shade val="50000"/>
-            </a:schemeClr>
-          </a:lnRef>
-          <a:fillRef idx="1">
-            <a:schemeClr val="accent1"/>
-          </a:fillRef>
-          <a:effectRef idx="0">
-            <a:schemeClr val="accent1"/>
-          </a:effectRef>
-          <a:fontRef idx="minor">
-            <a:schemeClr val="lt1"/>
-          </a:fontRef>
-        </p:style>
-        <p:txBody>
-          <a:bodyPr rtlCol="0" anchor="ctr"/>
-          <a:lstStyle/>
-          <a:p>
-            <a:pPr algn="ctr"/>
-            <a:r>
-              <a:rPr lang="en-US" altLang="ko-KR" sz="1200" dirty="0">
-                <a:solidFill>
-                  <a:schemeClr val="tx1"/>
-                </a:solidFill>
-              </a:rPr>
-              <a:t>SQL</a:t>
-            </a:r>
-            <a:r>
-              <a:rPr lang="ko-KR" altLang="en-US" sz="1200" dirty="0">
-                <a:solidFill>
-                  <a:schemeClr val="tx1"/>
-                </a:solidFill>
-              </a:rPr>
-              <a:t> 비전문가</a:t>
-            </a:r>
-          </a:p>
-        </p:txBody>
-      </p:sp>
-      <p:sp>
-        <p:nvSpPr>
-          <p:cNvPr id="16" name="순서도: 자기 디스크 15">
-            <a:extLst>
-              <a:ext uri="{FF2B5EF4-FFF2-40B4-BE49-F238E27FC236}">
-                <a16:creationId xmlns:a16="http://schemas.microsoft.com/office/drawing/2014/main" id="{874064D7-0B41-4DE5-869B-662B8BC2E00B}"/>
-              </a:ext>
-            </a:extLst>
-          </p:cNvPr>
-          <p:cNvSpPr/>
-          <p:nvPr/>
-        </p:nvSpPr>
-        <p:spPr>
-          <a:xfrm>
-            <a:off x="9031594" y="1332978"/>
-            <a:ext cx="1301262" cy="621323"/>
-          </a:xfrm>
-          <a:prstGeom prst="flowChartMagneticDisk">
-            <a:avLst/>
-          </a:prstGeom>
-          <a:solidFill>
-            <a:schemeClr val="bg1"/>
-          </a:solidFill>
-        </p:spPr>
-        <p:style>
-          <a:lnRef idx="2">
-            <a:schemeClr val="accent1">
-              <a:shade val="50000"/>
-            </a:schemeClr>
-          </a:lnRef>
-          <a:fillRef idx="1">
-            <a:schemeClr val="accent1"/>
-          </a:fillRef>
-          <a:effectRef idx="0">
-            <a:schemeClr val="accent1"/>
-          </a:effectRef>
-          <a:fontRef idx="minor">
-            <a:schemeClr val="lt1"/>
-          </a:fontRef>
-        </p:style>
-        <p:txBody>
-          <a:bodyPr rtlCol="0" anchor="ctr"/>
-          <a:lstStyle/>
-          <a:p>
-            <a:pPr algn="ctr"/>
-            <a:r>
-              <a:rPr lang="en-US" altLang="ko-KR" dirty="0">
-                <a:solidFill>
-                  <a:schemeClr val="tx1"/>
-                </a:solidFill>
-              </a:rPr>
-              <a:t>text2sql</a:t>
-            </a:r>
-            <a:endParaRPr lang="ko-KR" altLang="en-US" dirty="0">
-              <a:solidFill>
-                <a:schemeClr val="tx1"/>
-              </a:solidFill>
-            </a:endParaRPr>
-          </a:p>
-        </p:txBody>
-      </p:sp>
-      <p:sp>
-        <p:nvSpPr>
-          <p:cNvPr id="18" name="TextBox 17">
-            <a:extLst>
-              <a:ext uri="{FF2B5EF4-FFF2-40B4-BE49-F238E27FC236}">
-                <a16:creationId xmlns:a16="http://schemas.microsoft.com/office/drawing/2014/main" id="{0BAA1C45-FB36-4C84-92AE-8EF3ADA3A6DE}"/>
-              </a:ext>
-            </a:extLst>
-          </p:cNvPr>
-          <p:cNvSpPr txBox="1"/>
-          <p:nvPr/>
-        </p:nvSpPr>
-        <p:spPr>
-          <a:xfrm>
-            <a:off x="9031594" y="981736"/>
-            <a:ext cx="473206" cy="276999"/>
-          </a:xfrm>
-          <a:prstGeom prst="rect">
-            <a:avLst/>
-          </a:prstGeom>
-          <a:noFill/>
-        </p:spPr>
-        <p:txBody>
-          <a:bodyPr wrap="none" rtlCol="0">
-            <a:spAutoFit/>
-          </a:bodyPr>
-          <a:lstStyle/>
-          <a:p>
-            <a:r>
-              <a:rPr lang="en-US" altLang="ko-KR" sz="1200" i="1" dirty="0"/>
-              <a:t>LLM</a:t>
-            </a:r>
-            <a:endParaRPr lang="ko-KR" altLang="en-US" sz="1200" i="1" dirty="0"/>
-          </a:p>
-        </p:txBody>
-      </p:sp>
-      <p:sp>
-        <p:nvSpPr>
-          <p:cNvPr id="19" name="TextBox 18">
-            <a:extLst>
-              <a:ext uri="{FF2B5EF4-FFF2-40B4-BE49-F238E27FC236}">
-                <a16:creationId xmlns:a16="http://schemas.microsoft.com/office/drawing/2014/main" id="{A12100DF-44E3-463E-A5A8-F6EB0335F9FF}"/>
-              </a:ext>
-            </a:extLst>
-          </p:cNvPr>
-          <p:cNvSpPr txBox="1"/>
-          <p:nvPr/>
-        </p:nvSpPr>
-        <p:spPr>
-          <a:xfrm>
-            <a:off x="9031594" y="2756792"/>
-            <a:ext cx="1372492" cy="369332"/>
-          </a:xfrm>
-          <a:prstGeom prst="rect">
-            <a:avLst/>
-          </a:prstGeom>
-          <a:noFill/>
-          <a:ln>
-            <a:solidFill>
-              <a:schemeClr val="accent1"/>
-            </a:solidFill>
-          </a:ln>
-        </p:spPr>
-        <p:txBody>
-          <a:bodyPr wrap="none" rtlCol="0">
-            <a:spAutoFit/>
-          </a:bodyPr>
-          <a:lstStyle/>
-          <a:p>
-            <a:r>
-              <a:rPr lang="en-US" altLang="ko-KR" dirty="0"/>
-              <a:t>SQL </a:t>
-            </a:r>
-            <a:r>
-              <a:rPr lang="ko-KR" altLang="en-US" dirty="0" err="1"/>
-              <a:t>쿼리문</a:t>
-            </a:r>
-            <a:endParaRPr lang="ko-KR" altLang="en-US" dirty="0"/>
-          </a:p>
-        </p:txBody>
-      </p:sp>
-      <p:sp>
-        <p:nvSpPr>
-          <p:cNvPr id="21" name="순서도: 자기 디스크 20">
-            <a:extLst>
-              <a:ext uri="{FF2B5EF4-FFF2-40B4-BE49-F238E27FC236}">
-                <a16:creationId xmlns:a16="http://schemas.microsoft.com/office/drawing/2014/main" id="{5599383A-7A91-420B-A1DE-16813265848E}"/>
-              </a:ext>
-            </a:extLst>
-          </p:cNvPr>
-          <p:cNvSpPr/>
-          <p:nvPr/>
-        </p:nvSpPr>
-        <p:spPr>
-          <a:xfrm>
-            <a:off x="9102824" y="4043947"/>
-            <a:ext cx="1301262" cy="621323"/>
-          </a:xfrm>
-          <a:prstGeom prst="flowChartMagneticDisk">
-            <a:avLst/>
-          </a:prstGeom>
-          <a:solidFill>
-            <a:schemeClr val="bg1"/>
-          </a:solidFill>
-        </p:spPr>
-        <p:style>
-          <a:lnRef idx="2">
-            <a:schemeClr val="accent1">
-              <a:shade val="50000"/>
-            </a:schemeClr>
-          </a:lnRef>
-          <a:fillRef idx="1">
-            <a:schemeClr val="accent1"/>
-          </a:fillRef>
-          <a:effectRef idx="0">
-            <a:schemeClr val="accent1"/>
-          </a:effectRef>
-          <a:fontRef idx="minor">
-            <a:schemeClr val="lt1"/>
-          </a:fontRef>
-        </p:style>
-        <p:txBody>
-          <a:bodyPr rtlCol="0" anchor="ctr"/>
-          <a:lstStyle/>
-          <a:p>
-            <a:pPr algn="ctr"/>
-            <a:r>
-              <a:rPr lang="en-US" altLang="ko-KR" dirty="0">
-                <a:solidFill>
-                  <a:schemeClr val="tx1"/>
-                </a:solidFill>
-              </a:rPr>
-              <a:t>database</a:t>
-            </a:r>
-            <a:endParaRPr lang="ko-KR" altLang="en-US" dirty="0">
-              <a:solidFill>
-                <a:schemeClr val="tx1"/>
-              </a:solidFill>
-            </a:endParaRPr>
-          </a:p>
-        </p:txBody>
-      </p:sp>
-      <p:sp>
-        <p:nvSpPr>
-          <p:cNvPr id="22" name="타원 21">
-            <a:extLst>
-              <a:ext uri="{FF2B5EF4-FFF2-40B4-BE49-F238E27FC236}">
-                <a16:creationId xmlns:a16="http://schemas.microsoft.com/office/drawing/2014/main" id="{90718821-6F8D-4B06-9D4C-469A08AF88A3}"/>
-              </a:ext>
-            </a:extLst>
-          </p:cNvPr>
-          <p:cNvSpPr/>
-          <p:nvPr/>
-        </p:nvSpPr>
-        <p:spPr>
-          <a:xfrm>
-            <a:off x="8944562" y="5876264"/>
-            <a:ext cx="1617785" cy="430879"/>
-          </a:xfrm>
-          <a:prstGeom prst="ellipse">
-            <a:avLst/>
-          </a:prstGeom>
-          <a:solidFill>
-            <a:schemeClr val="bg1"/>
-          </a:solidFill>
-        </p:spPr>
-        <p:style>
-          <a:lnRef idx="2">
-            <a:schemeClr val="accent1">
-              <a:shade val="50000"/>
-            </a:schemeClr>
-          </a:lnRef>
-          <a:fillRef idx="1">
-            <a:schemeClr val="accent1"/>
-          </a:fillRef>
-          <a:effectRef idx="0">
-            <a:schemeClr val="accent1"/>
-          </a:effectRef>
-          <a:fontRef idx="minor">
-            <a:schemeClr val="lt1"/>
-          </a:fontRef>
-        </p:style>
-        <p:txBody>
-          <a:bodyPr rtlCol="0" anchor="ctr"/>
-          <a:lstStyle/>
-          <a:p>
-            <a:pPr algn="ctr"/>
-            <a:r>
-              <a:rPr lang="ko-KR" altLang="en-US" sz="1200" dirty="0">
-                <a:solidFill>
-                  <a:schemeClr val="tx1"/>
-                </a:solidFill>
-              </a:rPr>
-              <a:t>최종 출력</a:t>
-            </a:r>
-          </a:p>
-        </p:txBody>
-      </p:sp>
-      <p:sp>
-        <p:nvSpPr>
-          <p:cNvPr id="23" name="화살표: 오른쪽 22">
-            <a:extLst>
-              <a:ext uri="{FF2B5EF4-FFF2-40B4-BE49-F238E27FC236}">
-                <a16:creationId xmlns:a16="http://schemas.microsoft.com/office/drawing/2014/main" id="{5BF041C6-C603-444B-A11A-A77CF3BDCCF5}"/>
-              </a:ext>
-            </a:extLst>
-          </p:cNvPr>
-          <p:cNvSpPr/>
-          <p:nvPr/>
-        </p:nvSpPr>
-        <p:spPr>
-          <a:xfrm>
-            <a:off x="2139899" y="1496614"/>
-            <a:ext cx="786989" cy="294046"/>
-          </a:xfrm>
-          <a:prstGeom prst="rightArrow">
-            <a:avLst/>
-          </a:prstGeom>
-          <a:solidFill>
-            <a:schemeClr val="bg2"/>
-          </a:solidFill>
-        </p:spPr>
-        <p:style>
-          <a:lnRef idx="2">
-            <a:schemeClr val="accent1">
-              <a:shade val="50000"/>
-            </a:schemeClr>
-          </a:lnRef>
-          <a:fillRef idx="1">
-            <a:schemeClr val="accent1"/>
-          </a:fillRef>
-          <a:effectRef idx="0">
-            <a:schemeClr val="accent1"/>
-          </a:effectRef>
-          <a:fontRef idx="minor">
-            <a:schemeClr val="lt1"/>
-          </a:fontRef>
-        </p:style>
-        <p:txBody>
-          <a:bodyPr rtlCol="0" anchor="ctr"/>
-          <a:lstStyle/>
-          <a:p>
-            <a:pPr algn="ctr"/>
-            <a:endParaRPr lang="ko-KR" altLang="en-US"/>
-          </a:p>
-        </p:txBody>
-      </p:sp>
-      <p:sp>
-        <p:nvSpPr>
-          <p:cNvPr id="24" name="화살표: 오른쪽 23">
-            <a:extLst>
-              <a:ext uri="{FF2B5EF4-FFF2-40B4-BE49-F238E27FC236}">
-                <a16:creationId xmlns:a16="http://schemas.microsoft.com/office/drawing/2014/main" id="{F358D798-95F1-42AB-9068-910F1F96E595}"/>
-              </a:ext>
-            </a:extLst>
-          </p:cNvPr>
-          <p:cNvSpPr/>
-          <p:nvPr/>
-        </p:nvSpPr>
-        <p:spPr>
-          <a:xfrm>
-            <a:off x="5094109" y="1513704"/>
-            <a:ext cx="786989" cy="294046"/>
-          </a:xfrm>
-          <a:prstGeom prst="rightArrow">
-            <a:avLst/>
-          </a:prstGeom>
-          <a:solidFill>
-            <a:schemeClr val="bg2"/>
-          </a:solidFill>
-        </p:spPr>
-        <p:style>
-          <a:lnRef idx="2">
-            <a:schemeClr val="accent1">
-              <a:shade val="50000"/>
-            </a:schemeClr>
-          </a:lnRef>
-          <a:fillRef idx="1">
-            <a:schemeClr val="accent1"/>
-          </a:fillRef>
-          <a:effectRef idx="0">
-            <a:schemeClr val="accent1"/>
-          </a:effectRef>
-          <a:fontRef idx="minor">
-            <a:schemeClr val="lt1"/>
-          </a:fontRef>
-        </p:style>
-        <p:txBody>
-          <a:bodyPr rtlCol="0" anchor="ctr"/>
-          <a:lstStyle/>
-          <a:p>
-            <a:pPr algn="ctr"/>
-            <a:endParaRPr lang="ko-KR" altLang="en-US"/>
-          </a:p>
-        </p:txBody>
-      </p:sp>
-      <p:sp>
-        <p:nvSpPr>
-          <p:cNvPr id="25" name="화살표: 오른쪽 24">
-            <a:extLst>
-              <a:ext uri="{FF2B5EF4-FFF2-40B4-BE49-F238E27FC236}">
-                <a16:creationId xmlns:a16="http://schemas.microsoft.com/office/drawing/2014/main" id="{C4C8071B-E25C-4562-B557-D5D0E4DE3B5B}"/>
-              </a:ext>
-            </a:extLst>
-          </p:cNvPr>
-          <p:cNvSpPr/>
-          <p:nvPr/>
-        </p:nvSpPr>
-        <p:spPr>
-          <a:xfrm>
-            <a:off x="7900939" y="1496614"/>
-            <a:ext cx="786989" cy="294046"/>
-          </a:xfrm>
-          <a:prstGeom prst="rightArrow">
-            <a:avLst/>
-          </a:prstGeom>
-          <a:solidFill>
-            <a:schemeClr val="bg2"/>
-          </a:solidFill>
-        </p:spPr>
-        <p:style>
-          <a:lnRef idx="2">
-            <a:schemeClr val="accent1">
-              <a:shade val="50000"/>
-            </a:schemeClr>
-          </a:lnRef>
-          <a:fillRef idx="1">
-            <a:schemeClr val="accent1"/>
-          </a:fillRef>
-          <a:effectRef idx="0">
-            <a:schemeClr val="accent1"/>
-          </a:effectRef>
-          <a:fontRef idx="minor">
-            <a:schemeClr val="lt1"/>
-          </a:fontRef>
-        </p:style>
-        <p:txBody>
-          <a:bodyPr rtlCol="0" anchor="ctr"/>
-          <a:lstStyle/>
-          <a:p>
-            <a:pPr algn="ctr"/>
-            <a:endParaRPr lang="ko-KR" altLang="en-US"/>
-          </a:p>
-        </p:txBody>
-      </p:sp>
-      <p:sp>
-        <p:nvSpPr>
-          <p:cNvPr id="27" name="화살표: 아래쪽 26">
-            <a:extLst>
-              <a:ext uri="{FF2B5EF4-FFF2-40B4-BE49-F238E27FC236}">
-                <a16:creationId xmlns:a16="http://schemas.microsoft.com/office/drawing/2014/main" id="{0E65BBA0-401A-4707-8B1F-A6B748654B2B}"/>
-              </a:ext>
-            </a:extLst>
-          </p:cNvPr>
-          <p:cNvSpPr/>
-          <p:nvPr/>
-        </p:nvSpPr>
-        <p:spPr>
-          <a:xfrm>
-            <a:off x="9560181" y="2082985"/>
-            <a:ext cx="386546" cy="545123"/>
-          </a:xfrm>
-          <a:prstGeom prst="downArrow">
-            <a:avLst/>
-          </a:prstGeom>
-          <a:solidFill>
-            <a:schemeClr val="bg2"/>
-          </a:solidFill>
-        </p:spPr>
-        <p:style>
-          <a:lnRef idx="2">
-            <a:schemeClr val="accent1">
-              <a:shade val="50000"/>
-            </a:schemeClr>
-          </a:lnRef>
-          <a:fillRef idx="1">
-            <a:schemeClr val="accent1"/>
-          </a:fillRef>
-          <a:effectRef idx="0">
-            <a:schemeClr val="accent1"/>
-          </a:effectRef>
-          <a:fontRef idx="minor">
-            <a:schemeClr val="lt1"/>
-          </a:fontRef>
-        </p:style>
-        <p:txBody>
-          <a:bodyPr rtlCol="0" anchor="ctr"/>
-          <a:lstStyle/>
-          <a:p>
-            <a:pPr algn="ctr"/>
-            <a:endParaRPr lang="ko-KR" altLang="en-US" dirty="0"/>
-          </a:p>
-        </p:txBody>
-      </p:sp>
-      <p:sp>
-        <p:nvSpPr>
-          <p:cNvPr id="28" name="화살표: 아래쪽 27">
-            <a:extLst>
-              <a:ext uri="{FF2B5EF4-FFF2-40B4-BE49-F238E27FC236}">
-                <a16:creationId xmlns:a16="http://schemas.microsoft.com/office/drawing/2014/main" id="{FEA3134B-82EC-48D4-9813-42020FDC5367}"/>
-              </a:ext>
-            </a:extLst>
-          </p:cNvPr>
-          <p:cNvSpPr/>
-          <p:nvPr/>
-        </p:nvSpPr>
-        <p:spPr>
-          <a:xfrm>
-            <a:off x="9560181" y="3312474"/>
-            <a:ext cx="386546" cy="545123"/>
-          </a:xfrm>
-          <a:prstGeom prst="downArrow">
-            <a:avLst/>
-          </a:prstGeom>
-          <a:solidFill>
-            <a:schemeClr val="bg2"/>
-          </a:solidFill>
-        </p:spPr>
-        <p:style>
-          <a:lnRef idx="2">
-            <a:schemeClr val="accent1">
-              <a:shade val="50000"/>
-            </a:schemeClr>
-          </a:lnRef>
-          <a:fillRef idx="1">
-            <a:schemeClr val="accent1"/>
-          </a:fillRef>
-          <a:effectRef idx="0">
-            <a:schemeClr val="accent1"/>
-          </a:effectRef>
-          <a:fontRef idx="minor">
-            <a:schemeClr val="lt1"/>
-          </a:fontRef>
-        </p:style>
-        <p:txBody>
-          <a:bodyPr rtlCol="0" anchor="ctr"/>
-          <a:lstStyle/>
-          <a:p>
-            <a:pPr algn="ctr"/>
-            <a:endParaRPr lang="ko-KR" altLang="en-US" dirty="0"/>
-          </a:p>
-        </p:txBody>
-      </p:sp>
-      <p:sp>
-        <p:nvSpPr>
-          <p:cNvPr id="29" name="화살표: 아래쪽 28">
-            <a:extLst>
-              <a:ext uri="{FF2B5EF4-FFF2-40B4-BE49-F238E27FC236}">
-                <a16:creationId xmlns:a16="http://schemas.microsoft.com/office/drawing/2014/main" id="{1BF62DB4-BA86-43D9-89F7-A04EF907CAB1}"/>
-              </a:ext>
-            </a:extLst>
-          </p:cNvPr>
-          <p:cNvSpPr/>
-          <p:nvPr/>
-        </p:nvSpPr>
-        <p:spPr>
-          <a:xfrm>
-            <a:off x="9560181" y="4998205"/>
-            <a:ext cx="386546" cy="545123"/>
-          </a:xfrm>
-          <a:prstGeom prst="downArrow">
-            <a:avLst/>
-          </a:prstGeom>
-          <a:solidFill>
-            <a:schemeClr val="bg2"/>
-          </a:solidFill>
-        </p:spPr>
-        <p:style>
-          <a:lnRef idx="2">
-            <a:schemeClr val="accent1">
-              <a:shade val="50000"/>
-            </a:schemeClr>
-          </a:lnRef>
-          <a:fillRef idx="1">
-            <a:schemeClr val="accent1"/>
-          </a:fillRef>
-          <a:effectRef idx="0">
-            <a:schemeClr val="accent1"/>
-          </a:effectRef>
-          <a:fontRef idx="minor">
-            <a:schemeClr val="lt1"/>
-          </a:fontRef>
-        </p:style>
-        <p:txBody>
-          <a:bodyPr rtlCol="0" anchor="ctr"/>
-          <a:lstStyle/>
-          <a:p>
-            <a:pPr algn="ctr"/>
-            <a:endParaRPr lang="ko-KR" altLang="en-US" dirty="0"/>
-          </a:p>
-        </p:txBody>
-      </p:sp>
-      <p:sp>
-        <p:nvSpPr>
-          <p:cNvPr id="30" name="TextBox 29">
-            <a:extLst>
-              <a:ext uri="{FF2B5EF4-FFF2-40B4-BE49-F238E27FC236}">
-                <a16:creationId xmlns:a16="http://schemas.microsoft.com/office/drawing/2014/main" id="{4A2CE56B-7747-433C-A203-3558B978C306}"/>
-              </a:ext>
-            </a:extLst>
-          </p:cNvPr>
-          <p:cNvSpPr txBox="1"/>
-          <p:nvPr/>
-        </p:nvSpPr>
-        <p:spPr>
-          <a:xfrm>
-            <a:off x="2238447" y="1332977"/>
-            <a:ext cx="441146" cy="246221"/>
-          </a:xfrm>
-          <a:prstGeom prst="rect">
-            <a:avLst/>
-          </a:prstGeom>
-          <a:noFill/>
-        </p:spPr>
-        <p:txBody>
-          <a:bodyPr wrap="none" rtlCol="0">
-            <a:spAutoFit/>
-          </a:bodyPr>
-          <a:lstStyle/>
-          <a:p>
-            <a:r>
-              <a:rPr lang="ko-KR" altLang="en-US" sz="1000" dirty="0"/>
-              <a:t>질문</a:t>
-            </a:r>
-          </a:p>
-        </p:txBody>
-      </p:sp>
-      <p:sp>
-        <p:nvSpPr>
-          <p:cNvPr id="31" name="TextBox 30">
-            <a:extLst>
-              <a:ext uri="{FF2B5EF4-FFF2-40B4-BE49-F238E27FC236}">
-                <a16:creationId xmlns:a16="http://schemas.microsoft.com/office/drawing/2014/main" id="{032B145C-0525-4831-8C9F-C815EC83E449}"/>
-              </a:ext>
-            </a:extLst>
-          </p:cNvPr>
-          <p:cNvSpPr txBox="1"/>
-          <p:nvPr/>
-        </p:nvSpPr>
-        <p:spPr>
-          <a:xfrm>
-            <a:off x="9827089" y="5062869"/>
-            <a:ext cx="1345240" cy="246221"/>
-          </a:xfrm>
-          <a:prstGeom prst="rect">
-            <a:avLst/>
-          </a:prstGeom>
-          <a:noFill/>
-        </p:spPr>
-        <p:txBody>
-          <a:bodyPr wrap="none" rtlCol="0">
-            <a:spAutoFit/>
-          </a:bodyPr>
-          <a:lstStyle/>
-          <a:p>
-            <a:r>
-              <a:rPr lang="ko-KR" altLang="en-US" sz="1000" dirty="0"/>
-              <a:t>쿼리에 맞는 데이터</a:t>
-            </a:r>
-          </a:p>
-        </p:txBody>
-      </p:sp>
-      <p:sp>
-        <p:nvSpPr>
-          <p:cNvPr id="33" name="TextBox 32">
-            <a:extLst>
-              <a:ext uri="{FF2B5EF4-FFF2-40B4-BE49-F238E27FC236}">
-                <a16:creationId xmlns:a16="http://schemas.microsoft.com/office/drawing/2014/main" id="{9C95CE66-5478-43AE-9BA6-F164FB616C2B}"/>
-              </a:ext>
-            </a:extLst>
-          </p:cNvPr>
-          <p:cNvSpPr txBox="1"/>
-          <p:nvPr/>
-        </p:nvSpPr>
-        <p:spPr>
-          <a:xfrm>
-            <a:off x="1178169" y="3312474"/>
-            <a:ext cx="6278252" cy="1246495"/>
-          </a:xfrm>
-          <a:prstGeom prst="rect">
-            <a:avLst/>
-          </a:prstGeom>
-          <a:noFill/>
-        </p:spPr>
-        <p:txBody>
-          <a:bodyPr wrap="square" rtlCol="0">
-            <a:spAutoFit/>
-          </a:bodyPr>
-          <a:lstStyle/>
-          <a:p>
-            <a:pPr marL="342900" indent="-342900">
-              <a:buAutoNum type="arabicPeriod"/>
-            </a:pPr>
-            <a:r>
-              <a:rPr lang="en-US" altLang="ko-KR" sz="1500" dirty="0"/>
-              <a:t>RAG, LLM</a:t>
-            </a:r>
-            <a:r>
-              <a:rPr lang="ko-KR" altLang="en-US" sz="1500" dirty="0"/>
-              <a:t>을 활용하여 </a:t>
-            </a:r>
-            <a:r>
-              <a:rPr lang="ko-KR" altLang="en-US" sz="1500" b="1" dirty="0"/>
-              <a:t>질문</a:t>
-            </a:r>
-            <a:r>
-              <a:rPr lang="en-US" altLang="ko-KR" sz="1500" b="1" dirty="0"/>
-              <a:t>(</a:t>
-            </a:r>
-            <a:r>
-              <a:rPr lang="ko-KR" altLang="en-US" sz="1500" b="1" dirty="0"/>
-              <a:t>문장</a:t>
-            </a:r>
-            <a:r>
-              <a:rPr lang="en-US" altLang="ko-KR" sz="1500" b="1" dirty="0"/>
-              <a:t>)</a:t>
-            </a:r>
-            <a:r>
-              <a:rPr lang="ko-KR" altLang="en-US" sz="1500" b="1" dirty="0"/>
-              <a:t>에서 일반용어에 대응하는 표준용어</a:t>
-            </a:r>
-            <a:r>
-              <a:rPr lang="ko-KR" altLang="en-US" sz="1500" dirty="0"/>
-              <a:t>를 찾아 표준용어로 변환</a:t>
-            </a:r>
-            <a:endParaRPr lang="en-US" altLang="ko-KR" sz="1500" dirty="0"/>
-          </a:p>
-          <a:p>
-            <a:pPr marL="342900" indent="-342900">
-              <a:buAutoNum type="arabicPeriod"/>
-            </a:pPr>
-            <a:r>
-              <a:rPr lang="en-US" altLang="ko-KR" sz="1500" dirty="0"/>
-              <a:t>LLM</a:t>
-            </a:r>
-            <a:r>
-              <a:rPr lang="ko-KR" altLang="en-US" sz="1500" dirty="0"/>
-              <a:t>을 활용한 </a:t>
-            </a:r>
-            <a:r>
-              <a:rPr lang="en-US" altLang="ko-KR" sz="1500" b="1" dirty="0"/>
-              <a:t>text2sql</a:t>
-            </a:r>
-            <a:r>
-              <a:rPr lang="ko-KR" altLang="en-US" sz="1500" dirty="0"/>
-              <a:t>을 통해 질문을 </a:t>
-            </a:r>
-            <a:r>
-              <a:rPr lang="en-US" altLang="ko-KR" sz="1500" dirty="0"/>
-              <a:t>SQL </a:t>
-            </a:r>
-            <a:r>
-              <a:rPr lang="ko-KR" altLang="en-US" sz="1500" dirty="0"/>
-              <a:t>쿼리로 변환</a:t>
-            </a:r>
-            <a:endParaRPr lang="en-US" altLang="ko-KR" sz="1500" dirty="0"/>
-          </a:p>
-          <a:p>
-            <a:pPr marL="342900" indent="-342900">
-              <a:buAutoNum type="arabicPeriod"/>
-            </a:pPr>
-            <a:r>
-              <a:rPr lang="en-US" altLang="ko-KR" sz="1500" dirty="0"/>
-              <a:t>Database</a:t>
-            </a:r>
-            <a:r>
-              <a:rPr lang="ko-KR" altLang="en-US" sz="1500" dirty="0"/>
-              <a:t>에서 쿼리문에 해당하는 데이터 출력</a:t>
-            </a:r>
-            <a:endParaRPr lang="en-US" altLang="ko-KR" sz="1500" dirty="0"/>
-          </a:p>
-          <a:p>
-            <a:endParaRPr lang="ko-KR" altLang="en-US" sz="1500" dirty="0"/>
-          </a:p>
-        </p:txBody>
-      </p:sp>
-      <p:sp>
-        <p:nvSpPr>
-          <p:cNvPr id="2" name="TextBox 1">
-            <a:extLst>
-              <a:ext uri="{FF2B5EF4-FFF2-40B4-BE49-F238E27FC236}">
-                <a16:creationId xmlns:a16="http://schemas.microsoft.com/office/drawing/2014/main" id="{B5DE8DFB-B564-5292-4281-2D619C62ADB4}"/>
-              </a:ext>
-            </a:extLst>
-          </p:cNvPr>
-          <p:cNvSpPr txBox="1"/>
-          <p:nvPr/>
-        </p:nvSpPr>
-        <p:spPr>
-          <a:xfrm>
-            <a:off x="11857657" y="6445507"/>
-            <a:ext cx="274434" cy="276999"/>
-          </a:xfrm>
-          <a:prstGeom prst="rect">
-            <a:avLst/>
-          </a:prstGeom>
-          <a:noFill/>
-        </p:spPr>
-        <p:txBody>
-          <a:bodyPr wrap="none" rtlCol="0">
-            <a:spAutoFit/>
-          </a:bodyPr>
-          <a:lstStyle/>
-          <a:p>
-            <a:r>
-              <a:rPr lang="en-US" altLang="ko-KR" sz="1200" b="1" dirty="0"/>
-              <a:t>3</a:t>
-            </a:r>
-            <a:endParaRPr lang="ko-KR" altLang="en-US" sz="1200" b="1" dirty="0"/>
-          </a:p>
-        </p:txBody>
-      </p:sp>
-    </p:spTree>
-    <p:extLst>
-      <p:ext uri="{BB962C8B-B14F-4D97-AF65-F5344CB8AC3E}">
-        <p14:creationId xmlns:p14="http://schemas.microsoft.com/office/powerpoint/2010/main" val="2632773126"/>
-      </p:ext>
-    </p:extLst>
-  </p:cSld>
-  <p:clrMapOvr>
-    <a:masterClrMapping/>
-  </p:clrMapOvr>
-</p:sld>
-</file>
-
-<file path=ppt/slides/slide4.xml><?xml version="1.0" encoding="utf-8"?>
-<p:sld xmlns:a="http://schemas.openxmlformats.org/drawingml/2006/main" xmlns:r="http://schemas.openxmlformats.org/officeDocument/2006/relationships" xmlns:p="http://schemas.openxmlformats.org/presentationml/2006/main">
-  <p:cSld>
-    <p:spTree>
-      <p:nvGrpSpPr>
-        <p:cNvPr id="1" name=""/>
-        <p:cNvGrpSpPr/>
-        <p:nvPr/>
-      </p:nvGrpSpPr>
-      <p:grpSpPr>
-        <a:xfrm>
-          <a:off x="0" y="0"/>
-          <a:ext cx="0" cy="0"/>
-          <a:chOff x="0" y="0"/>
-          <a:chExt cx="0" cy="0"/>
-        </a:xfrm>
-      </p:grpSpPr>
-      <p:sp>
-        <p:nvSpPr>
-          <p:cNvPr id="4" name="순서도: 문서 3">
-            <a:extLst>
-              <a:ext uri="{FF2B5EF4-FFF2-40B4-BE49-F238E27FC236}">
-                <a16:creationId xmlns:a16="http://schemas.microsoft.com/office/drawing/2014/main" id="{6850831B-3BB2-CC73-856F-FABA0F70D8BE}"/>
-              </a:ext>
-            </a:extLst>
-          </p:cNvPr>
-          <p:cNvSpPr/>
-          <p:nvPr/>
-        </p:nvSpPr>
-        <p:spPr>
-          <a:xfrm>
-            <a:off x="1619135" y="1552309"/>
+            <a:off x="1619135" y="2076184"/>
             <a:ext cx="2222505" cy="923330"/>
           </a:xfrm>
           <a:prstGeom prst="flowChartDocument">
@@ -5144,7 +4332,7 @@
         </p:nvSpPr>
         <p:spPr>
           <a:xfrm>
-            <a:off x="5227292" y="260472"/>
+            <a:off x="5227292" y="784347"/>
             <a:ext cx="1147629" cy="735469"/>
           </a:xfrm>
           <a:prstGeom prst="flowChartMagneticDisk">
@@ -5210,7 +4398,7 @@
         </p:nvSpPr>
         <p:spPr>
           <a:xfrm>
-            <a:off x="88988" y="2823690"/>
+            <a:off x="88988" y="3527472"/>
             <a:ext cx="6502312" cy="461665"/>
           </a:xfrm>
           <a:prstGeom prst="rect">
@@ -6042,7 +5230,7 @@
         </p:nvSpPr>
         <p:spPr>
           <a:xfrm>
-            <a:off x="4838212" y="1550157"/>
+            <a:off x="4838212" y="2074032"/>
             <a:ext cx="1919155" cy="1014731"/>
           </a:xfrm>
           <a:prstGeom prst="rect">
@@ -6230,7 +5418,7 @@
         </p:nvSpPr>
         <p:spPr>
           <a:xfrm>
-            <a:off x="1547248" y="1589521"/>
+            <a:off x="1547248" y="2113396"/>
             <a:ext cx="2222505" cy="923330"/>
           </a:xfrm>
           <a:prstGeom prst="flowChartDocument">
@@ -6286,7 +5474,7 @@
         </p:nvSpPr>
         <p:spPr>
           <a:xfrm>
-            <a:off x="1475361" y="1641561"/>
+            <a:off x="1475361" y="2165436"/>
             <a:ext cx="2222505" cy="923330"/>
           </a:xfrm>
           <a:prstGeom prst="flowChartDocument">
@@ -6342,7 +5530,7 @@
         </p:nvSpPr>
         <p:spPr>
           <a:xfrm>
-            <a:off x="1403474" y="1693601"/>
+            <a:off x="1403474" y="2217476"/>
             <a:ext cx="2222505" cy="923330"/>
           </a:xfrm>
           <a:prstGeom prst="flowChartDocument">
@@ -6398,7 +5586,7 @@
         </p:nvSpPr>
         <p:spPr>
           <a:xfrm>
-            <a:off x="1331587" y="1753070"/>
+            <a:off x="1331587" y="2276945"/>
             <a:ext cx="2222505" cy="923330"/>
           </a:xfrm>
           <a:prstGeom prst="flowChartDocument">
@@ -6468,7 +5656,7 @@
         </p:nvCxnSpPr>
         <p:spPr>
           <a:xfrm>
-            <a:off x="4057300" y="1992207"/>
+            <a:off x="4057300" y="2516082"/>
             <a:ext cx="638355" cy="0"/>
           </a:xfrm>
           <a:prstGeom prst="straightConnector1">
@@ -6507,7 +5695,7 @@
         </p:nvCxnSpPr>
         <p:spPr>
           <a:xfrm>
-            <a:off x="5791202" y="1127030"/>
+            <a:off x="5791202" y="1650905"/>
             <a:ext cx="0" cy="355410"/>
           </a:xfrm>
           <a:prstGeom prst="straightConnector1">
@@ -6546,7 +5734,7 @@
         </p:nvCxnSpPr>
         <p:spPr>
           <a:xfrm>
-            <a:off x="6918385" y="2051186"/>
+            <a:off x="6918385" y="2575061"/>
             <a:ext cx="710242" cy="0"/>
           </a:xfrm>
           <a:prstGeom prst="straightConnector1">
@@ -6585,7 +5773,7 @@
         </p:nvSpPr>
         <p:spPr>
           <a:xfrm>
-            <a:off x="8185261" y="1551847"/>
+            <a:off x="8185261" y="2075722"/>
             <a:ext cx="2222505" cy="923330"/>
           </a:xfrm>
           <a:prstGeom prst="flowChartDocument">
@@ -6641,7 +5829,7 @@
         </p:nvSpPr>
         <p:spPr>
           <a:xfrm>
-            <a:off x="8113374" y="1589059"/>
+            <a:off x="8113374" y="2112934"/>
             <a:ext cx="2222505" cy="923330"/>
           </a:xfrm>
           <a:prstGeom prst="flowChartDocument">
@@ -6697,7 +5885,7 @@
         </p:nvSpPr>
         <p:spPr>
           <a:xfrm>
-            <a:off x="8041487" y="1641099"/>
+            <a:off x="8041487" y="2164974"/>
             <a:ext cx="2222505" cy="923330"/>
           </a:xfrm>
           <a:prstGeom prst="flowChartDocument">
@@ -6753,7 +5941,7 @@
         </p:nvSpPr>
         <p:spPr>
           <a:xfrm>
-            <a:off x="7969600" y="1693139"/>
+            <a:off x="7969600" y="2217014"/>
             <a:ext cx="2222505" cy="923330"/>
           </a:xfrm>
           <a:prstGeom prst="flowChartDocument">
@@ -6809,7 +5997,7 @@
         </p:nvSpPr>
         <p:spPr>
           <a:xfrm>
-            <a:off x="7897713" y="1743259"/>
+            <a:off x="7897713" y="2267134"/>
             <a:ext cx="2222505" cy="923330"/>
           </a:xfrm>
           <a:prstGeom prst="flowChartDocument">
@@ -7762,8 +6950,8 @@
         </p:nvSpPr>
         <p:spPr>
           <a:xfrm>
-            <a:off x="6374921" y="557636"/>
-            <a:ext cx="1800493" cy="246221"/>
+            <a:off x="6374921" y="1081511"/>
+            <a:ext cx="2222505" cy="246221"/>
           </a:xfrm>
           <a:prstGeom prst="rect">
             <a:avLst/>
@@ -7771,7 +6959,7 @@
           <a:noFill/>
         </p:spPr>
         <p:txBody>
-          <a:bodyPr wrap="none" rtlCol="0">
+          <a:bodyPr wrap="square" rtlCol="0">
             <a:spAutoFit/>
           </a:bodyPr>
           <a:lstStyle/>
@@ -7788,7 +6976,10 @@
               <a:rPr lang="en-US" altLang="ko-KR" sz="1000" dirty="0"/>
               <a:t>description</a:t>
             </a:r>
-            <a:endParaRPr lang="ko-KR" altLang="en-US" sz="1000" dirty="0"/>
+            <a:r>
+              <a:rPr lang="ko-KR" altLang="en-US" sz="1000" dirty="0"/>
+              <a:t>을 참조</a:t>
+            </a:r>
           </a:p>
         </p:txBody>
       </p:sp>
@@ -7858,7 +7049,7 @@
           <a:p>
             <a:r>
               <a:rPr lang="en-US" altLang="ko-KR" sz="1200" b="1" dirty="0"/>
-              <a:t>4</a:t>
+              <a:t>3</a:t>
             </a:r>
             <a:endParaRPr lang="ko-KR" altLang="en-US" sz="1200" b="1" dirty="0"/>
           </a:p>
@@ -7877,7 +7068,7 @@
 </p:sld>
 </file>
 
-<file path=ppt/slides/slide5.xml><?xml version="1.0" encoding="utf-8"?>
+<file path=ppt/slides/slide4.xml><?xml version="1.0" encoding="utf-8"?>
 <p:sld xmlns:a="http://schemas.openxmlformats.org/drawingml/2006/main" xmlns:r="http://schemas.openxmlformats.org/officeDocument/2006/relationships" xmlns:p="http://schemas.openxmlformats.org/presentationml/2006/main">
   <p:cSld>
     <p:spTree>
@@ -9371,7 +8562,7 @@
           <p:nvPr>
             <p:extLst>
               <p:ext uri="{D42A27DB-BD31-4B8C-83A1-F6EECF244321}">
-                <p14:modId xmlns:p14="http://schemas.microsoft.com/office/powerpoint/2010/main" val="4104948775"/>
+                <p14:modId xmlns:p14="http://schemas.microsoft.com/office/powerpoint/2010/main" val="1419992031"/>
               </p:ext>
             </p:extLst>
           </p:nvPr>
@@ -10324,9 +9515,113 @@
           <a:p>
             <a:r>
               <a:rPr lang="en-US" altLang="ko-KR" sz="1200" b="1" dirty="0"/>
-              <a:t>5</a:t>
+              <a:t>4</a:t>
             </a:r>
             <a:endParaRPr lang="ko-KR" altLang="en-US" sz="1200" b="1" dirty="0"/>
+          </a:p>
+        </p:txBody>
+      </p:sp>
+      <p:sp>
+        <p:nvSpPr>
+          <p:cNvPr id="2" name="직사각형 1">
+            <a:extLst>
+              <a:ext uri="{FF2B5EF4-FFF2-40B4-BE49-F238E27FC236}">
+                <a16:creationId xmlns:a16="http://schemas.microsoft.com/office/drawing/2014/main" id="{BA157904-E41E-452F-A6AD-5225A01F4C7F}"/>
+              </a:ext>
+            </a:extLst>
+          </p:cNvPr>
+          <p:cNvSpPr/>
+          <p:nvPr/>
+        </p:nvSpPr>
+        <p:spPr>
+          <a:xfrm>
+            <a:off x="3572478" y="1047750"/>
+            <a:ext cx="6035029" cy="246221"/>
+          </a:xfrm>
+          <a:prstGeom prst="rect">
+            <a:avLst/>
+          </a:prstGeom>
+          <a:noFill/>
+          <a:ln w="19050">
+            <a:solidFill>
+              <a:srgbClr val="FF0000"/>
+            </a:solidFill>
+          </a:ln>
+        </p:spPr>
+        <p:style>
+          <a:lnRef idx="2">
+            <a:schemeClr val="accent1">
+              <a:shade val="50000"/>
+            </a:schemeClr>
+          </a:lnRef>
+          <a:fillRef idx="1">
+            <a:schemeClr val="accent1"/>
+          </a:fillRef>
+          <a:effectRef idx="0">
+            <a:schemeClr val="accent1"/>
+          </a:effectRef>
+          <a:fontRef idx="minor">
+            <a:schemeClr val="lt1"/>
+          </a:fontRef>
+        </p:style>
+        <p:txBody>
+          <a:bodyPr rtlCol="0" anchor="ctr"/>
+          <a:lstStyle/>
+          <a:p>
+            <a:pPr algn="ctr"/>
+            <a:endParaRPr lang="ko-KR" altLang="en-US"/>
+          </a:p>
+        </p:txBody>
+      </p:sp>
+      <p:sp>
+        <p:nvSpPr>
+          <p:cNvPr id="24" name="직사각형 23">
+            <a:extLst>
+              <a:ext uri="{FF2B5EF4-FFF2-40B4-BE49-F238E27FC236}">
+                <a16:creationId xmlns:a16="http://schemas.microsoft.com/office/drawing/2014/main" id="{03EE4611-E566-4FEC-A725-39B51384BAC6}"/>
+              </a:ext>
+            </a:extLst>
+          </p:cNvPr>
+          <p:cNvSpPr/>
+          <p:nvPr/>
+        </p:nvSpPr>
+        <p:spPr>
+          <a:xfrm>
+            <a:off x="9744481" y="1040454"/>
+            <a:ext cx="2354372" cy="1676469"/>
+          </a:xfrm>
+          <a:prstGeom prst="rect">
+            <a:avLst/>
+          </a:prstGeom>
+          <a:noFill/>
+          <a:ln w="19050">
+            <a:solidFill>
+              <a:srgbClr val="FF0000"/>
+            </a:solidFill>
+          </a:ln>
+        </p:spPr>
+        <p:style>
+          <a:lnRef idx="2">
+            <a:schemeClr val="accent1">
+              <a:shade val="50000"/>
+            </a:schemeClr>
+          </a:lnRef>
+          <a:fillRef idx="1">
+            <a:schemeClr val="accent1"/>
+          </a:fillRef>
+          <a:effectRef idx="0">
+            <a:schemeClr val="accent1"/>
+          </a:effectRef>
+          <a:fontRef idx="minor">
+            <a:schemeClr val="lt1"/>
+          </a:fontRef>
+        </p:style>
+        <p:txBody>
+          <a:bodyPr rtlCol="0" anchor="ctr"/>
+          <a:lstStyle/>
+          <a:p>
+            <a:pPr algn="ctr"/>
+            <a:endParaRPr lang="ko-KR" altLang="en-US"/>
           </a:p>
         </p:txBody>
       </p:sp>
@@ -10343,7 +9638,7 @@
 </p:sld>
 </file>
 
-<file path=ppt/slides/slide6.xml><?xml version="1.0" encoding="utf-8"?>
+<file path=ppt/slides/slide5.xml><?xml version="1.0" encoding="utf-8"?>
 <p:sld xmlns:a="http://schemas.openxmlformats.org/drawingml/2006/main" xmlns:r="http://schemas.openxmlformats.org/officeDocument/2006/relationships" xmlns:p="http://schemas.openxmlformats.org/presentationml/2006/main">
   <p:cSld>
     <p:spTree>
@@ -10381,7 +9676,7 @@
         <p:spPr>
           <a:xfrm>
             <a:off x="2060095" y="1348288"/>
-            <a:ext cx="8071809" cy="1477328"/>
+            <a:ext cx="8071809" cy="830997"/>
           </a:xfrm>
           <a:prstGeom prst="rect">
             <a:avLst/>
@@ -10394,50 +9689,32 @@
           </a:bodyPr>
           <a:lstStyle/>
           <a:p>
-            <a:r>
-              <a:rPr lang="en-US" altLang="ko-KR" dirty="0"/>
-              <a:t>    Text2sql </a:t>
-            </a:r>
-            <a:r>
-              <a:rPr lang="ko-KR" altLang="en-US" dirty="0"/>
-              <a:t>성능 개선을 위해 </a:t>
-            </a:r>
-            <a:r>
-              <a:rPr lang="en-US" altLang="ko-KR" dirty="0"/>
-              <a:t>sql2text</a:t>
-            </a:r>
-            <a:r>
-              <a:rPr lang="ko-KR" altLang="en-US" dirty="0"/>
-              <a:t>를 통해 데이터셋을 만든다</a:t>
-            </a:r>
-            <a:r>
-              <a:rPr lang="en-US" altLang="ko-KR" dirty="0"/>
-              <a:t>.</a:t>
-            </a:r>
-          </a:p>
-          <a:p>
             <a:pPr marL="342900" indent="-342900">
               <a:buFont typeface="+mj-lt"/>
               <a:buAutoNum type="arabicPeriod"/>
             </a:pPr>
             <a:r>
-              <a:rPr lang="en-US" altLang="ko-KR" dirty="0"/>
-              <a:t>SQL to NL</a:t>
-            </a:r>
-            <a:r>
-              <a:rPr lang="ko-KR" altLang="en-US" dirty="0"/>
+              <a:rPr lang="en-US" altLang="ko-KR" sz="1600" dirty="0"/>
+              <a:t> SQL to NL</a:t>
+            </a:r>
+            <a:r>
+              <a:rPr lang="ko-KR" altLang="en-US" sz="1600" dirty="0"/>
               <a:t>과정에서 </a:t>
             </a:r>
             <a:r>
-              <a:rPr lang="en-US" altLang="ko-KR" dirty="0"/>
+              <a:rPr lang="en-US" altLang="ko-KR" sz="1600" b="1" dirty="0"/>
               <a:t>RAG</a:t>
             </a:r>
             <a:r>
-              <a:rPr lang="ko-KR" altLang="en-US" dirty="0"/>
-              <a:t>의 풍부성을 이용한다</a:t>
-            </a:r>
-            <a:r>
-              <a:rPr lang="en-US" altLang="ko-KR" dirty="0"/>
+              <a:rPr lang="ko-KR" altLang="en-US" sz="1600" b="1" dirty="0"/>
+              <a:t>를 활용하여 </a:t>
+            </a:r>
+            <a:r>
+              <a:rPr lang="ko-KR" altLang="en-US" sz="1600" dirty="0"/>
+              <a:t>데이터셋을 생성한다</a:t>
+            </a:r>
+            <a:r>
+              <a:rPr lang="en-US" altLang="ko-KR" sz="1600" dirty="0"/>
               <a:t>.</a:t>
             </a:r>
           </a:p>
@@ -10447,23 +9724,31 @@
               <a:buAutoNum type="arabicPeriod"/>
             </a:pPr>
             <a:r>
-              <a:rPr lang="en-US" altLang="ko-KR" dirty="0"/>
-              <a:t>NL,</a:t>
-            </a:r>
-            <a:r>
-              <a:rPr lang="ko-KR" altLang="en-US" dirty="0"/>
+              <a:rPr lang="en-US" altLang="ko-KR" sz="1600" dirty="0"/>
+              <a:t> NL,</a:t>
+            </a:r>
+            <a:r>
+              <a:rPr lang="ko-KR" altLang="en-US" sz="1600" dirty="0"/>
               <a:t> </a:t>
             </a:r>
             <a:r>
-              <a:rPr lang="en-US" altLang="ko-KR" dirty="0"/>
+              <a:rPr lang="en-US" altLang="ko-KR" sz="1600" dirty="0"/>
               <a:t>SNL</a:t>
             </a:r>
             <a:r>
-              <a:rPr lang="ko-KR" altLang="en-US" dirty="0"/>
-              <a:t>의 대응 데이터셋을 구축한다</a:t>
-            </a:r>
-            <a:r>
-              <a:rPr lang="en-US" altLang="ko-KR" dirty="0"/>
+              <a:rPr lang="ko-KR" altLang="en-US" sz="1600" dirty="0"/>
+              <a:t>의 </a:t>
+            </a:r>
+            <a:r>
+              <a:rPr lang="ko-KR" altLang="en-US" sz="1600" b="1" dirty="0"/>
+              <a:t>대응 데이터셋을 구축</a:t>
+            </a:r>
+            <a:r>
+              <a:rPr lang="ko-KR" altLang="en-US" sz="1600" dirty="0"/>
+              <a:t>한다</a:t>
+            </a:r>
+            <a:r>
+              <a:rPr lang="en-US" altLang="ko-KR" sz="1600" dirty="0"/>
               <a:t>. </a:t>
             </a:r>
           </a:p>
@@ -10473,57 +9758,59 @@
               <a:buAutoNum type="arabicPeriod"/>
             </a:pPr>
             <a:r>
-              <a:rPr lang="en-US" altLang="ko-KR" dirty="0"/>
+              <a:rPr lang="en-US" altLang="ko-KR" sz="1600" dirty="0"/>
+              <a:t> </a:t>
+            </a:r>
+            <a:r>
+              <a:rPr lang="en-US" altLang="ko-KR" sz="1600" b="1" dirty="0"/>
               <a:t>NL</a:t>
             </a:r>
             <a:r>
-              <a:rPr lang="ko-KR" altLang="en-US" dirty="0"/>
+              <a:rPr lang="ko-KR" altLang="en-US" sz="1600" b="1" dirty="0"/>
               <a:t>로부터 </a:t>
             </a:r>
             <a:r>
-              <a:rPr lang="en-US" altLang="ko-KR" dirty="0"/>
+              <a:rPr lang="en-US" altLang="ko-KR" sz="1600" b="1" dirty="0"/>
               <a:t>SNL</a:t>
             </a:r>
             <a:r>
-              <a:rPr lang="ko-KR" altLang="en-US" dirty="0"/>
-              <a:t>을 학습하고</a:t>
-            </a:r>
-            <a:r>
-              <a:rPr lang="en-US" altLang="ko-KR" dirty="0"/>
+              <a:rPr lang="ko-KR" altLang="en-US" sz="1600" b="1" dirty="0"/>
+              <a:t>을 학습</a:t>
+            </a:r>
+            <a:r>
+              <a:rPr lang="ko-KR" altLang="en-US" sz="1600" dirty="0"/>
+              <a:t>하고</a:t>
+            </a:r>
+            <a:r>
+              <a:rPr lang="en-US" altLang="ko-KR" sz="1600" dirty="0"/>
               <a:t>, </a:t>
             </a:r>
             <a:r>
-              <a:rPr lang="ko-KR" altLang="en-US" dirty="0"/>
+              <a:rPr lang="ko-KR" altLang="en-US" sz="1600" dirty="0"/>
               <a:t>대응하는 </a:t>
             </a:r>
             <a:r>
-              <a:rPr lang="en-US" altLang="ko-KR" dirty="0"/>
+              <a:rPr lang="en-US" altLang="ko-KR" sz="1600" dirty="0"/>
               <a:t>SQL Query</a:t>
             </a:r>
             <a:r>
-              <a:rPr lang="ko-KR" altLang="en-US" dirty="0"/>
+              <a:rPr lang="ko-KR" altLang="en-US" sz="1600" dirty="0"/>
               <a:t>를 결과값으로 출력한다</a:t>
             </a:r>
             <a:r>
-              <a:rPr lang="en-US" altLang="ko-KR" dirty="0"/>
+              <a:rPr lang="en-US" altLang="ko-KR" sz="1600" dirty="0"/>
               <a:t>.</a:t>
             </a:r>
-          </a:p>
-          <a:p>
-            <a:pPr marL="285750" indent="-285750">
-              <a:buFont typeface="Arial" panose="020B0604020202020204" pitchFamily="34" charset="0"/>
-              <a:buChar char="•"/>
-            </a:pPr>
-            <a:endParaRPr lang="ko-KR" altLang="en-US" dirty="0"/>
-          </a:p>
-        </p:txBody>
-      </p:sp>
-      <p:sp>
-        <p:nvSpPr>
-          <p:cNvPr id="3" name="TextBox 2">
-            <a:extLst>
-              <a:ext uri="{FF2B5EF4-FFF2-40B4-BE49-F238E27FC236}">
-                <a16:creationId xmlns:a16="http://schemas.microsoft.com/office/drawing/2014/main" id="{BFA98F1B-BAA9-3C8B-EDF0-C020AC45ECD7}"/>
+            <a:endParaRPr lang="ko-KR" altLang="en-US" sz="1600" dirty="0"/>
+          </a:p>
+        </p:txBody>
+      </p:sp>
+      <p:sp>
+        <p:nvSpPr>
+          <p:cNvPr id="4" name="TextBox 3">
+            <a:extLst>
+              <a:ext uri="{FF2B5EF4-FFF2-40B4-BE49-F238E27FC236}">
+                <a16:creationId xmlns:a16="http://schemas.microsoft.com/office/drawing/2014/main" id="{394AD63F-79ED-74BB-2BC4-98F4DB90A196}"/>
               </a:ext>
             </a:extLst>
           </p:cNvPr>
@@ -10532,42 +9819,7 @@
         </p:nvSpPr>
         <p:spPr>
           <a:xfrm>
-            <a:off x="5363377" y="805557"/>
-            <a:ext cx="1189749" cy="369332"/>
-          </a:xfrm>
-          <a:prstGeom prst="rect">
-            <a:avLst/>
-          </a:prstGeom>
-          <a:noFill/>
-        </p:spPr>
-        <p:txBody>
-          <a:bodyPr wrap="none" rtlCol="0">
-            <a:spAutoFit/>
-          </a:bodyPr>
-          <a:lstStyle/>
-          <a:p>
-            <a:r>
-              <a:rPr lang="ko-KR" altLang="en-US" b="1" dirty="0"/>
-              <a:t>핵심 주제</a:t>
-            </a:r>
-          </a:p>
-        </p:txBody>
-      </p:sp>
-      <p:sp>
-        <p:nvSpPr>
-          <p:cNvPr id="4" name="TextBox 3">
-            <a:extLst>
-              <a:ext uri="{FF2B5EF4-FFF2-40B4-BE49-F238E27FC236}">
-                <a16:creationId xmlns:a16="http://schemas.microsoft.com/office/drawing/2014/main" id="{394AD63F-79ED-74BB-2BC4-98F4DB90A196}"/>
-              </a:ext>
-            </a:extLst>
-          </p:cNvPr>
-          <p:cNvSpPr txBox="1"/>
-          <p:nvPr/>
-        </p:nvSpPr>
-        <p:spPr>
-          <a:xfrm>
-            <a:off x="2060095" y="2758262"/>
+            <a:off x="2046598" y="2243130"/>
             <a:ext cx="6502312" cy="461665"/>
           </a:xfrm>
           <a:prstGeom prst="rect">
@@ -11298,8 +10550,8 @@
         </p:nvSpPr>
         <p:spPr>
           <a:xfrm>
-            <a:off x="1250302" y="3508310"/>
-            <a:ext cx="3946849" cy="2064405"/>
+            <a:off x="1250303" y="3508311"/>
+            <a:ext cx="3931298" cy="1901890"/>
           </a:xfrm>
           <a:prstGeom prst="rect">
             <a:avLst/>
@@ -11403,9 +10655,518 @@
           <a:p>
             <a:r>
               <a:rPr lang="en-US" altLang="ko-KR" sz="1200" b="1" dirty="0"/>
-              <a:t>6</a:t>
+              <a:t>5</a:t>
             </a:r>
             <a:endParaRPr lang="ko-KR" altLang="en-US" sz="1200" b="1" dirty="0"/>
+          </a:p>
+        </p:txBody>
+      </p:sp>
+      <p:sp>
+        <p:nvSpPr>
+          <p:cNvPr id="25" name="순서도: 문서 24">
+            <a:extLst>
+              <a:ext uri="{FF2B5EF4-FFF2-40B4-BE49-F238E27FC236}">
+                <a16:creationId xmlns:a16="http://schemas.microsoft.com/office/drawing/2014/main" id="{E6F7188E-7DE7-401D-B1DE-B9DB1484254C}"/>
+              </a:ext>
+            </a:extLst>
+          </p:cNvPr>
+          <p:cNvSpPr/>
+          <p:nvPr/>
+        </p:nvSpPr>
+        <p:spPr>
+          <a:xfrm>
+            <a:off x="5929942" y="4087398"/>
+            <a:ext cx="1469523" cy="656046"/>
+          </a:xfrm>
+          <a:prstGeom prst="flowChartDocument">
+            <a:avLst/>
+          </a:prstGeom>
+          <a:solidFill>
+            <a:schemeClr val="bg1"/>
+          </a:solidFill>
+          <a:effectLst>
+            <a:outerShdw blurRad="127000" dist="50800" dir="5400000" algn="ctr" rotWithShape="0">
+              <a:srgbClr val="000000">
+                <a:alpha val="50000"/>
+              </a:srgbClr>
+            </a:outerShdw>
+          </a:effectLst>
+        </p:spPr>
+        <p:style>
+          <a:lnRef idx="2">
+            <a:schemeClr val="accent1">
+              <a:shade val="15000"/>
+            </a:schemeClr>
+          </a:lnRef>
+          <a:fillRef idx="1">
+            <a:schemeClr val="accent1"/>
+          </a:fillRef>
+          <a:effectRef idx="0">
+            <a:schemeClr val="accent1"/>
+          </a:effectRef>
+          <a:fontRef idx="minor">
+            <a:schemeClr val="lt1"/>
+          </a:fontRef>
+        </p:style>
+        <p:txBody>
+          <a:bodyPr rtlCol="0" anchor="ctr"/>
+          <a:lstStyle/>
+          <a:p>
+            <a:pPr algn="ctr"/>
+            <a:r>
+              <a:rPr lang="en-US" altLang="ko-KR" sz="1200" dirty="0">
+                <a:solidFill>
+                  <a:schemeClr val="tx1"/>
+                </a:solidFill>
+              </a:rPr>
+              <a:t>“</a:t>
+            </a:r>
+            <a:r>
+              <a:rPr lang="ko-KR" altLang="en-US" sz="1200" dirty="0" err="1">
+                <a:solidFill>
+                  <a:schemeClr val="tx1"/>
+                </a:solidFill>
+              </a:rPr>
+              <a:t>캐스</a:t>
+            </a:r>
+            <a:r>
+              <a:rPr lang="ko-KR" altLang="en-US" sz="1200" dirty="0">
+                <a:solidFill>
+                  <a:schemeClr val="tx1"/>
+                </a:solidFill>
+              </a:rPr>
+              <a:t> 넘버 </a:t>
+            </a:r>
+            <a:r>
+              <a:rPr lang="ko-KR" altLang="en-US" sz="1200" dirty="0" err="1">
+                <a:solidFill>
+                  <a:schemeClr val="tx1"/>
+                </a:solidFill>
+              </a:rPr>
+              <a:t>뭐야</a:t>
+            </a:r>
+            <a:r>
+              <a:rPr lang="en-US" altLang="ko-KR" sz="1200" dirty="0">
+                <a:solidFill>
+                  <a:schemeClr val="tx1"/>
+                </a:solidFill>
+              </a:rPr>
+              <a:t>?”</a:t>
+            </a:r>
+            <a:endParaRPr lang="ko-KR" altLang="en-US" sz="1200" dirty="0">
+              <a:solidFill>
+                <a:schemeClr val="tx1"/>
+              </a:solidFill>
+            </a:endParaRPr>
+          </a:p>
+        </p:txBody>
+      </p:sp>
+      <p:sp>
+        <p:nvSpPr>
+          <p:cNvPr id="28" name="직사각형 27">
+            <a:extLst>
+              <a:ext uri="{FF2B5EF4-FFF2-40B4-BE49-F238E27FC236}">
+                <a16:creationId xmlns:a16="http://schemas.microsoft.com/office/drawing/2014/main" id="{CD4B18FF-2CE5-400F-A978-BF67FCA3415F}"/>
+              </a:ext>
+            </a:extLst>
+          </p:cNvPr>
+          <p:cNvSpPr/>
+          <p:nvPr/>
+        </p:nvSpPr>
+        <p:spPr>
+          <a:xfrm>
+            <a:off x="8019347" y="4078700"/>
+            <a:ext cx="1194767" cy="552307"/>
+          </a:xfrm>
+          <a:prstGeom prst="rect">
+            <a:avLst/>
+          </a:prstGeom>
+          <a:noFill/>
+          <a:effectLst>
+            <a:outerShdw blurRad="1270000" dist="50800" dir="5400000" algn="ctr" rotWithShape="0">
+              <a:srgbClr val="000000">
+                <a:alpha val="43137"/>
+              </a:srgbClr>
+            </a:outerShdw>
+          </a:effectLst>
+        </p:spPr>
+        <p:style>
+          <a:lnRef idx="2">
+            <a:schemeClr val="accent1">
+              <a:shade val="15000"/>
+            </a:schemeClr>
+          </a:lnRef>
+          <a:fillRef idx="1">
+            <a:schemeClr val="accent1"/>
+          </a:fillRef>
+          <a:effectRef idx="0">
+            <a:schemeClr val="accent1"/>
+          </a:effectRef>
+          <a:fontRef idx="minor">
+            <a:schemeClr val="lt1"/>
+          </a:fontRef>
+        </p:style>
+        <p:txBody>
+          <a:bodyPr rtlCol="0" anchor="ctr"/>
+          <a:lstStyle/>
+          <a:p>
+            <a:pPr algn="ctr"/>
+            <a:r>
+              <a:rPr lang="en-US" altLang="ko-KR" sz="1200" dirty="0">
+                <a:solidFill>
+                  <a:schemeClr val="tx1"/>
+                </a:solidFill>
+              </a:rPr>
+              <a:t>model</a:t>
+            </a:r>
+            <a:endParaRPr lang="ko-KR" altLang="en-US" sz="1200" dirty="0">
+              <a:solidFill>
+                <a:schemeClr val="tx1"/>
+              </a:solidFill>
+            </a:endParaRPr>
+          </a:p>
+        </p:txBody>
+      </p:sp>
+      <p:sp>
+        <p:nvSpPr>
+          <p:cNvPr id="29" name="TextBox 28">
+            <a:extLst>
+              <a:ext uri="{FF2B5EF4-FFF2-40B4-BE49-F238E27FC236}">
+                <a16:creationId xmlns:a16="http://schemas.microsoft.com/office/drawing/2014/main" id="{D9FEB48B-5BB0-4FF9-B0C4-876A1DB4403B}"/>
+              </a:ext>
+            </a:extLst>
+          </p:cNvPr>
+          <p:cNvSpPr txBox="1"/>
+          <p:nvPr/>
+        </p:nvSpPr>
+        <p:spPr>
+          <a:xfrm>
+            <a:off x="2060095" y="965169"/>
+            <a:ext cx="2609255" cy="400110"/>
+          </a:xfrm>
+          <a:prstGeom prst="rect">
+            <a:avLst/>
+          </a:prstGeom>
+          <a:noFill/>
+        </p:spPr>
+        <p:txBody>
+          <a:bodyPr wrap="square" rtlCol="0">
+            <a:spAutoFit/>
+          </a:bodyPr>
+          <a:lstStyle/>
+          <a:p>
+            <a:r>
+              <a:rPr lang="ko-KR" altLang="en-US" sz="2000" b="1" dirty="0"/>
+              <a:t>핵심 주제</a:t>
+            </a:r>
+          </a:p>
+        </p:txBody>
+      </p:sp>
+      <p:sp>
+        <p:nvSpPr>
+          <p:cNvPr id="30" name="순서도: 문서 29">
+            <a:extLst>
+              <a:ext uri="{FF2B5EF4-FFF2-40B4-BE49-F238E27FC236}">
+                <a16:creationId xmlns:a16="http://schemas.microsoft.com/office/drawing/2014/main" id="{9462B143-77E5-48A3-8127-7E06D9C9D0B1}"/>
+              </a:ext>
+            </a:extLst>
+          </p:cNvPr>
+          <p:cNvSpPr/>
+          <p:nvPr/>
+        </p:nvSpPr>
+        <p:spPr>
+          <a:xfrm>
+            <a:off x="9833996" y="4078700"/>
+            <a:ext cx="1529383" cy="656046"/>
+          </a:xfrm>
+          <a:prstGeom prst="flowChartDocument">
+            <a:avLst/>
+          </a:prstGeom>
+          <a:solidFill>
+            <a:schemeClr val="bg1"/>
+          </a:solidFill>
+          <a:effectLst>
+            <a:outerShdw blurRad="127000" dist="50800" dir="5400000" algn="ctr" rotWithShape="0">
+              <a:srgbClr val="000000">
+                <a:alpha val="50000"/>
+              </a:srgbClr>
+            </a:outerShdw>
+          </a:effectLst>
+        </p:spPr>
+        <p:style>
+          <a:lnRef idx="2">
+            <a:schemeClr val="accent1">
+              <a:shade val="15000"/>
+            </a:schemeClr>
+          </a:lnRef>
+          <a:fillRef idx="1">
+            <a:schemeClr val="accent1"/>
+          </a:fillRef>
+          <a:effectRef idx="0">
+            <a:schemeClr val="accent1"/>
+          </a:effectRef>
+          <a:fontRef idx="minor">
+            <a:schemeClr val="lt1"/>
+          </a:fontRef>
+        </p:style>
+        <p:txBody>
+          <a:bodyPr rtlCol="0" anchor="ctr"/>
+          <a:lstStyle/>
+          <a:p>
+            <a:pPr algn="ctr"/>
+            <a:r>
+              <a:rPr lang="en-US" altLang="ko-KR" sz="800" dirty="0">
+                <a:solidFill>
+                  <a:schemeClr val="tx1"/>
+                </a:solidFill>
+              </a:rPr>
+              <a:t>SELECT description FROM database WHERE </a:t>
+            </a:r>
+            <a:r>
+              <a:rPr lang="en-US" altLang="ko-KR" sz="800" dirty="0" err="1">
+                <a:solidFill>
+                  <a:schemeClr val="tx1"/>
+                </a:solidFill>
+              </a:rPr>
+              <a:t>standard_term</a:t>
+            </a:r>
+            <a:r>
+              <a:rPr lang="en-US" altLang="ko-KR" sz="800" dirty="0">
+                <a:solidFill>
+                  <a:schemeClr val="tx1"/>
+                </a:solidFill>
+              </a:rPr>
+              <a:t> = 'CAS</a:t>
+            </a:r>
+            <a:r>
+              <a:rPr lang="ko-KR" altLang="en-US" sz="800" dirty="0">
+                <a:solidFill>
+                  <a:schemeClr val="tx1"/>
+                </a:solidFill>
+              </a:rPr>
+              <a:t>번호</a:t>
+            </a:r>
+            <a:r>
+              <a:rPr lang="en-US" altLang="ko-KR" sz="800" dirty="0">
+                <a:solidFill>
+                  <a:schemeClr val="tx1"/>
+                </a:solidFill>
+              </a:rPr>
+              <a:t>'</a:t>
+            </a:r>
+            <a:endParaRPr lang="ko-KR" altLang="en-US" sz="1200" b="1" dirty="0">
+              <a:solidFill>
+                <a:schemeClr val="tx1"/>
+              </a:solidFill>
+            </a:endParaRPr>
+          </a:p>
+        </p:txBody>
+      </p:sp>
+      <p:cxnSp>
+        <p:nvCxnSpPr>
+          <p:cNvPr id="32" name="직선 화살표 연결선 31">
+            <a:extLst>
+              <a:ext uri="{FF2B5EF4-FFF2-40B4-BE49-F238E27FC236}">
+                <a16:creationId xmlns:a16="http://schemas.microsoft.com/office/drawing/2014/main" id="{CE628FA5-C5D1-4813-8BBD-82FBA1F255FC}"/>
+              </a:ext>
+            </a:extLst>
+          </p:cNvPr>
+          <p:cNvCxnSpPr/>
+          <p:nvPr/>
+        </p:nvCxnSpPr>
+        <p:spPr>
+          <a:xfrm>
+            <a:off x="7504997" y="4400676"/>
+            <a:ext cx="381000" cy="0"/>
+          </a:xfrm>
+          <a:prstGeom prst="straightConnector1">
+            <a:avLst/>
+          </a:prstGeom>
+          <a:ln>
+            <a:tailEnd type="triangle"/>
+          </a:ln>
+        </p:spPr>
+        <p:style>
+          <a:lnRef idx="1">
+            <a:schemeClr val="dk1"/>
+          </a:lnRef>
+          <a:fillRef idx="0">
+            <a:schemeClr val="dk1"/>
+          </a:fillRef>
+          <a:effectRef idx="0">
+            <a:schemeClr val="dk1"/>
+          </a:effectRef>
+          <a:fontRef idx="minor">
+            <a:schemeClr val="tx1"/>
+          </a:fontRef>
+        </p:style>
+      </p:cxnSp>
+      <p:cxnSp>
+        <p:nvCxnSpPr>
+          <p:cNvPr id="33" name="직선 화살표 연결선 32">
+            <a:extLst>
+              <a:ext uri="{FF2B5EF4-FFF2-40B4-BE49-F238E27FC236}">
+                <a16:creationId xmlns:a16="http://schemas.microsoft.com/office/drawing/2014/main" id="{A0C93F30-F52D-422F-AF66-4D8F56D61F13}"/>
+              </a:ext>
+            </a:extLst>
+          </p:cNvPr>
+          <p:cNvCxnSpPr/>
+          <p:nvPr/>
+        </p:nvCxnSpPr>
+        <p:spPr>
+          <a:xfrm>
+            <a:off x="9343322" y="4400676"/>
+            <a:ext cx="381000" cy="0"/>
+          </a:xfrm>
+          <a:prstGeom prst="straightConnector1">
+            <a:avLst/>
+          </a:prstGeom>
+          <a:ln>
+            <a:tailEnd type="triangle"/>
+          </a:ln>
+        </p:spPr>
+        <p:style>
+          <a:lnRef idx="1">
+            <a:schemeClr val="dk1"/>
+          </a:lnRef>
+          <a:fillRef idx="0">
+            <a:schemeClr val="dk1"/>
+          </a:fillRef>
+          <a:effectRef idx="0">
+            <a:schemeClr val="dk1"/>
+          </a:effectRef>
+          <a:fontRef idx="minor">
+            <a:schemeClr val="tx1"/>
+          </a:fontRef>
+        </p:style>
+      </p:cxnSp>
+      <p:sp>
+        <p:nvSpPr>
+          <p:cNvPr id="34" name="직사각형 33">
+            <a:extLst>
+              <a:ext uri="{FF2B5EF4-FFF2-40B4-BE49-F238E27FC236}">
+                <a16:creationId xmlns:a16="http://schemas.microsoft.com/office/drawing/2014/main" id="{8DA3590F-5A42-4EC9-9121-099503E0EAE1}"/>
+              </a:ext>
+            </a:extLst>
+          </p:cNvPr>
+          <p:cNvSpPr/>
+          <p:nvPr/>
+        </p:nvSpPr>
+        <p:spPr>
+          <a:xfrm>
+            <a:off x="5555192" y="3502921"/>
+            <a:ext cx="5987437" cy="1900668"/>
+          </a:xfrm>
+          <a:prstGeom prst="rect">
+            <a:avLst/>
+          </a:prstGeom>
+          <a:noFill/>
+          <a:effectLst>
+            <a:outerShdw blurRad="25400" dist="50800" dir="5400000" algn="ctr" rotWithShape="0">
+              <a:srgbClr val="000000">
+                <a:alpha val="43137"/>
+              </a:srgbClr>
+            </a:outerShdw>
+          </a:effectLst>
+        </p:spPr>
+        <p:style>
+          <a:lnRef idx="2">
+            <a:schemeClr val="accent1">
+              <a:shade val="15000"/>
+            </a:schemeClr>
+          </a:lnRef>
+          <a:fillRef idx="1">
+            <a:schemeClr val="accent1"/>
+          </a:fillRef>
+          <a:effectRef idx="0">
+            <a:schemeClr val="accent1"/>
+          </a:effectRef>
+          <a:fontRef idx="minor">
+            <a:schemeClr val="lt1"/>
+          </a:fontRef>
+        </p:style>
+        <p:txBody>
+          <a:bodyPr rtlCol="0" anchor="ctr"/>
+          <a:lstStyle/>
+          <a:p>
+            <a:pPr algn="ctr"/>
+            <a:endParaRPr lang="ko-KR" altLang="en-US" dirty="0"/>
+          </a:p>
+        </p:txBody>
+      </p:sp>
+      <p:sp>
+        <p:nvSpPr>
+          <p:cNvPr id="35" name="TextBox 34">
+            <a:extLst>
+              <a:ext uri="{FF2B5EF4-FFF2-40B4-BE49-F238E27FC236}">
+                <a16:creationId xmlns:a16="http://schemas.microsoft.com/office/drawing/2014/main" id="{64CC1045-9056-433E-83CB-036C880F76D2}"/>
+              </a:ext>
+            </a:extLst>
+          </p:cNvPr>
+          <p:cNvSpPr txBox="1"/>
+          <p:nvPr/>
+        </p:nvSpPr>
+        <p:spPr>
+          <a:xfrm>
+            <a:off x="5560397" y="3255674"/>
+            <a:ext cx="2116050" cy="246221"/>
+          </a:xfrm>
+          <a:prstGeom prst="rect">
+            <a:avLst/>
+          </a:prstGeom>
+          <a:noFill/>
+        </p:spPr>
+        <p:txBody>
+          <a:bodyPr wrap="square" rtlCol="0">
+            <a:spAutoFit/>
+          </a:bodyPr>
+          <a:lstStyle/>
+          <a:p>
+            <a:r>
+              <a:rPr lang="ko-KR" altLang="en-US" sz="1000" dirty="0"/>
+              <a:t>학습된 모델을 활용한 </a:t>
+            </a:r>
+            <a:r>
+              <a:rPr lang="en-US" altLang="ko-KR" sz="1000" dirty="0"/>
+              <a:t>text2sql</a:t>
+            </a:r>
+            <a:endParaRPr lang="ko-KR" altLang="en-US" sz="1000" dirty="0"/>
+          </a:p>
+        </p:txBody>
+      </p:sp>
+      <p:sp>
+        <p:nvSpPr>
+          <p:cNvPr id="36" name="TextBox 35">
+            <a:extLst>
+              <a:ext uri="{FF2B5EF4-FFF2-40B4-BE49-F238E27FC236}">
+                <a16:creationId xmlns:a16="http://schemas.microsoft.com/office/drawing/2014/main" id="{AA8632D3-99D8-452A-9BAA-29C5F8B1499C}"/>
+              </a:ext>
+            </a:extLst>
+          </p:cNvPr>
+          <p:cNvSpPr txBox="1"/>
+          <p:nvPr/>
+        </p:nvSpPr>
+        <p:spPr>
+          <a:xfrm>
+            <a:off x="5863267" y="3923404"/>
+            <a:ext cx="312906" cy="215444"/>
+          </a:xfrm>
+          <a:prstGeom prst="rect">
+            <a:avLst/>
+          </a:prstGeom>
+          <a:noFill/>
+        </p:spPr>
+        <p:txBody>
+          <a:bodyPr wrap="none" rtlCol="0">
+            <a:spAutoFit/>
+          </a:bodyPr>
+          <a:lstStyle/>
+          <a:p>
+            <a:r>
+              <a:rPr lang="en-US" altLang="ko-KR" sz="800" i="1" dirty="0"/>
+              <a:t>NL</a:t>
+            </a:r>
+            <a:endParaRPr lang="ko-KR" altLang="en-US" sz="800" i="1" dirty="0"/>
           </a:p>
         </p:txBody>
       </p:sp>

--- a/PPT/DSLab_이승건_특허.pptx
+++ b/PPT/DSLab_이승건_특허.pptx
@@ -5,14 +5,16 @@
     <p:sldMasterId id="2147483648" r:id="rId1"/>
   </p:sldMasterIdLst>
   <p:notesMasterIdLst>
-    <p:notesMasterId r:id="rId7"/>
+    <p:notesMasterId r:id="rId9"/>
   </p:notesMasterIdLst>
   <p:sldIdLst>
     <p:sldId id="258" r:id="rId2"/>
     <p:sldId id="257" r:id="rId3"/>
-    <p:sldId id="256" r:id="rId4"/>
-    <p:sldId id="263" r:id="rId5"/>
-    <p:sldId id="264" r:id="rId6"/>
+    <p:sldId id="266" r:id="rId4"/>
+    <p:sldId id="265" r:id="rId5"/>
+    <p:sldId id="256" r:id="rId6"/>
+    <p:sldId id="263" r:id="rId7"/>
+    <p:sldId id="264" r:id="rId8"/>
   </p:sldIdLst>
   <p:sldSz cx="12192000" cy="6858000"/>
   <p:notesSz cx="6858000" cy="9144000"/>
@@ -3700,8 +3702,8 @@
         </p:nvSpPr>
         <p:spPr>
           <a:xfrm>
-            <a:off x="838200" y="2546976"/>
-            <a:ext cx="10515600" cy="1325563"/>
+            <a:off x="492369" y="2766218"/>
+            <a:ext cx="11207262" cy="1325563"/>
           </a:xfrm>
         </p:spPr>
         <p:txBody>
@@ -3713,28 +3715,21 @@
             <a:pPr algn="ctr" latinLnBrk="1"/>
             <a:r>
               <a:rPr lang="en-US" altLang="ko-KR" sz="3000" b="1" dirty="0"/>
-              <a:t>text2sql </a:t>
+              <a:t>SQL </a:t>
             </a:r>
             <a:r>
               <a:rPr lang="ko-KR" altLang="en-US" sz="3000" b="1" dirty="0"/>
-              <a:t>학습을 위한 </a:t>
-            </a:r>
-            <a:r>
-              <a:rPr lang="en-US" altLang="ko-KR" sz="3000" b="1" dirty="0"/>
-              <a:t>sql2text </a:t>
-            </a:r>
-            <a:r>
-              <a:rPr lang="ko-KR" altLang="en-US" sz="3000" b="1" dirty="0"/>
-              <a:t>데이터 증강</a:t>
-            </a:r>
-            <a:br>
-              <a:rPr lang="en-US" altLang="ko-KR" sz="3000" b="1" dirty="0"/>
-            </a:br>
+              <a:t>쿼리 자동생성을 위한 자연어 질의 정제 및 표준화 시스템</a:t>
+            </a:r>
             <a:r>
               <a:rPr lang="en-US" altLang="ko-KR" sz="2000" b="1" dirty="0"/>
-              <a:t>sql2text RAG-based data augmentation for text2sql training</a:t>
-            </a:r>
-            <a:endParaRPr lang="ko-KR" altLang="en-US" sz="2000" b="1" dirty="0"/>
+              <a:t> </a:t>
+            </a:r>
+            <a:r>
+              <a:rPr lang="en-US" altLang="ko-KR" sz="1500" b="1" dirty="0"/>
+              <a:t>Natural language query refinement and standardization system for automatic generation of SQL query</a:t>
+            </a:r>
+            <a:endParaRPr lang="ko-KR" altLang="en-US" sz="1500" b="1" dirty="0"/>
           </a:p>
         </p:txBody>
       </p:sp>
@@ -3854,7 +3849,7 @@
           <p:nvPr>
             <p:extLst>
               <p:ext uri="{D42A27DB-BD31-4B8C-83A1-F6EECF244321}">
-                <p14:modId xmlns:p14="http://schemas.microsoft.com/office/powerpoint/2010/main" val="3461630433"/>
+                <p14:modId xmlns:p14="http://schemas.microsoft.com/office/powerpoint/2010/main" val="538958152"/>
               </p:ext>
             </p:extLst>
           </p:nvPr>
@@ -3918,37 +3913,26 @@
                     <a:p>
                       <a:pPr latinLnBrk="1"/>
                       <a:r>
-                        <a:rPr lang="en-US" altLang="ko-KR" b="0" dirty="0">
+                        <a:rPr lang="en-US" altLang="ko-KR" sz="1800" b="1" dirty="0">
                           <a:solidFill>
                             <a:schemeClr val="tx1"/>
                           </a:solidFill>
                         </a:rPr>
-                        <a:t>text2sql </a:t>
-                      </a:r>
-                      <a:r>
-                        <a:rPr lang="ko-KR" altLang="en-US" b="0" dirty="0">
+                        <a:t>SQL </a:t>
+                      </a:r>
+                      <a:r>
+                        <a:rPr lang="ko-KR" altLang="en-US" sz="1800" b="1" dirty="0">
                           <a:solidFill>
                             <a:schemeClr val="tx1"/>
                           </a:solidFill>
                         </a:rPr>
-                        <a:t>학습을 위한 </a:t>
-                      </a:r>
-                      <a:r>
-                        <a:rPr lang="en-US" altLang="ko-KR" b="0" dirty="0">
-                          <a:solidFill>
-                            <a:schemeClr val="tx1"/>
-                          </a:solidFill>
-                        </a:rPr>
-                        <a:t>sql2text </a:t>
-                      </a:r>
-                      <a:r>
-                        <a:rPr lang="ko-KR" altLang="en-US" b="0" dirty="0">
-                          <a:solidFill>
-                            <a:schemeClr val="tx1"/>
-                          </a:solidFill>
-                        </a:rPr>
-                        <a:t>데이터 증강</a:t>
-                      </a:r>
+                        <a:t>쿼리 자동생성을 위한 자연어 질의 정제 및 표준화 시스템</a:t>
+                      </a:r>
+                      <a:endParaRPr lang="ko-KR" altLang="en-US" b="0" dirty="0">
+                        <a:solidFill>
+                          <a:schemeClr val="tx1"/>
+                        </a:solidFill>
+                      </a:endParaRPr>
                     </a:p>
                   </a:txBody>
                   <a:tcPr>
@@ -4022,23 +4006,15 @@
                       </a:pPr>
                       <a:r>
                         <a:rPr lang="ko-KR" altLang="en-US" sz="1500" dirty="0"/>
-                        <a:t>표준용어 </a:t>
+                        <a:t>표준질의문장</a:t>
                       </a:r>
                       <a:r>
                         <a:rPr lang="en-US" altLang="ko-KR" sz="1500" dirty="0"/>
-                        <a:t>base</a:t>
+                        <a:t>, SQL </a:t>
                       </a:r>
                       <a:r>
                         <a:rPr lang="ko-KR" altLang="en-US" sz="1500" dirty="0"/>
-                        <a:t>의 정제된 문장</a:t>
-                      </a:r>
-                      <a:r>
-                        <a:rPr lang="en-US" altLang="ko-KR" sz="1500" dirty="0"/>
-                        <a:t>, SQL Query</a:t>
-                      </a:r>
-                      <a:r>
-                        <a:rPr lang="ko-KR" altLang="en-US" sz="1500" dirty="0"/>
-                        <a:t>의 데이터셋 쌍을 활용 </a:t>
+                        <a:t>쿼리의 데이터셋 쌍을 활용 </a:t>
                       </a:r>
                       <a:endParaRPr lang="en-US" altLang="ko-KR" sz="1500" dirty="0"/>
                     </a:p>
@@ -4246,6 +4222,2927 @@
 </file>
 
 <file path=ppt/slides/slide3.xml><?xml version="1.0" encoding="utf-8"?>
+<p:sld xmlns:a="http://schemas.openxmlformats.org/drawingml/2006/main" xmlns:r="http://schemas.openxmlformats.org/officeDocument/2006/relationships" xmlns:p="http://schemas.openxmlformats.org/presentationml/2006/main">
+  <p:cSld>
+    <p:spTree>
+      <p:nvGrpSpPr>
+        <p:cNvPr id="1" name=""/>
+        <p:cNvGrpSpPr/>
+        <p:nvPr/>
+      </p:nvGrpSpPr>
+      <p:grpSpPr>
+        <a:xfrm>
+          <a:off x="0" y="0"/>
+          <a:ext cx="0" cy="0"/>
+          <a:chOff x="0" y="0"/>
+          <a:chExt cx="0" cy="0"/>
+        </a:xfrm>
+      </p:grpSpPr>
+      <p:sp>
+        <p:nvSpPr>
+          <p:cNvPr id="4" name="TextBox 3">
+            <a:extLst>
+              <a:ext uri="{FF2B5EF4-FFF2-40B4-BE49-F238E27FC236}">
+                <a16:creationId xmlns:a16="http://schemas.microsoft.com/office/drawing/2014/main" id="{2171ECB2-CD96-4623-A66B-9D9082540847}"/>
+              </a:ext>
+            </a:extLst>
+          </p:cNvPr>
+          <p:cNvSpPr txBox="1"/>
+          <p:nvPr/>
+        </p:nvSpPr>
+        <p:spPr>
+          <a:xfrm>
+            <a:off x="2755983" y="1024516"/>
+            <a:ext cx="6680034" cy="646331"/>
+          </a:xfrm>
+          <a:prstGeom prst="rect">
+            <a:avLst/>
+          </a:prstGeom>
+          <a:noFill/>
+        </p:spPr>
+        <p:txBody>
+          <a:bodyPr wrap="none" rtlCol="0">
+            <a:spAutoFit/>
+          </a:bodyPr>
+          <a:lstStyle/>
+          <a:p>
+            <a:r>
+              <a:rPr lang="ko-KR" altLang="en-US" dirty="0"/>
+              <a:t>표준질의문장 </a:t>
+            </a:r>
+            <a:r>
+              <a:rPr lang="en-US" altLang="ko-KR" dirty="0"/>
+              <a:t>– SQL </a:t>
+            </a:r>
+            <a:r>
+              <a:rPr lang="ko-KR" altLang="en-US" dirty="0"/>
+              <a:t>쿼리를 만들기 위해 </a:t>
+            </a:r>
+            <a:r>
+              <a:rPr lang="ko-KR" altLang="en-US" b="1" dirty="0"/>
+              <a:t>표준</a:t>
+            </a:r>
+            <a:r>
+              <a:rPr lang="ko-KR" altLang="en-US" dirty="0"/>
+              <a:t>이 되는 질의문장</a:t>
+            </a:r>
+            <a:endParaRPr lang="en-US" altLang="ko-KR" dirty="0"/>
+          </a:p>
+          <a:p>
+            <a:r>
+              <a:rPr lang="ko-KR" altLang="en-US" dirty="0"/>
+              <a:t>비표준질의문장 </a:t>
+            </a:r>
+            <a:r>
+              <a:rPr lang="en-US" altLang="ko-KR" dirty="0"/>
+              <a:t>– </a:t>
+            </a:r>
+            <a:r>
+              <a:rPr lang="en-US" altLang="ko-KR" b="1" dirty="0"/>
+              <a:t>AI</a:t>
+            </a:r>
+            <a:r>
+              <a:rPr lang="ko-KR" altLang="en-US" dirty="0"/>
+              <a:t>가 생성한 질의문장</a:t>
+            </a:r>
+          </a:p>
+        </p:txBody>
+      </p:sp>
+      <p:sp>
+        <p:nvSpPr>
+          <p:cNvPr id="8" name="TextBox 7">
+            <a:extLst>
+              <a:ext uri="{FF2B5EF4-FFF2-40B4-BE49-F238E27FC236}">
+                <a16:creationId xmlns:a16="http://schemas.microsoft.com/office/drawing/2014/main" id="{F344168B-6AE2-41DE-A6DD-B585D423E906}"/>
+              </a:ext>
+            </a:extLst>
+          </p:cNvPr>
+          <p:cNvSpPr txBox="1"/>
+          <p:nvPr/>
+        </p:nvSpPr>
+        <p:spPr>
+          <a:xfrm>
+            <a:off x="1417242" y="2322968"/>
+            <a:ext cx="6096000" cy="246221"/>
+          </a:xfrm>
+          <a:prstGeom prst="rect">
+            <a:avLst/>
+          </a:prstGeom>
+          <a:noFill/>
+        </p:spPr>
+        <p:txBody>
+          <a:bodyPr wrap="square">
+            <a:spAutoFit/>
+          </a:bodyPr>
+          <a:lstStyle/>
+          <a:p>
+            <a:pPr latinLnBrk="1"/>
+            <a:r>
+              <a:rPr lang="en-US" altLang="ko-KR" sz="1000" dirty="0"/>
+              <a:t>"CAS</a:t>
+            </a:r>
+            <a:r>
+              <a:rPr lang="ko-KR" altLang="en-US" sz="1000" dirty="0" err="1"/>
+              <a:t>번호중</a:t>
+            </a:r>
+            <a:r>
+              <a:rPr lang="ko-KR" altLang="en-US" sz="1000" dirty="0"/>
+              <a:t> </a:t>
+            </a:r>
+            <a:r>
+              <a:rPr lang="en-US" altLang="ko-KR" sz="1000" dirty="0"/>
+              <a:t>71</a:t>
+            </a:r>
+            <a:r>
+              <a:rPr lang="ko-KR" altLang="en-US" sz="1000" dirty="0"/>
+              <a:t>이 포함되어 있는 화학물질을 개정일 오름차순으로 정렬해서 보여줘</a:t>
+            </a:r>
+            <a:r>
+              <a:rPr lang="en-US" altLang="ko-KR" sz="1000" dirty="0"/>
+              <a:t>"</a:t>
+            </a:r>
+            <a:endParaRPr lang="ko-KR" altLang="en-US" sz="1000" dirty="0"/>
+          </a:p>
+        </p:txBody>
+      </p:sp>
+      <p:sp>
+        <p:nvSpPr>
+          <p:cNvPr id="9" name="TextBox 8">
+            <a:extLst>
+              <a:ext uri="{FF2B5EF4-FFF2-40B4-BE49-F238E27FC236}">
+                <a16:creationId xmlns:a16="http://schemas.microsoft.com/office/drawing/2014/main" id="{BFD3F878-02B6-45C4-A58C-456F389C84E1}"/>
+              </a:ext>
+            </a:extLst>
+          </p:cNvPr>
+          <p:cNvSpPr txBox="1"/>
+          <p:nvPr/>
+        </p:nvSpPr>
+        <p:spPr>
+          <a:xfrm>
+            <a:off x="1417242" y="3031198"/>
+            <a:ext cx="4876878" cy="400110"/>
+          </a:xfrm>
+          <a:prstGeom prst="rect">
+            <a:avLst/>
+          </a:prstGeom>
+          <a:noFill/>
+        </p:spPr>
+        <p:txBody>
+          <a:bodyPr wrap="square">
+            <a:spAutoFit/>
+          </a:bodyPr>
+          <a:lstStyle/>
+          <a:p>
+            <a:pPr latinLnBrk="1"/>
+            <a:r>
+              <a:rPr lang="en-US" altLang="ko-KR" sz="1000" dirty="0"/>
+              <a:t>"</a:t>
+            </a:r>
+            <a:r>
+              <a:rPr lang="ko-KR" altLang="en-US" sz="1000" dirty="0"/>
+              <a:t>음</a:t>
+            </a:r>
+            <a:r>
+              <a:rPr lang="en-US" altLang="ko-KR" sz="1000" dirty="0"/>
+              <a:t>, CAS </a:t>
+            </a:r>
+            <a:r>
+              <a:rPr lang="ko-KR" altLang="en-US" sz="1000" dirty="0"/>
+              <a:t>번호라는 게 있잖아</a:t>
+            </a:r>
+            <a:r>
+              <a:rPr lang="en-US" altLang="ko-KR" sz="1000" dirty="0"/>
+              <a:t>? </a:t>
+            </a:r>
+            <a:r>
+              <a:rPr lang="ko-KR" altLang="en-US" sz="1000" dirty="0"/>
+              <a:t>그거에 </a:t>
+            </a:r>
+            <a:r>
+              <a:rPr lang="en-US" altLang="ko-KR" sz="1000" dirty="0"/>
+              <a:t>71</a:t>
+            </a:r>
+            <a:r>
+              <a:rPr lang="ko-KR" altLang="en-US" sz="1000" dirty="0"/>
+              <a:t>이 들어가는 </a:t>
+            </a:r>
+            <a:r>
+              <a:rPr lang="ko-KR" altLang="en-US" sz="1000" dirty="0" err="1"/>
+              <a:t>화학물</a:t>
+            </a:r>
+            <a:r>
+              <a:rPr lang="ko-KR" altLang="en-US" sz="1000" dirty="0"/>
+              <a:t> 리스트 뽑고 싶은데</a:t>
+            </a:r>
+            <a:r>
+              <a:rPr lang="en-US" altLang="ko-KR" sz="1000" dirty="0"/>
+              <a:t>, </a:t>
+            </a:r>
+            <a:r>
+              <a:rPr lang="ko-KR" altLang="en-US" sz="1000" dirty="0"/>
+              <a:t>개정일 기준으로 정렬하는 거 가능할까</a:t>
+            </a:r>
+            <a:r>
+              <a:rPr lang="en-US" altLang="ko-KR" sz="1000" dirty="0"/>
+              <a:t>? </a:t>
+            </a:r>
+            <a:r>
+              <a:rPr lang="ko-KR" altLang="en-US" sz="1000" dirty="0"/>
+              <a:t>오름차순으로</a:t>
+            </a:r>
+            <a:r>
+              <a:rPr lang="en-US" altLang="ko-KR" sz="1000" dirty="0"/>
+              <a:t>, </a:t>
+            </a:r>
+            <a:r>
+              <a:rPr lang="ko-KR" altLang="en-US" sz="1000" dirty="0"/>
+              <a:t>빠른 날짜부터 차곡차곡</a:t>
+            </a:r>
+            <a:r>
+              <a:rPr lang="en-US" altLang="ko-KR" sz="1000" dirty="0"/>
+              <a:t>."</a:t>
+            </a:r>
+            <a:endParaRPr lang="ko-KR" altLang="en-US" sz="1000" dirty="0"/>
+          </a:p>
+        </p:txBody>
+      </p:sp>
+      <p:sp>
+        <p:nvSpPr>
+          <p:cNvPr id="10" name="TextBox 9">
+            <a:extLst>
+              <a:ext uri="{FF2B5EF4-FFF2-40B4-BE49-F238E27FC236}">
+                <a16:creationId xmlns:a16="http://schemas.microsoft.com/office/drawing/2014/main" id="{C2260C93-8FA5-4799-8BE9-E38541B6D21A}"/>
+              </a:ext>
+            </a:extLst>
+          </p:cNvPr>
+          <p:cNvSpPr txBox="1"/>
+          <p:nvPr/>
+        </p:nvSpPr>
+        <p:spPr>
+          <a:xfrm>
+            <a:off x="1318260" y="3513846"/>
+            <a:ext cx="1986441" cy="215444"/>
+          </a:xfrm>
+          <a:prstGeom prst="rect">
+            <a:avLst/>
+          </a:prstGeom>
+          <a:noFill/>
+        </p:spPr>
+        <p:txBody>
+          <a:bodyPr wrap="none" rtlCol="0">
+            <a:spAutoFit/>
+          </a:bodyPr>
+          <a:lstStyle/>
+          <a:p>
+            <a:r>
+              <a:rPr lang="en-US" altLang="ko-KR" sz="800" dirty="0"/>
+              <a:t>*CAS</a:t>
+            </a:r>
+            <a:r>
+              <a:rPr lang="ko-KR" altLang="en-US" sz="800" dirty="0"/>
+              <a:t>번호</a:t>
+            </a:r>
+            <a:r>
+              <a:rPr lang="en-US" altLang="ko-KR" sz="800" dirty="0"/>
+              <a:t>: </a:t>
+            </a:r>
+            <a:r>
+              <a:rPr lang="ko-KR" altLang="en-US" sz="800" dirty="0"/>
+              <a:t>화학물질에 부여한 고유번호</a:t>
+            </a:r>
+          </a:p>
+        </p:txBody>
+      </p:sp>
+      <p:sp>
+        <p:nvSpPr>
+          <p:cNvPr id="11" name="TextBox 10">
+            <a:extLst>
+              <a:ext uri="{FF2B5EF4-FFF2-40B4-BE49-F238E27FC236}">
+                <a16:creationId xmlns:a16="http://schemas.microsoft.com/office/drawing/2014/main" id="{7246C38C-2EB9-4FEF-9D13-DE0B3504661A}"/>
+              </a:ext>
+            </a:extLst>
+          </p:cNvPr>
+          <p:cNvSpPr txBox="1"/>
+          <p:nvPr/>
+        </p:nvSpPr>
+        <p:spPr>
+          <a:xfrm>
+            <a:off x="1417242" y="2077439"/>
+            <a:ext cx="954107" cy="246221"/>
+          </a:xfrm>
+          <a:prstGeom prst="rect">
+            <a:avLst/>
+          </a:prstGeom>
+          <a:noFill/>
+        </p:spPr>
+        <p:txBody>
+          <a:bodyPr wrap="none" rtlCol="0">
+            <a:spAutoFit/>
+          </a:bodyPr>
+          <a:lstStyle/>
+          <a:p>
+            <a:r>
+              <a:rPr lang="ko-KR" altLang="en-US" sz="1000" b="1" dirty="0"/>
+              <a:t>표준질의문장</a:t>
+            </a:r>
+          </a:p>
+        </p:txBody>
+      </p:sp>
+      <p:sp>
+        <p:nvSpPr>
+          <p:cNvPr id="12" name="TextBox 11">
+            <a:extLst>
+              <a:ext uri="{FF2B5EF4-FFF2-40B4-BE49-F238E27FC236}">
+                <a16:creationId xmlns:a16="http://schemas.microsoft.com/office/drawing/2014/main" id="{799534AC-64E1-4F20-B488-C41523A52A39}"/>
+              </a:ext>
+            </a:extLst>
+          </p:cNvPr>
+          <p:cNvSpPr txBox="1"/>
+          <p:nvPr/>
+        </p:nvSpPr>
+        <p:spPr>
+          <a:xfrm>
+            <a:off x="1417242" y="2860875"/>
+            <a:ext cx="1082348" cy="246221"/>
+          </a:xfrm>
+          <a:prstGeom prst="rect">
+            <a:avLst/>
+          </a:prstGeom>
+          <a:noFill/>
+        </p:spPr>
+        <p:txBody>
+          <a:bodyPr wrap="none" rtlCol="0">
+            <a:spAutoFit/>
+          </a:bodyPr>
+          <a:lstStyle/>
+          <a:p>
+            <a:r>
+              <a:rPr lang="ko-KR" altLang="en-US" sz="1000" b="1" dirty="0"/>
+              <a:t>비표준질의문장</a:t>
+            </a:r>
+          </a:p>
+        </p:txBody>
+      </p:sp>
+      <p:sp>
+        <p:nvSpPr>
+          <p:cNvPr id="13" name="사각형: 둥근 모서리 12">
+            <a:extLst>
+              <a:ext uri="{FF2B5EF4-FFF2-40B4-BE49-F238E27FC236}">
+                <a16:creationId xmlns:a16="http://schemas.microsoft.com/office/drawing/2014/main" id="{5A7B238F-46AB-48B8-9998-CCF2D01572A1}"/>
+              </a:ext>
+            </a:extLst>
+          </p:cNvPr>
+          <p:cNvSpPr/>
+          <p:nvPr/>
+        </p:nvSpPr>
+        <p:spPr>
+          <a:xfrm>
+            <a:off x="1318260" y="2062578"/>
+            <a:ext cx="5143500" cy="646331"/>
+          </a:xfrm>
+          <a:prstGeom prst="roundRect">
+            <a:avLst/>
+          </a:prstGeom>
+          <a:noFill/>
+        </p:spPr>
+        <p:style>
+          <a:lnRef idx="2">
+            <a:schemeClr val="accent1">
+              <a:shade val="50000"/>
+            </a:schemeClr>
+          </a:lnRef>
+          <a:fillRef idx="1">
+            <a:schemeClr val="accent1"/>
+          </a:fillRef>
+          <a:effectRef idx="0">
+            <a:schemeClr val="accent1"/>
+          </a:effectRef>
+          <a:fontRef idx="minor">
+            <a:schemeClr val="lt1"/>
+          </a:fontRef>
+        </p:style>
+        <p:txBody>
+          <a:bodyPr rtlCol="0" anchor="ctr"/>
+          <a:lstStyle/>
+          <a:p>
+            <a:pPr algn="ctr"/>
+            <a:endParaRPr lang="ko-KR" altLang="en-US"/>
+          </a:p>
+        </p:txBody>
+      </p:sp>
+      <p:sp>
+        <p:nvSpPr>
+          <p:cNvPr id="14" name="사각형: 둥근 모서리 13">
+            <a:extLst>
+              <a:ext uri="{FF2B5EF4-FFF2-40B4-BE49-F238E27FC236}">
+                <a16:creationId xmlns:a16="http://schemas.microsoft.com/office/drawing/2014/main" id="{E244E096-ED6A-4437-A4B3-4C29C54D34C9}"/>
+              </a:ext>
+            </a:extLst>
+          </p:cNvPr>
+          <p:cNvSpPr/>
+          <p:nvPr/>
+        </p:nvSpPr>
+        <p:spPr>
+          <a:xfrm>
+            <a:off x="1318260" y="2860875"/>
+            <a:ext cx="5143500" cy="646331"/>
+          </a:xfrm>
+          <a:prstGeom prst="roundRect">
+            <a:avLst/>
+          </a:prstGeom>
+          <a:noFill/>
+        </p:spPr>
+        <p:style>
+          <a:lnRef idx="2">
+            <a:schemeClr val="accent1">
+              <a:shade val="50000"/>
+            </a:schemeClr>
+          </a:lnRef>
+          <a:fillRef idx="1">
+            <a:schemeClr val="accent1"/>
+          </a:fillRef>
+          <a:effectRef idx="0">
+            <a:schemeClr val="accent1"/>
+          </a:effectRef>
+          <a:fontRef idx="minor">
+            <a:schemeClr val="lt1"/>
+          </a:fontRef>
+        </p:style>
+        <p:txBody>
+          <a:bodyPr rtlCol="0" anchor="ctr"/>
+          <a:lstStyle/>
+          <a:p>
+            <a:pPr algn="ctr"/>
+            <a:endParaRPr lang="ko-KR" altLang="en-US"/>
+          </a:p>
+        </p:txBody>
+      </p:sp>
+      <p:sp>
+        <p:nvSpPr>
+          <p:cNvPr id="16" name="순서도: 문서 15">
+            <a:extLst>
+              <a:ext uri="{FF2B5EF4-FFF2-40B4-BE49-F238E27FC236}">
+                <a16:creationId xmlns:a16="http://schemas.microsoft.com/office/drawing/2014/main" id="{499981AF-D56D-4901-A794-9D83CFD094BE}"/>
+              </a:ext>
+            </a:extLst>
+          </p:cNvPr>
+          <p:cNvSpPr/>
+          <p:nvPr/>
+        </p:nvSpPr>
+        <p:spPr>
+          <a:xfrm>
+            <a:off x="7612224" y="1962989"/>
+            <a:ext cx="2145895" cy="837361"/>
+          </a:xfrm>
+          <a:prstGeom prst="flowChartDocument">
+            <a:avLst/>
+          </a:prstGeom>
+          <a:solidFill>
+            <a:schemeClr val="bg1"/>
+          </a:solidFill>
+          <a:effectLst>
+            <a:outerShdw blurRad="127000" dist="50800" dir="5400000" algn="ctr" rotWithShape="0">
+              <a:srgbClr val="000000">
+                <a:alpha val="50000"/>
+              </a:srgbClr>
+            </a:outerShdw>
+          </a:effectLst>
+        </p:spPr>
+        <p:style>
+          <a:lnRef idx="2">
+            <a:schemeClr val="accent1">
+              <a:shade val="15000"/>
+            </a:schemeClr>
+          </a:lnRef>
+          <a:fillRef idx="1">
+            <a:schemeClr val="accent1"/>
+          </a:fillRef>
+          <a:effectRef idx="0">
+            <a:schemeClr val="accent1"/>
+          </a:effectRef>
+          <a:fontRef idx="minor">
+            <a:schemeClr val="lt1"/>
+          </a:fontRef>
+        </p:style>
+        <p:txBody>
+          <a:bodyPr rtlCol="0" anchor="ctr"/>
+          <a:lstStyle/>
+          <a:p>
+            <a:pPr algn="ctr" latinLnBrk="1"/>
+            <a:r>
+              <a:rPr lang="en-US" altLang="ko-KR" sz="1000" dirty="0">
+                <a:solidFill>
+                  <a:schemeClr val="tx1"/>
+                </a:solidFill>
+              </a:rPr>
+              <a:t>SELECT * FROM database</a:t>
+            </a:r>
+            <a:r>
+              <a:rPr lang="ko-KR" altLang="en-US" sz="1000" dirty="0">
+                <a:solidFill>
+                  <a:schemeClr val="tx1"/>
+                </a:solidFill>
+              </a:rPr>
+              <a:t> </a:t>
+            </a:r>
+          </a:p>
+          <a:p>
+            <a:pPr algn="ctr" latinLnBrk="1"/>
+            <a:r>
+              <a:rPr lang="en-US" altLang="ko-KR" sz="1000" dirty="0">
+                <a:solidFill>
+                  <a:schemeClr val="tx1"/>
+                </a:solidFill>
+              </a:rPr>
+              <a:t>WHERE CAS</a:t>
+            </a:r>
+            <a:r>
+              <a:rPr lang="ko-KR" altLang="en-US" sz="1000" dirty="0">
+                <a:solidFill>
+                  <a:schemeClr val="tx1"/>
+                </a:solidFill>
+              </a:rPr>
+              <a:t>번호 </a:t>
+            </a:r>
+            <a:r>
+              <a:rPr lang="en-US" altLang="ko-KR" sz="1000" dirty="0">
+                <a:solidFill>
+                  <a:schemeClr val="tx1"/>
+                </a:solidFill>
+              </a:rPr>
+              <a:t>LIKE '%71%' </a:t>
+            </a:r>
+          </a:p>
+          <a:p>
+            <a:pPr algn="ctr" latinLnBrk="1"/>
+            <a:r>
+              <a:rPr lang="en-US" altLang="ko-KR" sz="1000" dirty="0">
+                <a:solidFill>
+                  <a:schemeClr val="tx1"/>
+                </a:solidFill>
+              </a:rPr>
+              <a:t>ORDER BY </a:t>
+            </a:r>
+            <a:r>
+              <a:rPr lang="ko-KR" altLang="en-US" sz="1000" dirty="0">
+                <a:solidFill>
+                  <a:schemeClr val="tx1"/>
+                </a:solidFill>
+              </a:rPr>
+              <a:t>개정일 </a:t>
+            </a:r>
+            <a:r>
+              <a:rPr lang="en-US" altLang="ko-KR" sz="1000" dirty="0">
+                <a:solidFill>
+                  <a:schemeClr val="tx1"/>
+                </a:solidFill>
+              </a:rPr>
+              <a:t>ASC;</a:t>
+            </a:r>
+          </a:p>
+        </p:txBody>
+      </p:sp>
+      <p:cxnSp>
+        <p:nvCxnSpPr>
+          <p:cNvPr id="18" name="직선 화살표 연결선 17">
+            <a:extLst>
+              <a:ext uri="{FF2B5EF4-FFF2-40B4-BE49-F238E27FC236}">
+                <a16:creationId xmlns:a16="http://schemas.microsoft.com/office/drawing/2014/main" id="{DE2A5D63-15DA-4193-A795-019472E40E47}"/>
+              </a:ext>
+            </a:extLst>
+          </p:cNvPr>
+          <p:cNvCxnSpPr>
+            <a:cxnSpLocks/>
+            <a:stCxn id="13" idx="3"/>
+            <a:endCxn id="16" idx="1"/>
+          </p:cNvCxnSpPr>
+          <p:nvPr/>
+        </p:nvCxnSpPr>
+        <p:spPr>
+          <a:xfrm flipV="1">
+            <a:off x="6461760" y="2381670"/>
+            <a:ext cx="1150464" cy="4074"/>
+          </a:xfrm>
+          <a:prstGeom prst="straightConnector1">
+            <a:avLst/>
+          </a:prstGeom>
+          <a:ln>
+            <a:tailEnd type="triangle"/>
+          </a:ln>
+        </p:spPr>
+        <p:style>
+          <a:lnRef idx="1">
+            <a:schemeClr val="dk1"/>
+          </a:lnRef>
+          <a:fillRef idx="0">
+            <a:schemeClr val="dk1"/>
+          </a:fillRef>
+          <a:effectRef idx="0">
+            <a:schemeClr val="dk1"/>
+          </a:effectRef>
+          <a:fontRef idx="minor">
+            <a:schemeClr val="tx1"/>
+          </a:fontRef>
+        </p:style>
+      </p:cxnSp>
+      <p:pic>
+        <p:nvPicPr>
+          <p:cNvPr id="30" name="그림 29">
+            <a:extLst>
+              <a:ext uri="{FF2B5EF4-FFF2-40B4-BE49-F238E27FC236}">
+                <a16:creationId xmlns:a16="http://schemas.microsoft.com/office/drawing/2014/main" id="{9EF334FA-C31D-4FCF-B4B0-8A22E085B421}"/>
+              </a:ext>
+            </a:extLst>
+          </p:cNvPr>
+          <p:cNvPicPr>
+            <a:picLocks noChangeAspect="1"/>
+          </p:cNvPicPr>
+          <p:nvPr/>
+        </p:nvPicPr>
+        <p:blipFill>
+          <a:blip r:embed="rId2"/>
+          <a:stretch>
+            <a:fillRect/>
+          </a:stretch>
+        </p:blipFill>
+        <p:spPr>
+          <a:xfrm>
+            <a:off x="5715629" y="5020881"/>
+            <a:ext cx="5939084" cy="1349402"/>
+          </a:xfrm>
+          <a:prstGeom prst="rect">
+            <a:avLst/>
+          </a:prstGeom>
+        </p:spPr>
+      </p:pic>
+      <p:sp>
+        <p:nvSpPr>
+          <p:cNvPr id="39" name="직사각형 38">
+            <a:extLst>
+              <a:ext uri="{FF2B5EF4-FFF2-40B4-BE49-F238E27FC236}">
+                <a16:creationId xmlns:a16="http://schemas.microsoft.com/office/drawing/2014/main" id="{EB0BDCD3-92E8-4B46-ADBA-3A0A7F85FAD9}"/>
+              </a:ext>
+            </a:extLst>
+          </p:cNvPr>
+          <p:cNvSpPr/>
+          <p:nvPr/>
+        </p:nvSpPr>
+        <p:spPr>
+          <a:xfrm>
+            <a:off x="7997514" y="3611454"/>
+            <a:ext cx="1375313" cy="506883"/>
+          </a:xfrm>
+          <a:prstGeom prst="rect">
+            <a:avLst/>
+          </a:prstGeom>
+          <a:noFill/>
+          <a:effectLst>
+            <a:outerShdw blurRad="1270000" dist="50800" dir="5400000" algn="ctr" rotWithShape="0">
+              <a:srgbClr val="000000">
+                <a:alpha val="43137"/>
+              </a:srgbClr>
+            </a:outerShdw>
+          </a:effectLst>
+        </p:spPr>
+        <p:style>
+          <a:lnRef idx="2">
+            <a:schemeClr val="accent1">
+              <a:shade val="15000"/>
+            </a:schemeClr>
+          </a:lnRef>
+          <a:fillRef idx="1">
+            <a:schemeClr val="accent1"/>
+          </a:fillRef>
+          <a:effectRef idx="0">
+            <a:schemeClr val="accent1"/>
+          </a:effectRef>
+          <a:fontRef idx="minor">
+            <a:schemeClr val="lt1"/>
+          </a:fontRef>
+        </p:style>
+        <p:txBody>
+          <a:bodyPr rtlCol="0" anchor="ctr"/>
+          <a:lstStyle/>
+          <a:p>
+            <a:pPr algn="ctr"/>
+            <a:r>
+              <a:rPr lang="ko-KR" altLang="en-US" sz="1000" dirty="0">
+                <a:solidFill>
+                  <a:schemeClr val="tx1"/>
+                </a:solidFill>
+              </a:rPr>
+              <a:t>프로세스</a:t>
+            </a:r>
+          </a:p>
+        </p:txBody>
+      </p:sp>
+      <p:sp>
+        <p:nvSpPr>
+          <p:cNvPr id="40" name="순서도: 자기 디스크 39">
+            <a:extLst>
+              <a:ext uri="{FF2B5EF4-FFF2-40B4-BE49-F238E27FC236}">
+                <a16:creationId xmlns:a16="http://schemas.microsoft.com/office/drawing/2014/main" id="{F72A6B13-F1FF-43A4-8C2C-EC51D5DAFD6E}"/>
+              </a:ext>
+            </a:extLst>
+          </p:cNvPr>
+          <p:cNvSpPr/>
+          <p:nvPr/>
+        </p:nvSpPr>
+        <p:spPr>
+          <a:xfrm>
+            <a:off x="10540317" y="3611454"/>
+            <a:ext cx="1198196" cy="506883"/>
+          </a:xfrm>
+          <a:prstGeom prst="flowChartMagneticDisk">
+            <a:avLst/>
+          </a:prstGeom>
+          <a:noFill/>
+          <a:effectLst>
+            <a:outerShdw blurRad="1270000" dist="50800" dir="5400000" algn="ctr" rotWithShape="0">
+              <a:srgbClr val="000000">
+                <a:alpha val="43137"/>
+              </a:srgbClr>
+            </a:outerShdw>
+          </a:effectLst>
+        </p:spPr>
+        <p:style>
+          <a:lnRef idx="2">
+            <a:schemeClr val="accent1">
+              <a:shade val="15000"/>
+            </a:schemeClr>
+          </a:lnRef>
+          <a:fillRef idx="1">
+            <a:schemeClr val="accent1"/>
+          </a:fillRef>
+          <a:effectRef idx="0">
+            <a:schemeClr val="accent1"/>
+          </a:effectRef>
+          <a:fontRef idx="minor">
+            <a:schemeClr val="lt1"/>
+          </a:fontRef>
+        </p:style>
+        <p:txBody>
+          <a:bodyPr rtlCol="0" anchor="ctr"/>
+          <a:lstStyle/>
+          <a:p>
+            <a:pPr algn="ctr"/>
+            <a:r>
+              <a:rPr lang="ko-KR" altLang="en-US" sz="1000" dirty="0">
+                <a:solidFill>
+                  <a:schemeClr val="tx1"/>
+                </a:solidFill>
+              </a:rPr>
+              <a:t>데이터베이스</a:t>
+            </a:r>
+          </a:p>
+        </p:txBody>
+      </p:sp>
+      <p:cxnSp>
+        <p:nvCxnSpPr>
+          <p:cNvPr id="42" name="직선 화살표 연결선 41">
+            <a:extLst>
+              <a:ext uri="{FF2B5EF4-FFF2-40B4-BE49-F238E27FC236}">
+                <a16:creationId xmlns:a16="http://schemas.microsoft.com/office/drawing/2014/main" id="{5DE86FDD-BAB6-497D-AC49-C6E4F27C3803}"/>
+              </a:ext>
+            </a:extLst>
+          </p:cNvPr>
+          <p:cNvCxnSpPr/>
+          <p:nvPr/>
+        </p:nvCxnSpPr>
+        <p:spPr>
+          <a:xfrm>
+            <a:off x="8685170" y="3031198"/>
+            <a:ext cx="0" cy="397802"/>
+          </a:xfrm>
+          <a:prstGeom prst="straightConnector1">
+            <a:avLst/>
+          </a:prstGeom>
+          <a:ln>
+            <a:tailEnd type="triangle"/>
+          </a:ln>
+        </p:spPr>
+        <p:style>
+          <a:lnRef idx="1">
+            <a:schemeClr val="dk1"/>
+          </a:lnRef>
+          <a:fillRef idx="0">
+            <a:schemeClr val="dk1"/>
+          </a:fillRef>
+          <a:effectRef idx="0">
+            <a:schemeClr val="dk1"/>
+          </a:effectRef>
+          <a:fontRef idx="minor">
+            <a:schemeClr val="tx1"/>
+          </a:fontRef>
+        </p:style>
+      </p:cxnSp>
+      <p:cxnSp>
+        <p:nvCxnSpPr>
+          <p:cNvPr id="44" name="직선 화살표 연결선 43">
+            <a:extLst>
+              <a:ext uri="{FF2B5EF4-FFF2-40B4-BE49-F238E27FC236}">
+                <a16:creationId xmlns:a16="http://schemas.microsoft.com/office/drawing/2014/main" id="{93ACF922-2616-4EE7-85A4-51EFD33FB828}"/>
+              </a:ext>
+            </a:extLst>
+          </p:cNvPr>
+          <p:cNvCxnSpPr/>
+          <p:nvPr/>
+        </p:nvCxnSpPr>
+        <p:spPr>
+          <a:xfrm flipH="1">
+            <a:off x="9648825" y="3864895"/>
+            <a:ext cx="695325" cy="0"/>
+          </a:xfrm>
+          <a:prstGeom prst="straightConnector1">
+            <a:avLst/>
+          </a:prstGeom>
+          <a:ln>
+            <a:tailEnd type="triangle"/>
+          </a:ln>
+        </p:spPr>
+        <p:style>
+          <a:lnRef idx="1">
+            <a:schemeClr val="dk1"/>
+          </a:lnRef>
+          <a:fillRef idx="0">
+            <a:schemeClr val="dk1"/>
+          </a:fillRef>
+          <a:effectRef idx="0">
+            <a:schemeClr val="dk1"/>
+          </a:effectRef>
+          <a:fontRef idx="minor">
+            <a:schemeClr val="tx1"/>
+          </a:fontRef>
+        </p:style>
+      </p:cxnSp>
+      <p:cxnSp>
+        <p:nvCxnSpPr>
+          <p:cNvPr id="46" name="직선 화살표 연결선 45">
+            <a:extLst>
+              <a:ext uri="{FF2B5EF4-FFF2-40B4-BE49-F238E27FC236}">
+                <a16:creationId xmlns:a16="http://schemas.microsoft.com/office/drawing/2014/main" id="{3C2C2AE3-351E-4E97-9977-C28EBB66ABE0}"/>
+              </a:ext>
+            </a:extLst>
+          </p:cNvPr>
+          <p:cNvCxnSpPr/>
+          <p:nvPr/>
+        </p:nvCxnSpPr>
+        <p:spPr>
+          <a:xfrm>
+            <a:off x="8685170" y="4305300"/>
+            <a:ext cx="0" cy="438150"/>
+          </a:xfrm>
+          <a:prstGeom prst="straightConnector1">
+            <a:avLst/>
+          </a:prstGeom>
+          <a:ln>
+            <a:tailEnd type="triangle"/>
+          </a:ln>
+        </p:spPr>
+        <p:style>
+          <a:lnRef idx="1">
+            <a:schemeClr val="dk1"/>
+          </a:lnRef>
+          <a:fillRef idx="0">
+            <a:schemeClr val="dk1"/>
+          </a:fillRef>
+          <a:effectRef idx="0">
+            <a:schemeClr val="dk1"/>
+          </a:effectRef>
+          <a:fontRef idx="minor">
+            <a:schemeClr val="tx1"/>
+          </a:fontRef>
+        </p:style>
+      </p:cxnSp>
+    </p:spTree>
+    <p:extLst>
+      <p:ext uri="{BB962C8B-B14F-4D97-AF65-F5344CB8AC3E}">
+        <p14:creationId xmlns:p14="http://schemas.microsoft.com/office/powerpoint/2010/main" val="938936928"/>
+      </p:ext>
+    </p:extLst>
+  </p:cSld>
+  <p:clrMapOvr>
+    <a:masterClrMapping/>
+  </p:clrMapOvr>
+</p:sld>
+</file>
+
+<file path=ppt/slides/slide4.xml><?xml version="1.0" encoding="utf-8"?>
+<p:sld xmlns:a="http://schemas.openxmlformats.org/drawingml/2006/main" xmlns:r="http://schemas.openxmlformats.org/officeDocument/2006/relationships" xmlns:p="http://schemas.openxmlformats.org/presentationml/2006/main">
+  <p:cSld>
+    <p:spTree>
+      <p:nvGrpSpPr>
+        <p:cNvPr id="1" name=""/>
+        <p:cNvGrpSpPr/>
+        <p:nvPr/>
+      </p:nvGrpSpPr>
+      <p:grpSpPr>
+        <a:xfrm>
+          <a:off x="0" y="0"/>
+          <a:ext cx="0" cy="0"/>
+          <a:chOff x="0" y="0"/>
+          <a:chExt cx="0" cy="0"/>
+        </a:xfrm>
+      </p:grpSpPr>
+      <p:graphicFrame>
+        <p:nvGraphicFramePr>
+          <p:cNvPr id="4" name="표 3">
+            <a:extLst>
+              <a:ext uri="{FF2B5EF4-FFF2-40B4-BE49-F238E27FC236}">
+                <a16:creationId xmlns:a16="http://schemas.microsoft.com/office/drawing/2014/main" id="{D047BDBD-7379-497E-A05B-E9D6B7CC756C}"/>
+              </a:ext>
+            </a:extLst>
+          </p:cNvPr>
+          <p:cNvGraphicFramePr>
+            <a:graphicFrameLocks noGrp="1"/>
+          </p:cNvGraphicFramePr>
+          <p:nvPr>
+            <p:extLst>
+              <p:ext uri="{D42A27DB-BD31-4B8C-83A1-F6EECF244321}">
+                <p14:modId xmlns:p14="http://schemas.microsoft.com/office/powerpoint/2010/main" val="775804273"/>
+              </p:ext>
+            </p:extLst>
+          </p:nvPr>
+        </p:nvGraphicFramePr>
+        <p:xfrm>
+          <a:off x="46844" y="4627998"/>
+          <a:ext cx="7056633" cy="792480"/>
+        </p:xfrm>
+        <a:graphic>
+          <a:graphicData uri="http://schemas.openxmlformats.org/drawingml/2006/table">
+            <a:tbl>
+              <a:tblPr firstRow="1" bandRow="1">
+                <a:tableStyleId>{5C22544A-7EE6-4342-B048-85BDC9FD1C3A}</a:tableStyleId>
+              </a:tblPr>
+              <a:tblGrid>
+                <a:gridCol w="812526">
+                  <a:extLst>
+                    <a:ext uri="{9D8B030D-6E8A-4147-A177-3AD203B41FA5}">
+                      <a16:colId xmlns:a16="http://schemas.microsoft.com/office/drawing/2014/main" val="1963920097"/>
+                    </a:ext>
+                  </a:extLst>
+                </a:gridCol>
+                <a:gridCol w="1836997">
+                  <a:extLst>
+                    <a:ext uri="{9D8B030D-6E8A-4147-A177-3AD203B41FA5}">
+                      <a16:colId xmlns:a16="http://schemas.microsoft.com/office/drawing/2014/main" val="888795744"/>
+                    </a:ext>
+                  </a:extLst>
+                </a:gridCol>
+                <a:gridCol w="1516380">
+                  <a:extLst>
+                    <a:ext uri="{9D8B030D-6E8A-4147-A177-3AD203B41FA5}">
+                      <a16:colId xmlns:a16="http://schemas.microsoft.com/office/drawing/2014/main" val="949320744"/>
+                    </a:ext>
+                  </a:extLst>
+                </a:gridCol>
+                <a:gridCol w="2890730">
+                  <a:extLst>
+                    <a:ext uri="{9D8B030D-6E8A-4147-A177-3AD203B41FA5}">
+                      <a16:colId xmlns:a16="http://schemas.microsoft.com/office/drawing/2014/main" val="643325331"/>
+                    </a:ext>
+                  </a:extLst>
+                </a:gridCol>
+              </a:tblGrid>
+              <a:tr h="322560">
+                <a:tc>
+                  <a:txBody>
+                    <a:bodyPr/>
+                    <a:lstStyle/>
+                    <a:p>
+                      <a:pPr latinLnBrk="1"/>
+                      <a:r>
+                        <a:rPr lang="en-US" altLang="ko-KR" sz="800" dirty="0"/>
+                        <a:t>Standard term</a:t>
+                      </a:r>
+                      <a:endParaRPr lang="ko-KR" altLang="en-US" sz="800" dirty="0"/>
+                    </a:p>
+                  </a:txBody>
+                  <a:tcPr anchor="ctr">
+                    <a:solidFill>
+                      <a:schemeClr val="tx2">
+                        <a:lumMod val="40000"/>
+                        <a:lumOff val="60000"/>
+                      </a:schemeClr>
+                    </a:solidFill>
+                  </a:tcPr>
+                </a:tc>
+                <a:tc>
+                  <a:txBody>
+                    <a:bodyPr/>
+                    <a:lstStyle/>
+                    <a:p>
+                      <a:pPr latinLnBrk="1"/>
+                      <a:r>
+                        <a:rPr lang="en-US" altLang="ko-KR" sz="800" b="1" dirty="0"/>
+                        <a:t>Query</a:t>
+                      </a:r>
+                      <a:endParaRPr lang="ko-KR" altLang="en-US" sz="800" b="1" dirty="0"/>
+                    </a:p>
+                  </a:txBody>
+                  <a:tcPr anchor="ctr">
+                    <a:solidFill>
+                      <a:schemeClr val="tx2">
+                        <a:lumMod val="40000"/>
+                        <a:lumOff val="60000"/>
+                      </a:schemeClr>
+                    </a:solidFill>
+                  </a:tcPr>
+                </a:tc>
+                <a:tc>
+                  <a:txBody>
+                    <a:bodyPr/>
+                    <a:lstStyle/>
+                    <a:p>
+                      <a:pPr latinLnBrk="1"/>
+                      <a:r>
+                        <a:rPr lang="ko-KR" altLang="en-US" sz="800" dirty="0"/>
+                        <a:t>표준질의문장</a:t>
+                      </a:r>
+                    </a:p>
+                  </a:txBody>
+                  <a:tcPr anchor="ctr">
+                    <a:solidFill>
+                      <a:schemeClr val="tx2">
+                        <a:lumMod val="40000"/>
+                        <a:lumOff val="60000"/>
+                      </a:schemeClr>
+                    </a:solidFill>
+                  </a:tcPr>
+                </a:tc>
+                <a:tc>
+                  <a:txBody>
+                    <a:bodyPr/>
+                    <a:lstStyle/>
+                    <a:p>
+                      <a:pPr latinLnBrk="1"/>
+                      <a:r>
+                        <a:rPr lang="en-US" altLang="ko-KR" sz="800" dirty="0"/>
+                        <a:t>Description</a:t>
+                      </a:r>
+                      <a:endParaRPr lang="ko-KR" altLang="en-US" sz="800" dirty="0"/>
+                    </a:p>
+                  </a:txBody>
+                  <a:tcPr anchor="ctr">
+                    <a:solidFill>
+                      <a:schemeClr val="tx2">
+                        <a:lumMod val="40000"/>
+                        <a:lumOff val="60000"/>
+                      </a:schemeClr>
+                    </a:solidFill>
+                  </a:tcPr>
+                </a:tc>
+                <a:extLst>
+                  <a:ext uri="{0D108BD9-81ED-4DB2-BD59-A6C34878D82A}">
+                    <a16:rowId xmlns:a16="http://schemas.microsoft.com/office/drawing/2014/main" val="2728646183"/>
+                  </a:ext>
+                </a:extLst>
+              </a:tr>
+              <a:tr h="195413">
+                <a:tc>
+                  <a:txBody>
+                    <a:bodyPr/>
+                    <a:lstStyle/>
+                    <a:p>
+                      <a:pPr latinLnBrk="1"/>
+                      <a:r>
+                        <a:rPr lang="en-US" altLang="ko-KR" sz="800" dirty="0"/>
+                        <a:t>CAS</a:t>
+                      </a:r>
+                      <a:r>
+                        <a:rPr lang="ko-KR" altLang="en-US" sz="800" dirty="0"/>
+                        <a:t>번호</a:t>
+                      </a:r>
+                    </a:p>
+                  </a:txBody>
+                  <a:tcPr anchor="ctr">
+                    <a:solidFill>
+                      <a:schemeClr val="tx2">
+                        <a:lumMod val="40000"/>
+                        <a:lumOff val="60000"/>
+                      </a:schemeClr>
+                    </a:solidFill>
+                  </a:tcPr>
+                </a:tc>
+                <a:tc>
+                  <a:txBody>
+                    <a:bodyPr/>
+                    <a:lstStyle/>
+                    <a:p>
+                      <a:pPr latinLnBrk="1"/>
+                      <a:r>
+                        <a:rPr lang="en-US" altLang="ko-KR" sz="800" dirty="0"/>
+                        <a:t>SELECT * FROM database</a:t>
+                      </a:r>
+                      <a:r>
+                        <a:rPr lang="ko-KR" altLang="en-US" sz="800" dirty="0"/>
+                        <a:t> </a:t>
+                      </a:r>
+                    </a:p>
+                    <a:p>
+                      <a:pPr latinLnBrk="1"/>
+                      <a:r>
+                        <a:rPr lang="en-US" altLang="ko-KR" sz="800" dirty="0"/>
+                        <a:t>WHERE CAS</a:t>
+                      </a:r>
+                      <a:r>
+                        <a:rPr lang="ko-KR" altLang="en-US" sz="800" dirty="0"/>
+                        <a:t>번호 </a:t>
+                      </a:r>
+                      <a:r>
+                        <a:rPr lang="en-US" altLang="ko-KR" sz="800" dirty="0"/>
+                        <a:t>LIKE '%71%' </a:t>
+                      </a:r>
+                    </a:p>
+                    <a:p>
+                      <a:pPr latinLnBrk="1"/>
+                      <a:r>
+                        <a:rPr lang="en-US" altLang="ko-KR" sz="800" dirty="0"/>
+                        <a:t>ORDER BY </a:t>
+                      </a:r>
+                      <a:r>
+                        <a:rPr lang="ko-KR" altLang="en-US" sz="800" dirty="0"/>
+                        <a:t>개정일 </a:t>
+                      </a:r>
+                      <a:r>
+                        <a:rPr lang="en-US" altLang="ko-KR" sz="800" dirty="0"/>
+                        <a:t>ASC;</a:t>
+                      </a:r>
+                    </a:p>
+                  </a:txBody>
+                  <a:tcPr anchor="ctr">
+                    <a:solidFill>
+                      <a:schemeClr val="tx2">
+                        <a:lumMod val="40000"/>
+                        <a:lumOff val="60000"/>
+                      </a:schemeClr>
+                    </a:solidFill>
+                  </a:tcPr>
+                </a:tc>
+                <a:tc>
+                  <a:txBody>
+                    <a:bodyPr/>
+                    <a:lstStyle/>
+                    <a:p>
+                      <a:pPr latinLnBrk="1"/>
+                      <a:r>
+                        <a:rPr lang="en-US" altLang="ko-KR" sz="800" dirty="0"/>
+                        <a:t>"CAS</a:t>
+                      </a:r>
+                      <a:r>
+                        <a:rPr lang="ko-KR" altLang="en-US" sz="800" dirty="0" err="1"/>
+                        <a:t>번호중</a:t>
+                      </a:r>
+                      <a:r>
+                        <a:rPr lang="ko-KR" altLang="en-US" sz="800" dirty="0"/>
+                        <a:t> </a:t>
+                      </a:r>
+                      <a:r>
+                        <a:rPr lang="en-US" altLang="ko-KR" sz="800" dirty="0"/>
+                        <a:t>71</a:t>
+                      </a:r>
+                      <a:r>
+                        <a:rPr lang="ko-KR" altLang="en-US" sz="800" dirty="0"/>
+                        <a:t>이 포함되어 있는 화학물질을 개정일 오름차순으로 정렬해서 보여줘</a:t>
+                      </a:r>
+                      <a:r>
+                        <a:rPr lang="en-US" altLang="ko-KR" sz="800" dirty="0"/>
+                        <a:t>"</a:t>
+                      </a:r>
+                      <a:endParaRPr lang="ko-KR" altLang="en-US" sz="800" dirty="0"/>
+                    </a:p>
+                  </a:txBody>
+                  <a:tcPr anchor="ctr">
+                    <a:solidFill>
+                      <a:schemeClr val="tx2">
+                        <a:lumMod val="40000"/>
+                        <a:lumOff val="60000"/>
+                      </a:schemeClr>
+                    </a:solidFill>
+                  </a:tcPr>
+                </a:tc>
+                <a:tc>
+                  <a:txBody>
+                    <a:bodyPr/>
+                    <a:lstStyle/>
+                    <a:p>
+                      <a:pPr latinLnBrk="1"/>
+                      <a:r>
+                        <a:rPr lang="ko-KR" altLang="en-US" sz="800" dirty="0"/>
+                        <a:t>화학적 동질성을 갖는 물질에 대하여 미국 </a:t>
+                      </a:r>
+                      <a:r>
+                        <a:rPr lang="ko-KR" altLang="en-US" sz="800" dirty="0" err="1"/>
+                        <a:t>화학회</a:t>
+                      </a:r>
+                      <a:r>
+                        <a:rPr lang="en-US" altLang="ko-KR" sz="800" dirty="0"/>
+                        <a:t>(</a:t>
+                      </a:r>
+                      <a:r>
+                        <a:rPr lang="ko-KR" altLang="en-US" sz="800" dirty="0"/>
+                        <a:t>化學會</a:t>
+                      </a:r>
+                      <a:r>
+                        <a:rPr lang="en-US" altLang="ko-KR" sz="800" dirty="0"/>
+                        <a:t>)</a:t>
+                      </a:r>
+                      <a:r>
+                        <a:rPr lang="ko-KR" altLang="en-US" sz="800" dirty="0"/>
+                        <a:t>에서 부여한 고유 번호</a:t>
+                      </a:r>
+                    </a:p>
+                  </a:txBody>
+                  <a:tcPr anchor="ctr">
+                    <a:solidFill>
+                      <a:schemeClr val="tx2">
+                        <a:lumMod val="40000"/>
+                        <a:lumOff val="60000"/>
+                      </a:schemeClr>
+                    </a:solidFill>
+                  </a:tcPr>
+                </a:tc>
+                <a:extLst>
+                  <a:ext uri="{0D108BD9-81ED-4DB2-BD59-A6C34878D82A}">
+                    <a16:rowId xmlns:a16="http://schemas.microsoft.com/office/drawing/2014/main" val="2443107102"/>
+                  </a:ext>
+                </a:extLst>
+              </a:tr>
+            </a:tbl>
+          </a:graphicData>
+        </a:graphic>
+      </p:graphicFrame>
+      <p:sp>
+        <p:nvSpPr>
+          <p:cNvPr id="7" name="TextBox 6">
+            <a:extLst>
+              <a:ext uri="{FF2B5EF4-FFF2-40B4-BE49-F238E27FC236}">
+                <a16:creationId xmlns:a16="http://schemas.microsoft.com/office/drawing/2014/main" id="{67EE16C4-4D99-4F56-AFCF-6BBEE3FCED60}"/>
+              </a:ext>
+            </a:extLst>
+          </p:cNvPr>
+          <p:cNvSpPr txBox="1"/>
+          <p:nvPr/>
+        </p:nvSpPr>
+        <p:spPr>
+          <a:xfrm>
+            <a:off x="0" y="4303448"/>
+            <a:ext cx="2752677" cy="276999"/>
+          </a:xfrm>
+          <a:prstGeom prst="rect">
+            <a:avLst/>
+          </a:prstGeom>
+          <a:noFill/>
+        </p:spPr>
+        <p:txBody>
+          <a:bodyPr wrap="none" rtlCol="0">
+            <a:spAutoFit/>
+          </a:bodyPr>
+          <a:lstStyle/>
+          <a:p>
+            <a:r>
+              <a:rPr lang="ko-KR" altLang="en-US" sz="1200" b="1" dirty="0"/>
+              <a:t>표준질의문장 </a:t>
+            </a:r>
+            <a:r>
+              <a:rPr lang="en-US" altLang="ko-KR" sz="1200" b="1" dirty="0"/>
+              <a:t>- SQL</a:t>
+            </a:r>
+            <a:r>
+              <a:rPr lang="ko-KR" altLang="en-US" sz="1200" b="1" dirty="0"/>
+              <a:t>쿼리 쌍</a:t>
+            </a:r>
+            <a:r>
+              <a:rPr lang="ko-KR" altLang="en-US" sz="1200" dirty="0"/>
+              <a:t> 데이터셋</a:t>
+            </a:r>
+          </a:p>
+        </p:txBody>
+      </p:sp>
+      <p:sp>
+        <p:nvSpPr>
+          <p:cNvPr id="8" name="순서도: 문서 7">
+            <a:extLst>
+              <a:ext uri="{FF2B5EF4-FFF2-40B4-BE49-F238E27FC236}">
+                <a16:creationId xmlns:a16="http://schemas.microsoft.com/office/drawing/2014/main" id="{4412DC0E-723D-472F-8A71-C95DCC88A890}"/>
+              </a:ext>
+            </a:extLst>
+          </p:cNvPr>
+          <p:cNvSpPr/>
+          <p:nvPr/>
+        </p:nvSpPr>
+        <p:spPr>
+          <a:xfrm>
+            <a:off x="894569" y="2849562"/>
+            <a:ext cx="2070913" cy="888603"/>
+          </a:xfrm>
+          <a:prstGeom prst="flowChartDocument">
+            <a:avLst/>
+          </a:prstGeom>
+          <a:solidFill>
+            <a:schemeClr val="bg1"/>
+          </a:solidFill>
+          <a:effectLst>
+            <a:outerShdw blurRad="127000" dist="50800" dir="5400000" algn="ctr" rotWithShape="0">
+              <a:srgbClr val="000000">
+                <a:alpha val="50000"/>
+              </a:srgbClr>
+            </a:outerShdw>
+          </a:effectLst>
+        </p:spPr>
+        <p:style>
+          <a:lnRef idx="2">
+            <a:schemeClr val="accent1">
+              <a:shade val="15000"/>
+            </a:schemeClr>
+          </a:lnRef>
+          <a:fillRef idx="1">
+            <a:schemeClr val="accent1"/>
+          </a:fillRef>
+          <a:effectRef idx="0">
+            <a:schemeClr val="accent1"/>
+          </a:effectRef>
+          <a:fontRef idx="minor">
+            <a:schemeClr val="lt1"/>
+          </a:fontRef>
+        </p:style>
+        <p:txBody>
+          <a:bodyPr rtlCol="0" anchor="ctr"/>
+          <a:lstStyle/>
+          <a:p>
+            <a:pPr algn="ctr"/>
+            <a:r>
+              <a:rPr lang="en-US" altLang="ko-KR" sz="1500" dirty="0">
+                <a:solidFill>
+                  <a:schemeClr val="tx1"/>
+                </a:solidFill>
+              </a:rPr>
+              <a:t>SQL</a:t>
+            </a:r>
+            <a:r>
+              <a:rPr lang="ko-KR" altLang="en-US" sz="1500" dirty="0">
+                <a:solidFill>
+                  <a:schemeClr val="tx1"/>
+                </a:solidFill>
+              </a:rPr>
+              <a:t>쿼리</a:t>
+            </a:r>
+          </a:p>
+        </p:txBody>
+      </p:sp>
+      <p:cxnSp>
+        <p:nvCxnSpPr>
+          <p:cNvPr id="9" name="직선 화살표 연결선 8">
+            <a:extLst>
+              <a:ext uri="{FF2B5EF4-FFF2-40B4-BE49-F238E27FC236}">
+                <a16:creationId xmlns:a16="http://schemas.microsoft.com/office/drawing/2014/main" id="{90A68A26-9902-46B4-A29C-B606514E5D0C}"/>
+              </a:ext>
+            </a:extLst>
+          </p:cNvPr>
+          <p:cNvCxnSpPr>
+            <a:cxnSpLocks/>
+          </p:cNvCxnSpPr>
+          <p:nvPr/>
+        </p:nvCxnSpPr>
+        <p:spPr>
+          <a:xfrm flipV="1">
+            <a:off x="3557476" y="3126727"/>
+            <a:ext cx="881174" cy="5054"/>
+          </a:xfrm>
+          <a:prstGeom prst="straightConnector1">
+            <a:avLst/>
+          </a:prstGeom>
+          <a:ln>
+            <a:tailEnd type="triangle"/>
+          </a:ln>
+        </p:spPr>
+        <p:style>
+          <a:lnRef idx="1">
+            <a:schemeClr val="dk1"/>
+          </a:lnRef>
+          <a:fillRef idx="0">
+            <a:schemeClr val="dk1"/>
+          </a:fillRef>
+          <a:effectRef idx="0">
+            <a:schemeClr val="dk1"/>
+          </a:effectRef>
+          <a:fontRef idx="minor">
+            <a:schemeClr val="tx1"/>
+          </a:fontRef>
+        </p:style>
+      </p:cxnSp>
+      <p:sp>
+        <p:nvSpPr>
+          <p:cNvPr id="10" name="순서도: 자기 디스크 9">
+            <a:extLst>
+              <a:ext uri="{FF2B5EF4-FFF2-40B4-BE49-F238E27FC236}">
+                <a16:creationId xmlns:a16="http://schemas.microsoft.com/office/drawing/2014/main" id="{BD193AD2-2B90-4888-A666-680B41E0DF41}"/>
+              </a:ext>
+            </a:extLst>
+          </p:cNvPr>
+          <p:cNvSpPr/>
+          <p:nvPr/>
+        </p:nvSpPr>
+        <p:spPr>
+          <a:xfrm>
+            <a:off x="5294714" y="1093653"/>
+            <a:ext cx="1591112" cy="888603"/>
+          </a:xfrm>
+          <a:prstGeom prst="flowChartMagneticDisk">
+            <a:avLst/>
+          </a:prstGeom>
+          <a:noFill/>
+          <a:effectLst>
+            <a:outerShdw blurRad="1270000" dist="50800" dir="5400000" algn="ctr" rotWithShape="0">
+              <a:srgbClr val="000000">
+                <a:alpha val="43137"/>
+              </a:srgbClr>
+            </a:outerShdw>
+          </a:effectLst>
+        </p:spPr>
+        <p:style>
+          <a:lnRef idx="2">
+            <a:schemeClr val="accent1">
+              <a:shade val="15000"/>
+            </a:schemeClr>
+          </a:lnRef>
+          <a:fillRef idx="1">
+            <a:schemeClr val="accent1"/>
+          </a:fillRef>
+          <a:effectRef idx="0">
+            <a:schemeClr val="accent1"/>
+          </a:effectRef>
+          <a:fontRef idx="minor">
+            <a:schemeClr val="lt1"/>
+          </a:fontRef>
+        </p:style>
+        <p:txBody>
+          <a:bodyPr rtlCol="0" anchor="ctr"/>
+          <a:lstStyle/>
+          <a:p>
+            <a:pPr algn="ctr"/>
+            <a:r>
+              <a:rPr lang="en-US" altLang="ko-KR" i="1" dirty="0">
+                <a:solidFill>
+                  <a:schemeClr val="tx1"/>
+                </a:solidFill>
+              </a:rPr>
+              <a:t>RAG</a:t>
+            </a:r>
+            <a:endParaRPr lang="ko-KR" altLang="en-US" i="1" dirty="0">
+              <a:solidFill>
+                <a:schemeClr val="tx1"/>
+              </a:solidFill>
+            </a:endParaRPr>
+          </a:p>
+        </p:txBody>
+      </p:sp>
+      <p:sp>
+        <p:nvSpPr>
+          <p:cNvPr id="11" name="TextBox 10">
+            <a:extLst>
+              <a:ext uri="{FF2B5EF4-FFF2-40B4-BE49-F238E27FC236}">
+                <a16:creationId xmlns:a16="http://schemas.microsoft.com/office/drawing/2014/main" id="{B7FF14C9-37B7-4ADC-AF95-BCBCDB2FD062}"/>
+              </a:ext>
+            </a:extLst>
+          </p:cNvPr>
+          <p:cNvSpPr txBox="1"/>
+          <p:nvPr/>
+        </p:nvSpPr>
+        <p:spPr>
+          <a:xfrm>
+            <a:off x="4694300" y="703287"/>
+            <a:ext cx="2791939" cy="246221"/>
+          </a:xfrm>
+          <a:prstGeom prst="rect">
+            <a:avLst/>
+          </a:prstGeom>
+          <a:noFill/>
+        </p:spPr>
+        <p:txBody>
+          <a:bodyPr wrap="square" rtlCol="0">
+            <a:spAutoFit/>
+          </a:bodyPr>
+          <a:lstStyle/>
+          <a:p>
+            <a:r>
+              <a:rPr lang="ko-KR" altLang="en-US" sz="1000" dirty="0"/>
+              <a:t>표준질의문장 데이터셋의 </a:t>
+            </a:r>
+            <a:r>
+              <a:rPr lang="en-US" altLang="ko-KR" sz="1000" dirty="0"/>
+              <a:t>Description</a:t>
+            </a:r>
+            <a:r>
+              <a:rPr lang="ko-KR" altLang="en-US" sz="1000" dirty="0"/>
+              <a:t>을 참조</a:t>
+            </a:r>
+          </a:p>
+        </p:txBody>
+      </p:sp>
+      <p:sp>
+        <p:nvSpPr>
+          <p:cNvPr id="12" name="직사각형 11">
+            <a:extLst>
+              <a:ext uri="{FF2B5EF4-FFF2-40B4-BE49-F238E27FC236}">
+                <a16:creationId xmlns:a16="http://schemas.microsoft.com/office/drawing/2014/main" id="{1DB9DE8D-5140-44F3-A7AF-F07EE07257F1}"/>
+              </a:ext>
+            </a:extLst>
+          </p:cNvPr>
+          <p:cNvSpPr/>
+          <p:nvPr/>
+        </p:nvSpPr>
+        <p:spPr>
+          <a:xfrm>
+            <a:off x="5029846" y="2837091"/>
+            <a:ext cx="2132307" cy="888603"/>
+          </a:xfrm>
+          <a:prstGeom prst="rect">
+            <a:avLst/>
+          </a:prstGeom>
+          <a:noFill/>
+          <a:effectLst>
+            <a:outerShdw blurRad="1270000" dist="50800" dir="5400000" algn="ctr" rotWithShape="0">
+              <a:srgbClr val="000000">
+                <a:alpha val="43137"/>
+              </a:srgbClr>
+            </a:outerShdw>
+          </a:effectLst>
+        </p:spPr>
+        <p:style>
+          <a:lnRef idx="2">
+            <a:schemeClr val="accent1">
+              <a:shade val="15000"/>
+            </a:schemeClr>
+          </a:lnRef>
+          <a:fillRef idx="1">
+            <a:schemeClr val="accent1"/>
+          </a:fillRef>
+          <a:effectRef idx="0">
+            <a:schemeClr val="accent1"/>
+          </a:effectRef>
+          <a:fontRef idx="minor">
+            <a:schemeClr val="lt1"/>
+          </a:fontRef>
+        </p:style>
+        <p:txBody>
+          <a:bodyPr rtlCol="0" anchor="ctr"/>
+          <a:lstStyle/>
+          <a:p>
+            <a:pPr algn="ctr"/>
+            <a:r>
+              <a:rPr lang="en-US" altLang="ko-KR" sz="1500" dirty="0">
+                <a:solidFill>
+                  <a:schemeClr val="tx1"/>
+                </a:solidFill>
+              </a:rPr>
+              <a:t>SQL2TEXT</a:t>
+            </a:r>
+            <a:endParaRPr lang="ko-KR" altLang="en-US" sz="1500" dirty="0">
+              <a:solidFill>
+                <a:schemeClr val="tx1"/>
+              </a:solidFill>
+            </a:endParaRPr>
+          </a:p>
+        </p:txBody>
+      </p:sp>
+      <p:cxnSp>
+        <p:nvCxnSpPr>
+          <p:cNvPr id="13" name="직선 화살표 연결선 12">
+            <a:extLst>
+              <a:ext uri="{FF2B5EF4-FFF2-40B4-BE49-F238E27FC236}">
+                <a16:creationId xmlns:a16="http://schemas.microsoft.com/office/drawing/2014/main" id="{43EDA158-2F92-4CBD-B512-DDFEF6FF61FB}"/>
+              </a:ext>
+            </a:extLst>
+          </p:cNvPr>
+          <p:cNvCxnSpPr>
+            <a:cxnSpLocks/>
+          </p:cNvCxnSpPr>
+          <p:nvPr/>
+        </p:nvCxnSpPr>
+        <p:spPr>
+          <a:xfrm>
+            <a:off x="6090270" y="2085975"/>
+            <a:ext cx="0" cy="347548"/>
+          </a:xfrm>
+          <a:prstGeom prst="straightConnector1">
+            <a:avLst/>
+          </a:prstGeom>
+          <a:ln>
+            <a:tailEnd type="triangle"/>
+          </a:ln>
+        </p:spPr>
+        <p:style>
+          <a:lnRef idx="1">
+            <a:schemeClr val="dk1"/>
+          </a:lnRef>
+          <a:fillRef idx="0">
+            <a:schemeClr val="dk1"/>
+          </a:fillRef>
+          <a:effectRef idx="0">
+            <a:schemeClr val="dk1"/>
+          </a:effectRef>
+          <a:fontRef idx="minor">
+            <a:schemeClr val="tx1"/>
+          </a:fontRef>
+        </p:style>
+      </p:cxnSp>
+      <p:cxnSp>
+        <p:nvCxnSpPr>
+          <p:cNvPr id="19" name="직선 화살표 연결선 18">
+            <a:extLst>
+              <a:ext uri="{FF2B5EF4-FFF2-40B4-BE49-F238E27FC236}">
+                <a16:creationId xmlns:a16="http://schemas.microsoft.com/office/drawing/2014/main" id="{A8C6FDB0-D56B-41B4-B240-12AB6B8A9734}"/>
+              </a:ext>
+            </a:extLst>
+          </p:cNvPr>
+          <p:cNvCxnSpPr/>
+          <p:nvPr/>
+        </p:nvCxnSpPr>
+        <p:spPr>
+          <a:xfrm>
+            <a:off x="7683260" y="3131781"/>
+            <a:ext cx="647700" cy="0"/>
+          </a:xfrm>
+          <a:prstGeom prst="straightConnector1">
+            <a:avLst/>
+          </a:prstGeom>
+          <a:ln>
+            <a:tailEnd type="triangle"/>
+          </a:ln>
+        </p:spPr>
+        <p:style>
+          <a:lnRef idx="1">
+            <a:schemeClr val="dk1"/>
+          </a:lnRef>
+          <a:fillRef idx="0">
+            <a:schemeClr val="dk1"/>
+          </a:fillRef>
+          <a:effectRef idx="0">
+            <a:schemeClr val="dk1"/>
+          </a:effectRef>
+          <a:fontRef idx="minor">
+            <a:schemeClr val="tx1"/>
+          </a:fontRef>
+        </p:style>
+      </p:cxnSp>
+      <p:sp>
+        <p:nvSpPr>
+          <p:cNvPr id="20" name="순서도: 문서 19">
+            <a:extLst>
+              <a:ext uri="{FF2B5EF4-FFF2-40B4-BE49-F238E27FC236}">
+                <a16:creationId xmlns:a16="http://schemas.microsoft.com/office/drawing/2014/main" id="{50A26ACB-09CA-41C6-A971-86190DEFAA2D}"/>
+              </a:ext>
+            </a:extLst>
+          </p:cNvPr>
+          <p:cNvSpPr/>
+          <p:nvPr/>
+        </p:nvSpPr>
+        <p:spPr>
+          <a:xfrm>
+            <a:off x="9415279" y="2396932"/>
+            <a:ext cx="2138913" cy="888602"/>
+          </a:xfrm>
+          <a:prstGeom prst="flowChartDocument">
+            <a:avLst/>
+          </a:prstGeom>
+          <a:solidFill>
+            <a:schemeClr val="bg1"/>
+          </a:solidFill>
+          <a:effectLst>
+            <a:outerShdw blurRad="127000" dist="50800" dir="5400000" algn="ctr" rotWithShape="0">
+              <a:srgbClr val="000000">
+                <a:alpha val="50000"/>
+              </a:srgbClr>
+            </a:outerShdw>
+          </a:effectLst>
+        </p:spPr>
+        <p:style>
+          <a:lnRef idx="2">
+            <a:schemeClr val="accent1">
+              <a:shade val="15000"/>
+            </a:schemeClr>
+          </a:lnRef>
+          <a:fillRef idx="1">
+            <a:schemeClr val="accent1"/>
+          </a:fillRef>
+          <a:effectRef idx="0">
+            <a:schemeClr val="accent1"/>
+          </a:effectRef>
+          <a:fontRef idx="minor">
+            <a:schemeClr val="lt1"/>
+          </a:fontRef>
+        </p:style>
+        <p:txBody>
+          <a:bodyPr rtlCol="0" anchor="ctr"/>
+          <a:lstStyle/>
+          <a:p>
+            <a:pPr algn="ctr"/>
+            <a:endParaRPr lang="ko-KR" altLang="en-US" dirty="0"/>
+          </a:p>
+        </p:txBody>
+      </p:sp>
+      <p:sp>
+        <p:nvSpPr>
+          <p:cNvPr id="21" name="순서도: 문서 20">
+            <a:extLst>
+              <a:ext uri="{FF2B5EF4-FFF2-40B4-BE49-F238E27FC236}">
+                <a16:creationId xmlns:a16="http://schemas.microsoft.com/office/drawing/2014/main" id="{A50EC14A-938E-4998-BD28-27AB9C0F4251}"/>
+              </a:ext>
+            </a:extLst>
+          </p:cNvPr>
+          <p:cNvSpPr/>
+          <p:nvPr/>
+        </p:nvSpPr>
+        <p:spPr>
+          <a:xfrm>
+            <a:off x="9343392" y="2434144"/>
+            <a:ext cx="2138913" cy="888602"/>
+          </a:xfrm>
+          <a:prstGeom prst="flowChartDocument">
+            <a:avLst/>
+          </a:prstGeom>
+          <a:solidFill>
+            <a:schemeClr val="bg1"/>
+          </a:solidFill>
+          <a:effectLst>
+            <a:outerShdw blurRad="127000" dist="50800" dir="5400000" algn="ctr" rotWithShape="0">
+              <a:srgbClr val="000000">
+                <a:alpha val="50000"/>
+              </a:srgbClr>
+            </a:outerShdw>
+          </a:effectLst>
+        </p:spPr>
+        <p:style>
+          <a:lnRef idx="2">
+            <a:schemeClr val="accent1">
+              <a:shade val="15000"/>
+            </a:schemeClr>
+          </a:lnRef>
+          <a:fillRef idx="1">
+            <a:schemeClr val="accent1"/>
+          </a:fillRef>
+          <a:effectRef idx="0">
+            <a:schemeClr val="accent1"/>
+          </a:effectRef>
+          <a:fontRef idx="minor">
+            <a:schemeClr val="lt1"/>
+          </a:fontRef>
+        </p:style>
+        <p:txBody>
+          <a:bodyPr rtlCol="0" anchor="ctr"/>
+          <a:lstStyle/>
+          <a:p>
+            <a:pPr algn="ctr"/>
+            <a:endParaRPr lang="ko-KR" altLang="en-US" dirty="0"/>
+          </a:p>
+        </p:txBody>
+      </p:sp>
+      <p:sp>
+        <p:nvSpPr>
+          <p:cNvPr id="22" name="순서도: 문서 21">
+            <a:extLst>
+              <a:ext uri="{FF2B5EF4-FFF2-40B4-BE49-F238E27FC236}">
+                <a16:creationId xmlns:a16="http://schemas.microsoft.com/office/drawing/2014/main" id="{009AA20E-E9F6-4131-8843-2F79C6D50D98}"/>
+              </a:ext>
+            </a:extLst>
+          </p:cNvPr>
+          <p:cNvSpPr/>
+          <p:nvPr/>
+        </p:nvSpPr>
+        <p:spPr>
+          <a:xfrm>
+            <a:off x="9271505" y="2486184"/>
+            <a:ext cx="2138913" cy="888602"/>
+          </a:xfrm>
+          <a:prstGeom prst="flowChartDocument">
+            <a:avLst/>
+          </a:prstGeom>
+          <a:solidFill>
+            <a:schemeClr val="bg1"/>
+          </a:solidFill>
+          <a:effectLst>
+            <a:outerShdw blurRad="127000" dist="50800" dir="5400000" algn="ctr" rotWithShape="0">
+              <a:srgbClr val="000000">
+                <a:alpha val="50000"/>
+              </a:srgbClr>
+            </a:outerShdw>
+          </a:effectLst>
+        </p:spPr>
+        <p:style>
+          <a:lnRef idx="2">
+            <a:schemeClr val="accent1">
+              <a:shade val="15000"/>
+            </a:schemeClr>
+          </a:lnRef>
+          <a:fillRef idx="1">
+            <a:schemeClr val="accent1"/>
+          </a:fillRef>
+          <a:effectRef idx="0">
+            <a:schemeClr val="accent1"/>
+          </a:effectRef>
+          <a:fontRef idx="minor">
+            <a:schemeClr val="lt1"/>
+          </a:fontRef>
+        </p:style>
+        <p:txBody>
+          <a:bodyPr rtlCol="0" anchor="ctr"/>
+          <a:lstStyle/>
+          <a:p>
+            <a:pPr algn="ctr"/>
+            <a:endParaRPr lang="ko-KR" altLang="en-US" dirty="0"/>
+          </a:p>
+        </p:txBody>
+      </p:sp>
+      <p:sp>
+        <p:nvSpPr>
+          <p:cNvPr id="23" name="순서도: 문서 22">
+            <a:extLst>
+              <a:ext uri="{FF2B5EF4-FFF2-40B4-BE49-F238E27FC236}">
+                <a16:creationId xmlns:a16="http://schemas.microsoft.com/office/drawing/2014/main" id="{26C79174-2F6B-4BC6-A374-90375E9DD1AB}"/>
+              </a:ext>
+            </a:extLst>
+          </p:cNvPr>
+          <p:cNvSpPr/>
+          <p:nvPr/>
+        </p:nvSpPr>
+        <p:spPr>
+          <a:xfrm>
+            <a:off x="9199618" y="2538224"/>
+            <a:ext cx="2138913" cy="888602"/>
+          </a:xfrm>
+          <a:prstGeom prst="flowChartDocument">
+            <a:avLst/>
+          </a:prstGeom>
+          <a:solidFill>
+            <a:schemeClr val="bg1"/>
+          </a:solidFill>
+          <a:effectLst>
+            <a:outerShdw blurRad="127000" dist="50800" dir="5400000" algn="ctr" rotWithShape="0">
+              <a:srgbClr val="000000">
+                <a:alpha val="50000"/>
+              </a:srgbClr>
+            </a:outerShdw>
+          </a:effectLst>
+        </p:spPr>
+        <p:style>
+          <a:lnRef idx="2">
+            <a:schemeClr val="accent1">
+              <a:shade val="15000"/>
+            </a:schemeClr>
+          </a:lnRef>
+          <a:fillRef idx="1">
+            <a:schemeClr val="accent1"/>
+          </a:fillRef>
+          <a:effectRef idx="0">
+            <a:schemeClr val="accent1"/>
+          </a:effectRef>
+          <a:fontRef idx="minor">
+            <a:schemeClr val="lt1"/>
+          </a:fontRef>
+        </p:style>
+        <p:txBody>
+          <a:bodyPr rtlCol="0" anchor="ctr"/>
+          <a:lstStyle/>
+          <a:p>
+            <a:pPr algn="ctr"/>
+            <a:endParaRPr lang="ko-KR" altLang="en-US" dirty="0"/>
+          </a:p>
+        </p:txBody>
+      </p:sp>
+      <p:sp>
+        <p:nvSpPr>
+          <p:cNvPr id="30" name="순서도: 문서 29">
+            <a:extLst>
+              <a:ext uri="{FF2B5EF4-FFF2-40B4-BE49-F238E27FC236}">
+                <a16:creationId xmlns:a16="http://schemas.microsoft.com/office/drawing/2014/main" id="{BD3F903A-F0C5-4E4B-B670-9CC5CED1B0FB}"/>
+              </a:ext>
+            </a:extLst>
+          </p:cNvPr>
+          <p:cNvSpPr/>
+          <p:nvPr/>
+        </p:nvSpPr>
+        <p:spPr>
+          <a:xfrm>
+            <a:off x="9134833" y="2576399"/>
+            <a:ext cx="2138913" cy="888602"/>
+          </a:xfrm>
+          <a:prstGeom prst="flowChartDocument">
+            <a:avLst/>
+          </a:prstGeom>
+          <a:solidFill>
+            <a:schemeClr val="bg1"/>
+          </a:solidFill>
+          <a:effectLst>
+            <a:outerShdw blurRad="127000" dist="50800" dir="5400000" algn="ctr" rotWithShape="0">
+              <a:srgbClr val="000000">
+                <a:alpha val="50000"/>
+              </a:srgbClr>
+            </a:outerShdw>
+          </a:effectLst>
+        </p:spPr>
+        <p:style>
+          <a:lnRef idx="2">
+            <a:schemeClr val="accent1">
+              <a:shade val="15000"/>
+            </a:schemeClr>
+          </a:lnRef>
+          <a:fillRef idx="1">
+            <a:schemeClr val="accent1"/>
+          </a:fillRef>
+          <a:effectRef idx="0">
+            <a:schemeClr val="accent1"/>
+          </a:effectRef>
+          <a:fontRef idx="minor">
+            <a:schemeClr val="lt1"/>
+          </a:fontRef>
+        </p:style>
+        <p:txBody>
+          <a:bodyPr rtlCol="0" anchor="ctr"/>
+          <a:lstStyle/>
+          <a:p>
+            <a:pPr algn="ctr"/>
+            <a:endParaRPr lang="ko-KR" altLang="en-US" dirty="0"/>
+          </a:p>
+        </p:txBody>
+      </p:sp>
+      <p:sp>
+        <p:nvSpPr>
+          <p:cNvPr id="31" name="순서도: 문서 30">
+            <a:extLst>
+              <a:ext uri="{FF2B5EF4-FFF2-40B4-BE49-F238E27FC236}">
+                <a16:creationId xmlns:a16="http://schemas.microsoft.com/office/drawing/2014/main" id="{C7421F67-4520-412F-9DA4-B26CB812AA68}"/>
+              </a:ext>
+            </a:extLst>
+          </p:cNvPr>
+          <p:cNvSpPr/>
+          <p:nvPr/>
+        </p:nvSpPr>
+        <p:spPr>
+          <a:xfrm>
+            <a:off x="9062946" y="2613611"/>
+            <a:ext cx="2138913" cy="888602"/>
+          </a:xfrm>
+          <a:prstGeom prst="flowChartDocument">
+            <a:avLst/>
+          </a:prstGeom>
+          <a:solidFill>
+            <a:schemeClr val="bg1"/>
+          </a:solidFill>
+          <a:effectLst>
+            <a:outerShdw blurRad="127000" dist="50800" dir="5400000" algn="ctr" rotWithShape="0">
+              <a:srgbClr val="000000">
+                <a:alpha val="50000"/>
+              </a:srgbClr>
+            </a:outerShdw>
+          </a:effectLst>
+        </p:spPr>
+        <p:style>
+          <a:lnRef idx="2">
+            <a:schemeClr val="accent1">
+              <a:shade val="15000"/>
+            </a:schemeClr>
+          </a:lnRef>
+          <a:fillRef idx="1">
+            <a:schemeClr val="accent1"/>
+          </a:fillRef>
+          <a:effectRef idx="0">
+            <a:schemeClr val="accent1"/>
+          </a:effectRef>
+          <a:fontRef idx="minor">
+            <a:schemeClr val="lt1"/>
+          </a:fontRef>
+        </p:style>
+        <p:txBody>
+          <a:bodyPr rtlCol="0" anchor="ctr"/>
+          <a:lstStyle/>
+          <a:p>
+            <a:pPr algn="ctr"/>
+            <a:endParaRPr lang="ko-KR" altLang="en-US" dirty="0"/>
+          </a:p>
+        </p:txBody>
+      </p:sp>
+      <p:sp>
+        <p:nvSpPr>
+          <p:cNvPr id="32" name="순서도: 문서 31">
+            <a:extLst>
+              <a:ext uri="{FF2B5EF4-FFF2-40B4-BE49-F238E27FC236}">
+                <a16:creationId xmlns:a16="http://schemas.microsoft.com/office/drawing/2014/main" id="{D6CB28E9-0177-4699-8582-2D3F97C7C5F8}"/>
+              </a:ext>
+            </a:extLst>
+          </p:cNvPr>
+          <p:cNvSpPr/>
+          <p:nvPr/>
+        </p:nvSpPr>
+        <p:spPr>
+          <a:xfrm>
+            <a:off x="8991059" y="2665651"/>
+            <a:ext cx="2138913" cy="888602"/>
+          </a:xfrm>
+          <a:prstGeom prst="flowChartDocument">
+            <a:avLst/>
+          </a:prstGeom>
+          <a:solidFill>
+            <a:schemeClr val="bg1"/>
+          </a:solidFill>
+          <a:effectLst>
+            <a:outerShdw blurRad="127000" dist="50800" dir="5400000" algn="ctr" rotWithShape="0">
+              <a:srgbClr val="000000">
+                <a:alpha val="50000"/>
+              </a:srgbClr>
+            </a:outerShdw>
+          </a:effectLst>
+        </p:spPr>
+        <p:style>
+          <a:lnRef idx="2">
+            <a:schemeClr val="accent1">
+              <a:shade val="15000"/>
+            </a:schemeClr>
+          </a:lnRef>
+          <a:fillRef idx="1">
+            <a:schemeClr val="accent1"/>
+          </a:fillRef>
+          <a:effectRef idx="0">
+            <a:schemeClr val="accent1"/>
+          </a:effectRef>
+          <a:fontRef idx="minor">
+            <a:schemeClr val="lt1"/>
+          </a:fontRef>
+        </p:style>
+        <p:txBody>
+          <a:bodyPr rtlCol="0" anchor="ctr"/>
+          <a:lstStyle/>
+          <a:p>
+            <a:pPr algn="ctr"/>
+            <a:endParaRPr lang="ko-KR" altLang="en-US" dirty="0"/>
+          </a:p>
+        </p:txBody>
+      </p:sp>
+      <p:sp>
+        <p:nvSpPr>
+          <p:cNvPr id="33" name="순서도: 문서 32">
+            <a:extLst>
+              <a:ext uri="{FF2B5EF4-FFF2-40B4-BE49-F238E27FC236}">
+                <a16:creationId xmlns:a16="http://schemas.microsoft.com/office/drawing/2014/main" id="{1260F15D-E487-4237-9F18-BA70B1809BF9}"/>
+              </a:ext>
+            </a:extLst>
+          </p:cNvPr>
+          <p:cNvSpPr/>
+          <p:nvPr/>
+        </p:nvSpPr>
+        <p:spPr>
+          <a:xfrm>
+            <a:off x="8926274" y="2717691"/>
+            <a:ext cx="2138913" cy="888602"/>
+          </a:xfrm>
+          <a:prstGeom prst="flowChartDocument">
+            <a:avLst/>
+          </a:prstGeom>
+          <a:solidFill>
+            <a:schemeClr val="bg1"/>
+          </a:solidFill>
+          <a:effectLst>
+            <a:outerShdw blurRad="127000" dist="50800" dir="5400000" algn="ctr" rotWithShape="0">
+              <a:srgbClr val="000000">
+                <a:alpha val="50000"/>
+              </a:srgbClr>
+            </a:outerShdw>
+          </a:effectLst>
+        </p:spPr>
+        <p:style>
+          <a:lnRef idx="2">
+            <a:schemeClr val="accent1">
+              <a:shade val="15000"/>
+            </a:schemeClr>
+          </a:lnRef>
+          <a:fillRef idx="1">
+            <a:schemeClr val="accent1"/>
+          </a:fillRef>
+          <a:effectRef idx="0">
+            <a:schemeClr val="accent1"/>
+          </a:effectRef>
+          <a:fontRef idx="minor">
+            <a:schemeClr val="lt1"/>
+          </a:fontRef>
+        </p:style>
+        <p:txBody>
+          <a:bodyPr rtlCol="0" anchor="ctr"/>
+          <a:lstStyle/>
+          <a:p>
+            <a:pPr algn="ctr"/>
+            <a:endParaRPr lang="ko-KR" altLang="en-US" dirty="0"/>
+          </a:p>
+        </p:txBody>
+      </p:sp>
+      <p:sp>
+        <p:nvSpPr>
+          <p:cNvPr id="34" name="순서도: 문서 33">
+            <a:extLst>
+              <a:ext uri="{FF2B5EF4-FFF2-40B4-BE49-F238E27FC236}">
+                <a16:creationId xmlns:a16="http://schemas.microsoft.com/office/drawing/2014/main" id="{15F7DFD7-E24C-45DF-9118-BF9740D4BBC8}"/>
+              </a:ext>
+            </a:extLst>
+          </p:cNvPr>
+          <p:cNvSpPr/>
+          <p:nvPr/>
+        </p:nvSpPr>
+        <p:spPr>
+          <a:xfrm>
+            <a:off x="8861489" y="2780030"/>
+            <a:ext cx="2138913" cy="888602"/>
+          </a:xfrm>
+          <a:prstGeom prst="flowChartDocument">
+            <a:avLst/>
+          </a:prstGeom>
+          <a:solidFill>
+            <a:schemeClr val="bg1"/>
+          </a:solidFill>
+          <a:effectLst>
+            <a:outerShdw blurRad="127000" dist="50800" dir="5400000" algn="ctr" rotWithShape="0">
+              <a:srgbClr val="000000">
+                <a:alpha val="50000"/>
+              </a:srgbClr>
+            </a:outerShdw>
+          </a:effectLst>
+        </p:spPr>
+        <p:style>
+          <a:lnRef idx="2">
+            <a:schemeClr val="accent1">
+              <a:shade val="15000"/>
+            </a:schemeClr>
+          </a:lnRef>
+          <a:fillRef idx="1">
+            <a:schemeClr val="accent1"/>
+          </a:fillRef>
+          <a:effectRef idx="0">
+            <a:schemeClr val="accent1"/>
+          </a:effectRef>
+          <a:fontRef idx="minor">
+            <a:schemeClr val="lt1"/>
+          </a:fontRef>
+        </p:style>
+        <p:txBody>
+          <a:bodyPr rtlCol="0" anchor="ctr"/>
+          <a:lstStyle/>
+          <a:p>
+            <a:pPr algn="ctr"/>
+            <a:endParaRPr lang="ko-KR" altLang="en-US" dirty="0"/>
+          </a:p>
+        </p:txBody>
+      </p:sp>
+      <p:sp>
+        <p:nvSpPr>
+          <p:cNvPr id="24" name="순서도: 문서 23">
+            <a:extLst>
+              <a:ext uri="{FF2B5EF4-FFF2-40B4-BE49-F238E27FC236}">
+                <a16:creationId xmlns:a16="http://schemas.microsoft.com/office/drawing/2014/main" id="{E6BDEE81-8EEB-4BA9-A7B9-C99A0BFB57C3}"/>
+              </a:ext>
+            </a:extLst>
+          </p:cNvPr>
+          <p:cNvSpPr/>
+          <p:nvPr/>
+        </p:nvSpPr>
+        <p:spPr>
+          <a:xfrm>
+            <a:off x="8789603" y="2860108"/>
+            <a:ext cx="2132306" cy="870185"/>
+          </a:xfrm>
+          <a:prstGeom prst="flowChartDocument">
+            <a:avLst/>
+          </a:prstGeom>
+          <a:solidFill>
+            <a:schemeClr val="bg1"/>
+          </a:solidFill>
+          <a:effectLst>
+            <a:outerShdw blurRad="127000" dist="50800" dir="5400000" algn="ctr" rotWithShape="0">
+              <a:srgbClr val="000000">
+                <a:alpha val="50000"/>
+              </a:srgbClr>
+            </a:outerShdw>
+          </a:effectLst>
+        </p:spPr>
+        <p:style>
+          <a:lnRef idx="2">
+            <a:schemeClr val="accent1">
+              <a:shade val="15000"/>
+            </a:schemeClr>
+          </a:lnRef>
+          <a:fillRef idx="1">
+            <a:schemeClr val="accent1"/>
+          </a:fillRef>
+          <a:effectRef idx="0">
+            <a:schemeClr val="accent1"/>
+          </a:effectRef>
+          <a:fontRef idx="minor">
+            <a:schemeClr val="lt1"/>
+          </a:fontRef>
+        </p:style>
+        <p:txBody>
+          <a:bodyPr rtlCol="0" anchor="ctr"/>
+          <a:lstStyle/>
+          <a:p>
+            <a:pPr algn="ctr"/>
+            <a:r>
+              <a:rPr lang="ko-KR" altLang="en-US" sz="1500" dirty="0">
+                <a:solidFill>
+                  <a:schemeClr val="tx1"/>
+                </a:solidFill>
+              </a:rPr>
+              <a:t>비표준질의문장</a:t>
+            </a:r>
+          </a:p>
+        </p:txBody>
+      </p:sp>
+      <p:sp>
+        <p:nvSpPr>
+          <p:cNvPr id="36" name="TextBox 35">
+            <a:extLst>
+              <a:ext uri="{FF2B5EF4-FFF2-40B4-BE49-F238E27FC236}">
+                <a16:creationId xmlns:a16="http://schemas.microsoft.com/office/drawing/2014/main" id="{804AB476-7E9F-4E48-975F-C481FCD758F9}"/>
+              </a:ext>
+            </a:extLst>
+          </p:cNvPr>
+          <p:cNvSpPr txBox="1"/>
+          <p:nvPr/>
+        </p:nvSpPr>
+        <p:spPr>
+          <a:xfrm>
+            <a:off x="894569" y="2345566"/>
+            <a:ext cx="1600200" cy="461665"/>
+          </a:xfrm>
+          <a:prstGeom prst="rect">
+            <a:avLst/>
+          </a:prstGeom>
+          <a:noFill/>
+        </p:spPr>
+        <p:txBody>
+          <a:bodyPr wrap="square">
+            <a:spAutoFit/>
+          </a:bodyPr>
+          <a:lstStyle/>
+          <a:p>
+            <a:pPr latinLnBrk="1"/>
+            <a:r>
+              <a:rPr lang="en-US" altLang="ko-KR" sz="800" dirty="0"/>
+              <a:t>SELECT * FROM database</a:t>
+            </a:r>
+            <a:r>
+              <a:rPr lang="ko-KR" altLang="en-US" sz="800" dirty="0"/>
+              <a:t> </a:t>
+            </a:r>
+          </a:p>
+          <a:p>
+            <a:pPr latinLnBrk="1"/>
+            <a:r>
+              <a:rPr lang="en-US" altLang="ko-KR" sz="800" dirty="0"/>
+              <a:t>WHERE CAS</a:t>
+            </a:r>
+            <a:r>
+              <a:rPr lang="ko-KR" altLang="en-US" sz="800" dirty="0"/>
+              <a:t>번호 </a:t>
+            </a:r>
+            <a:r>
+              <a:rPr lang="en-US" altLang="ko-KR" sz="800" dirty="0"/>
+              <a:t>LIKE '%71%' </a:t>
+            </a:r>
+          </a:p>
+          <a:p>
+            <a:pPr latinLnBrk="1"/>
+            <a:r>
+              <a:rPr lang="en-US" altLang="ko-KR" sz="800" dirty="0"/>
+              <a:t>ORDER BY </a:t>
+            </a:r>
+            <a:r>
+              <a:rPr lang="ko-KR" altLang="en-US" sz="800" dirty="0"/>
+              <a:t>개정일 </a:t>
+            </a:r>
+            <a:r>
+              <a:rPr lang="en-US" altLang="ko-KR" sz="800" dirty="0"/>
+              <a:t>ASC;</a:t>
+            </a:r>
+          </a:p>
+        </p:txBody>
+      </p:sp>
+      <p:graphicFrame>
+        <p:nvGraphicFramePr>
+          <p:cNvPr id="40" name="표 40">
+            <a:extLst>
+              <a:ext uri="{FF2B5EF4-FFF2-40B4-BE49-F238E27FC236}">
+                <a16:creationId xmlns:a16="http://schemas.microsoft.com/office/drawing/2014/main" id="{C03A6E56-1019-47ED-BD82-364B1A403298}"/>
+              </a:ext>
+            </a:extLst>
+          </p:cNvPr>
+          <p:cNvGraphicFramePr>
+            <a:graphicFrameLocks noGrp="1"/>
+          </p:cNvGraphicFramePr>
+          <p:nvPr>
+            <p:extLst>
+              <p:ext uri="{D42A27DB-BD31-4B8C-83A1-F6EECF244321}">
+                <p14:modId xmlns:p14="http://schemas.microsoft.com/office/powerpoint/2010/main" val="713306827"/>
+              </p:ext>
+            </p:extLst>
+          </p:nvPr>
+        </p:nvGraphicFramePr>
+        <p:xfrm>
+          <a:off x="8470049" y="4239378"/>
+          <a:ext cx="3598050" cy="1612228"/>
+        </p:xfrm>
+        <a:graphic>
+          <a:graphicData uri="http://schemas.openxmlformats.org/drawingml/2006/table">
+            <a:tbl>
+              <a:tblPr firstRow="1" bandRow="1">
+                <a:tableStyleId>{5C22544A-7EE6-4342-B048-85BDC9FD1C3A}</a:tableStyleId>
+              </a:tblPr>
+              <a:tblGrid>
+                <a:gridCol w="3598050">
+                  <a:extLst>
+                    <a:ext uri="{9D8B030D-6E8A-4147-A177-3AD203B41FA5}">
+                      <a16:colId xmlns:a16="http://schemas.microsoft.com/office/drawing/2014/main" val="2188063730"/>
+                    </a:ext>
+                  </a:extLst>
+                </a:gridCol>
+              </a:tblGrid>
+              <a:tr h="240628">
+                <a:tc>
+                  <a:txBody>
+                    <a:bodyPr/>
+                    <a:lstStyle/>
+                    <a:p>
+                      <a:pPr marL="0" marR="0" lvl="0" indent="0" algn="ctr" defTabSz="914400" rtl="0" eaLnBrk="1" fontAlgn="auto" latinLnBrk="1" hangingPunct="1">
+                        <a:lnSpc>
+                          <a:spcPct val="100000"/>
+                        </a:lnSpc>
+                        <a:spcBef>
+                          <a:spcPts val="0"/>
+                        </a:spcBef>
+                        <a:spcAft>
+                          <a:spcPts val="0"/>
+                        </a:spcAft>
+                        <a:buClrTx/>
+                        <a:buSzTx/>
+                        <a:buFontTx/>
+                        <a:buNone/>
+                        <a:tabLst/>
+                        <a:defRPr/>
+                      </a:pPr>
+                      <a:r>
+                        <a:rPr lang="ko-KR" altLang="en-US" sz="800" b="1" dirty="0">
+                          <a:solidFill>
+                            <a:schemeClr val="bg1"/>
+                          </a:solidFill>
+                        </a:rPr>
+                        <a:t>비표준질의문장</a:t>
+                      </a:r>
+                    </a:p>
+                  </a:txBody>
+                  <a:tcPr anchor="ctr">
+                    <a:solidFill>
+                      <a:schemeClr val="tx2">
+                        <a:lumMod val="40000"/>
+                        <a:lumOff val="60000"/>
+                      </a:schemeClr>
+                    </a:solidFill>
+                  </a:tcPr>
+                </a:tc>
+                <a:extLst>
+                  <a:ext uri="{0D108BD9-81ED-4DB2-BD59-A6C34878D82A}">
+                    <a16:rowId xmlns:a16="http://schemas.microsoft.com/office/drawing/2014/main" val="2584120407"/>
+                  </a:ext>
+                </a:extLst>
+              </a:tr>
+              <a:tr h="415972">
+                <a:tc>
+                  <a:txBody>
+                    <a:bodyPr/>
+                    <a:lstStyle/>
+                    <a:p>
+                      <a:pPr marL="0" marR="0" lvl="0" indent="0" algn="l" defTabSz="914400" rtl="0" eaLnBrk="1" fontAlgn="auto" latinLnBrk="1" hangingPunct="1">
+                        <a:lnSpc>
+                          <a:spcPct val="100000"/>
+                        </a:lnSpc>
+                        <a:spcBef>
+                          <a:spcPts val="0"/>
+                        </a:spcBef>
+                        <a:spcAft>
+                          <a:spcPts val="0"/>
+                        </a:spcAft>
+                        <a:buClrTx/>
+                        <a:buSzTx/>
+                        <a:buFontTx/>
+                        <a:buNone/>
+                        <a:tabLst/>
+                        <a:defRPr/>
+                      </a:pPr>
+                      <a:r>
+                        <a:rPr lang="en-US" altLang="ko-KR" sz="800" b="0" dirty="0">
+                          <a:solidFill>
+                            <a:schemeClr val="tx1"/>
+                          </a:solidFill>
+                        </a:rPr>
+                        <a:t>"</a:t>
+                      </a:r>
+                      <a:r>
+                        <a:rPr lang="ko-KR" altLang="en-US" sz="800" b="0" dirty="0">
+                          <a:solidFill>
+                            <a:schemeClr val="tx1"/>
+                          </a:solidFill>
+                        </a:rPr>
+                        <a:t>음</a:t>
+                      </a:r>
+                      <a:r>
+                        <a:rPr lang="en-US" altLang="ko-KR" sz="800" b="0" dirty="0">
+                          <a:solidFill>
+                            <a:schemeClr val="tx1"/>
+                          </a:solidFill>
+                        </a:rPr>
+                        <a:t>… </a:t>
+                      </a:r>
+                      <a:r>
+                        <a:rPr lang="ko-KR" altLang="en-US" sz="800" b="0" dirty="0">
+                          <a:solidFill>
+                            <a:schemeClr val="tx1"/>
+                          </a:solidFill>
+                        </a:rPr>
+                        <a:t>그러니까 화학물질 테이블에서 </a:t>
+                      </a:r>
+                      <a:r>
+                        <a:rPr lang="en-US" altLang="ko-KR" sz="800" b="0" dirty="0">
+                          <a:solidFill>
+                            <a:schemeClr val="tx1"/>
+                          </a:solidFill>
+                        </a:rPr>
+                        <a:t>CAS</a:t>
+                      </a:r>
+                      <a:r>
+                        <a:rPr lang="ko-KR" altLang="en-US" sz="800" b="0" dirty="0">
+                          <a:solidFill>
+                            <a:schemeClr val="tx1"/>
+                          </a:solidFill>
+                        </a:rPr>
+                        <a:t>번호에 </a:t>
+                      </a:r>
+                      <a:r>
+                        <a:rPr lang="en-US" altLang="ko-KR" sz="800" b="0" dirty="0">
+                          <a:solidFill>
+                            <a:schemeClr val="tx1"/>
+                          </a:solidFill>
+                        </a:rPr>
+                        <a:t>71</a:t>
+                      </a:r>
+                      <a:r>
+                        <a:rPr lang="ko-KR" altLang="en-US" sz="800" b="0" dirty="0">
+                          <a:solidFill>
+                            <a:schemeClr val="tx1"/>
+                          </a:solidFill>
+                        </a:rPr>
+                        <a:t>이 포함된 걸 골라야 하는데</a:t>
+                      </a:r>
+                      <a:r>
+                        <a:rPr lang="en-US" altLang="ko-KR" sz="800" b="0" dirty="0">
+                          <a:solidFill>
+                            <a:schemeClr val="tx1"/>
+                          </a:solidFill>
+                        </a:rPr>
+                        <a:t>, </a:t>
+                      </a:r>
+                      <a:r>
+                        <a:rPr lang="ko-KR" altLang="en-US" sz="800" b="0" dirty="0">
+                          <a:solidFill>
+                            <a:schemeClr val="tx1"/>
+                          </a:solidFill>
+                        </a:rPr>
+                        <a:t>개정된 날짜 있잖아</a:t>
+                      </a:r>
+                      <a:r>
+                        <a:rPr lang="en-US" altLang="ko-KR" sz="800" b="0" dirty="0">
+                          <a:solidFill>
+                            <a:schemeClr val="tx1"/>
+                          </a:solidFill>
+                        </a:rPr>
+                        <a:t>, </a:t>
+                      </a:r>
+                      <a:r>
+                        <a:rPr lang="ko-KR" altLang="en-US" sz="800" b="0" dirty="0">
+                          <a:solidFill>
+                            <a:schemeClr val="tx1"/>
+                          </a:solidFill>
+                        </a:rPr>
+                        <a:t>그거를 빠른 순서대로 나열해주면 </a:t>
+                      </a:r>
+                      <a:r>
+                        <a:rPr lang="ko-KR" altLang="en-US" sz="800" b="0" dirty="0" err="1">
+                          <a:solidFill>
+                            <a:schemeClr val="tx1"/>
+                          </a:solidFill>
+                        </a:rPr>
+                        <a:t>좋겠어</a:t>
+                      </a:r>
+                      <a:r>
+                        <a:rPr lang="en-US" altLang="ko-KR" sz="800" b="0" dirty="0">
+                          <a:solidFill>
+                            <a:schemeClr val="tx1"/>
+                          </a:solidFill>
+                        </a:rPr>
+                        <a:t>."</a:t>
+                      </a:r>
+                      <a:endParaRPr lang="ko-KR" altLang="en-US" sz="800" b="0" dirty="0">
+                        <a:solidFill>
+                          <a:schemeClr val="tx1"/>
+                        </a:solidFill>
+                      </a:endParaRPr>
+                    </a:p>
+                    <a:p>
+                      <a:pPr latinLnBrk="1"/>
+                      <a:endParaRPr lang="ko-KR" altLang="en-US" sz="800" b="0" dirty="0">
+                        <a:solidFill>
+                          <a:schemeClr val="tx1"/>
+                        </a:solidFill>
+                      </a:endParaRPr>
+                    </a:p>
+                  </a:txBody>
+                  <a:tcPr>
+                    <a:solidFill>
+                      <a:schemeClr val="tx2">
+                        <a:lumMod val="40000"/>
+                        <a:lumOff val="60000"/>
+                      </a:schemeClr>
+                    </a:solidFill>
+                  </a:tcPr>
+                </a:tc>
+                <a:extLst>
+                  <a:ext uri="{0D108BD9-81ED-4DB2-BD59-A6C34878D82A}">
+                    <a16:rowId xmlns:a16="http://schemas.microsoft.com/office/drawing/2014/main" val="1185150782"/>
+                  </a:ext>
+                </a:extLst>
+              </a:tr>
+              <a:tr h="415972">
+                <a:tc>
+                  <a:txBody>
+                    <a:bodyPr/>
+                    <a:lstStyle/>
+                    <a:p>
+                      <a:pPr marL="0" marR="0" lvl="0" indent="0" algn="l" defTabSz="914400" rtl="0" eaLnBrk="1" fontAlgn="auto" latinLnBrk="1" hangingPunct="1">
+                        <a:lnSpc>
+                          <a:spcPct val="100000"/>
+                        </a:lnSpc>
+                        <a:spcBef>
+                          <a:spcPts val="0"/>
+                        </a:spcBef>
+                        <a:spcAft>
+                          <a:spcPts val="0"/>
+                        </a:spcAft>
+                        <a:buClrTx/>
+                        <a:buSzTx/>
+                        <a:buFontTx/>
+                        <a:buNone/>
+                        <a:tabLst/>
+                        <a:defRPr/>
+                      </a:pPr>
+                      <a:r>
+                        <a:rPr lang="en-US" altLang="ko-KR" sz="800" b="0" dirty="0">
+                          <a:solidFill>
+                            <a:schemeClr val="tx1"/>
+                          </a:solidFill>
+                        </a:rPr>
+                        <a:t>"</a:t>
+                      </a:r>
+                      <a:r>
+                        <a:rPr lang="ko-KR" altLang="en-US" sz="800" b="0" dirty="0">
+                          <a:solidFill>
+                            <a:schemeClr val="tx1"/>
+                          </a:solidFill>
+                        </a:rPr>
+                        <a:t>그냥 </a:t>
+                      </a:r>
+                      <a:r>
+                        <a:rPr lang="en-US" altLang="ko-KR" sz="800" b="0" dirty="0">
+                          <a:solidFill>
+                            <a:schemeClr val="tx1"/>
+                          </a:solidFill>
+                        </a:rPr>
+                        <a:t>CAS </a:t>
+                      </a:r>
+                      <a:r>
+                        <a:rPr lang="ko-KR" altLang="en-US" sz="800" b="0" dirty="0">
+                          <a:solidFill>
+                            <a:schemeClr val="tx1"/>
+                          </a:solidFill>
+                        </a:rPr>
+                        <a:t>번호 중에 </a:t>
+                      </a:r>
+                      <a:r>
+                        <a:rPr lang="en-US" altLang="ko-KR" sz="800" b="0" dirty="0">
+                          <a:solidFill>
+                            <a:schemeClr val="tx1"/>
+                          </a:solidFill>
+                        </a:rPr>
+                        <a:t>71 </a:t>
+                      </a:r>
+                      <a:r>
+                        <a:rPr lang="ko-KR" altLang="en-US" sz="800" b="0" dirty="0">
+                          <a:solidFill>
+                            <a:schemeClr val="tx1"/>
+                          </a:solidFill>
+                        </a:rPr>
+                        <a:t>들어 있는 애들 리스트 좀 뽑아줘</a:t>
+                      </a:r>
+                      <a:r>
+                        <a:rPr lang="en-US" altLang="ko-KR" sz="800" b="0" dirty="0">
+                          <a:solidFill>
+                            <a:schemeClr val="tx1"/>
+                          </a:solidFill>
+                        </a:rPr>
+                        <a:t>. </a:t>
+                      </a:r>
+                      <a:r>
+                        <a:rPr lang="ko-KR" altLang="en-US" sz="800" b="0" dirty="0">
+                          <a:solidFill>
+                            <a:schemeClr val="tx1"/>
+                          </a:solidFill>
+                        </a:rPr>
+                        <a:t>그리고 개정일</a:t>
+                      </a:r>
+                      <a:r>
+                        <a:rPr lang="en-US" altLang="ko-KR" sz="800" b="0" dirty="0">
+                          <a:solidFill>
+                            <a:schemeClr val="tx1"/>
+                          </a:solidFill>
+                        </a:rPr>
+                        <a:t>? </a:t>
+                      </a:r>
+                      <a:r>
+                        <a:rPr lang="ko-KR" altLang="en-US" sz="800" b="0" dirty="0">
+                          <a:solidFill>
+                            <a:schemeClr val="tx1"/>
+                          </a:solidFill>
+                        </a:rPr>
+                        <a:t>그거 기준으로 가장 오래된 것부터 정렬하는 방식으로 하면 될 듯</a:t>
+                      </a:r>
+                      <a:r>
+                        <a:rPr lang="en-US" altLang="ko-KR" sz="800" b="0" dirty="0">
+                          <a:solidFill>
+                            <a:schemeClr val="tx1"/>
+                          </a:solidFill>
+                        </a:rPr>
+                        <a:t>."</a:t>
+                      </a:r>
+                      <a:endParaRPr lang="ko-KR" altLang="en-US" sz="800" b="0" dirty="0">
+                        <a:solidFill>
+                          <a:schemeClr val="tx1"/>
+                        </a:solidFill>
+                      </a:endParaRPr>
+                    </a:p>
+                    <a:p>
+                      <a:pPr latinLnBrk="1"/>
+                      <a:endParaRPr lang="ko-KR" altLang="en-US" sz="800" b="0" dirty="0">
+                        <a:solidFill>
+                          <a:schemeClr val="tx1"/>
+                        </a:solidFill>
+                      </a:endParaRPr>
+                    </a:p>
+                  </a:txBody>
+                  <a:tcPr>
+                    <a:solidFill>
+                      <a:schemeClr val="tx2">
+                        <a:lumMod val="40000"/>
+                        <a:lumOff val="60000"/>
+                      </a:schemeClr>
+                    </a:solidFill>
+                  </a:tcPr>
+                </a:tc>
+                <a:extLst>
+                  <a:ext uri="{0D108BD9-81ED-4DB2-BD59-A6C34878D82A}">
+                    <a16:rowId xmlns:a16="http://schemas.microsoft.com/office/drawing/2014/main" val="3638596381"/>
+                  </a:ext>
+                </a:extLst>
+              </a:tr>
+              <a:tr h="415972">
+                <a:tc>
+                  <a:txBody>
+                    <a:bodyPr/>
+                    <a:lstStyle/>
+                    <a:p>
+                      <a:pPr marL="0" marR="0" lvl="0" indent="0" algn="l" defTabSz="914400" rtl="0" eaLnBrk="1" fontAlgn="auto" latinLnBrk="1" hangingPunct="1">
+                        <a:lnSpc>
+                          <a:spcPct val="100000"/>
+                        </a:lnSpc>
+                        <a:spcBef>
+                          <a:spcPts val="0"/>
+                        </a:spcBef>
+                        <a:spcAft>
+                          <a:spcPts val="0"/>
+                        </a:spcAft>
+                        <a:buClrTx/>
+                        <a:buSzTx/>
+                        <a:buFontTx/>
+                        <a:buNone/>
+                        <a:tabLst/>
+                        <a:defRPr/>
+                      </a:pPr>
+                      <a:r>
+                        <a:rPr lang="en-US" altLang="ko-KR" sz="800" b="0" dirty="0">
+                          <a:solidFill>
+                            <a:schemeClr val="tx1"/>
+                          </a:solidFill>
+                        </a:rPr>
+                        <a:t>"</a:t>
+                      </a:r>
+                      <a:r>
+                        <a:rPr lang="ko-KR" altLang="en-US" sz="800" b="0" dirty="0">
+                          <a:solidFill>
+                            <a:schemeClr val="tx1"/>
+                          </a:solidFill>
+                        </a:rPr>
+                        <a:t>화학물질을 찾는데</a:t>
+                      </a:r>
+                      <a:r>
+                        <a:rPr lang="en-US" altLang="ko-KR" sz="800" b="0" dirty="0">
+                          <a:solidFill>
+                            <a:schemeClr val="tx1"/>
+                          </a:solidFill>
+                        </a:rPr>
+                        <a:t>, </a:t>
+                      </a:r>
+                      <a:r>
+                        <a:rPr lang="ko-KR" altLang="en-US" sz="800" b="0" dirty="0">
+                          <a:solidFill>
+                            <a:schemeClr val="tx1"/>
+                          </a:solidFill>
+                        </a:rPr>
+                        <a:t>그 </a:t>
+                      </a:r>
+                      <a:r>
+                        <a:rPr lang="en-US" altLang="ko-KR" sz="800" b="0" dirty="0">
+                          <a:solidFill>
+                            <a:schemeClr val="tx1"/>
+                          </a:solidFill>
+                        </a:rPr>
+                        <a:t>CAS </a:t>
+                      </a:r>
+                      <a:r>
+                        <a:rPr lang="ko-KR" altLang="en-US" sz="800" b="0" dirty="0">
+                          <a:solidFill>
+                            <a:schemeClr val="tx1"/>
+                          </a:solidFill>
+                        </a:rPr>
+                        <a:t>번호 안에 </a:t>
+                      </a:r>
+                      <a:r>
+                        <a:rPr lang="en-US" altLang="ko-KR" sz="800" b="0" dirty="0">
+                          <a:solidFill>
+                            <a:schemeClr val="tx1"/>
+                          </a:solidFill>
+                        </a:rPr>
+                        <a:t>71</a:t>
+                      </a:r>
+                      <a:r>
+                        <a:rPr lang="ko-KR" altLang="en-US" sz="800" b="0" dirty="0">
+                          <a:solidFill>
+                            <a:schemeClr val="tx1"/>
+                          </a:solidFill>
+                        </a:rPr>
+                        <a:t>이라는 숫자가 어디든 들어 있는 애들만 뽑아주고</a:t>
+                      </a:r>
+                      <a:r>
+                        <a:rPr lang="en-US" altLang="ko-KR" sz="800" b="0" dirty="0">
+                          <a:solidFill>
+                            <a:schemeClr val="tx1"/>
+                          </a:solidFill>
+                        </a:rPr>
+                        <a:t>, </a:t>
+                      </a:r>
+                      <a:r>
+                        <a:rPr lang="ko-KR" altLang="en-US" sz="800" b="0" dirty="0">
+                          <a:solidFill>
+                            <a:schemeClr val="tx1"/>
+                          </a:solidFill>
+                        </a:rPr>
+                        <a:t>근데 개정일이 빠른 순서대로 좀 정리해서 보여줄 수 있어</a:t>
+                      </a:r>
+                      <a:r>
+                        <a:rPr lang="en-US" altLang="ko-KR" sz="800" b="0" dirty="0">
+                          <a:solidFill>
+                            <a:schemeClr val="tx1"/>
+                          </a:solidFill>
+                        </a:rPr>
+                        <a:t>?"</a:t>
+                      </a:r>
+                      <a:endParaRPr lang="ko-KR" altLang="en-US" sz="800" b="0" dirty="0">
+                        <a:solidFill>
+                          <a:schemeClr val="tx1"/>
+                        </a:solidFill>
+                      </a:endParaRPr>
+                    </a:p>
+                  </a:txBody>
+                  <a:tcPr>
+                    <a:solidFill>
+                      <a:schemeClr val="tx2">
+                        <a:lumMod val="40000"/>
+                        <a:lumOff val="60000"/>
+                      </a:schemeClr>
+                    </a:solidFill>
+                  </a:tcPr>
+                </a:tc>
+                <a:extLst>
+                  <a:ext uri="{0D108BD9-81ED-4DB2-BD59-A6C34878D82A}">
+                    <a16:rowId xmlns:a16="http://schemas.microsoft.com/office/drawing/2014/main" val="2294846471"/>
+                  </a:ext>
+                </a:extLst>
+              </a:tr>
+            </a:tbl>
+          </a:graphicData>
+        </a:graphic>
+      </p:graphicFrame>
+      <p:sp>
+        <p:nvSpPr>
+          <p:cNvPr id="41" name="TextBox 40">
+            <a:extLst>
+              <a:ext uri="{FF2B5EF4-FFF2-40B4-BE49-F238E27FC236}">
+                <a16:creationId xmlns:a16="http://schemas.microsoft.com/office/drawing/2014/main" id="{4D5D728D-515A-4410-A526-9E70A5A3A51A}"/>
+              </a:ext>
+            </a:extLst>
+          </p:cNvPr>
+          <p:cNvSpPr txBox="1"/>
+          <p:nvPr/>
+        </p:nvSpPr>
+        <p:spPr>
+          <a:xfrm>
+            <a:off x="9653848" y="6587306"/>
+            <a:ext cx="461665" cy="263855"/>
+          </a:xfrm>
+          <a:prstGeom prst="rect">
+            <a:avLst/>
+          </a:prstGeom>
+          <a:noFill/>
+        </p:spPr>
+        <p:txBody>
+          <a:bodyPr vert="eaVert" wrap="square" rtlCol="0">
+            <a:spAutoFit/>
+          </a:bodyPr>
+          <a:lstStyle/>
+          <a:p>
+            <a:r>
+              <a:rPr lang="en-US" altLang="ko-KR" dirty="0"/>
+              <a:t>…</a:t>
+            </a:r>
+            <a:endParaRPr lang="ko-KR" altLang="en-US" dirty="0"/>
+          </a:p>
+        </p:txBody>
+      </p:sp>
+      <p:sp>
+        <p:nvSpPr>
+          <p:cNvPr id="45" name="TextBox 44">
+            <a:extLst>
+              <a:ext uri="{FF2B5EF4-FFF2-40B4-BE49-F238E27FC236}">
+                <a16:creationId xmlns:a16="http://schemas.microsoft.com/office/drawing/2014/main" id="{6A46BB4F-D32C-426A-979F-82A78E2683FE}"/>
+              </a:ext>
+            </a:extLst>
+          </p:cNvPr>
+          <p:cNvSpPr txBox="1"/>
+          <p:nvPr/>
+        </p:nvSpPr>
+        <p:spPr>
+          <a:xfrm>
+            <a:off x="8408084" y="3912675"/>
+            <a:ext cx="1931939" cy="276999"/>
+          </a:xfrm>
+          <a:prstGeom prst="rect">
+            <a:avLst/>
+          </a:prstGeom>
+          <a:noFill/>
+        </p:spPr>
+        <p:txBody>
+          <a:bodyPr wrap="none" rtlCol="0">
+            <a:spAutoFit/>
+          </a:bodyPr>
+          <a:lstStyle/>
+          <a:p>
+            <a:r>
+              <a:rPr lang="ko-KR" altLang="en-US" sz="1200" b="1"/>
+              <a:t>비표준질의문장 </a:t>
+            </a:r>
+            <a:r>
+              <a:rPr lang="ko-KR" altLang="en-US" sz="1200"/>
+              <a:t>데이터셋</a:t>
+            </a:r>
+            <a:endParaRPr lang="ko-KR" altLang="en-US" sz="1200" b="1" dirty="0"/>
+          </a:p>
+        </p:txBody>
+      </p:sp>
+    </p:spTree>
+    <p:extLst>
+      <p:ext uri="{BB962C8B-B14F-4D97-AF65-F5344CB8AC3E}">
+        <p14:creationId xmlns:p14="http://schemas.microsoft.com/office/powerpoint/2010/main" val="2226327536"/>
+      </p:ext>
+    </p:extLst>
+  </p:cSld>
+  <p:clrMapOvr>
+    <a:masterClrMapping/>
+  </p:clrMapOvr>
+</p:sld>
+</file>
+
+<file path=ppt/slides/slide5.xml><?xml version="1.0" encoding="utf-8"?>
 <p:sld xmlns:a="http://schemas.openxmlformats.org/drawingml/2006/main" xmlns:r="http://schemas.openxmlformats.org/officeDocument/2006/relationships" xmlns:p="http://schemas.openxmlformats.org/presentationml/2006/main">
   <p:cSld>
     <p:spTree>
@@ -5630,6 +8527,22 @@
                   <a:schemeClr val="tx1"/>
                 </a:solidFill>
               </a:rPr>
+              <a:t>SQL</a:t>
+            </a:r>
+            <a:r>
+              <a:rPr lang="ko-KR" altLang="en-US" dirty="0">
+                <a:solidFill>
+                  <a:schemeClr val="tx1"/>
+                </a:solidFill>
+              </a:rPr>
+              <a:t> </a:t>
+            </a:r>
+            <a:r>
+              <a:rPr lang="en-US" altLang="ko-KR" dirty="0">
+                <a:solidFill>
+                  <a:schemeClr val="tx1"/>
+                </a:solidFill>
+              </a:rPr>
               <a:t>Query</a:t>
             </a:r>
             <a:endParaRPr lang="ko-KR" altLang="en-US" dirty="0">
@@ -7068,7 +9981,7 @@
 </p:sld>
 </file>
 
-<file path=ppt/slides/slide4.xml><?xml version="1.0" encoding="utf-8"?>
+<file path=ppt/slides/slide6.xml><?xml version="1.0" encoding="utf-8"?>
 <p:sld xmlns:a="http://schemas.openxmlformats.org/drawingml/2006/main" xmlns:r="http://schemas.openxmlformats.org/officeDocument/2006/relationships" xmlns:p="http://schemas.openxmlformats.org/presentationml/2006/main">
   <p:cSld>
     <p:spTree>
@@ -7395,17 +10308,18 @@
           </a:bodyPr>
           <a:lstStyle/>
           <a:p>
+            <a:pPr latinLnBrk="1"/>
             <a:r>
               <a:rPr lang="en-US" altLang="ko-KR" sz="600" dirty="0"/>
-              <a:t>"CAS</a:t>
+              <a:t>“CAS </a:t>
             </a:r>
             <a:r>
               <a:rPr lang="ko-KR" altLang="en-US" sz="600" dirty="0"/>
-              <a:t>번호 데이터를 보여줘</a:t>
+              <a:t>넘버 좀 알려줘</a:t>
             </a:r>
             <a:r>
               <a:rPr lang="en-US" altLang="ko-KR" sz="600" dirty="0"/>
-              <a:t>."</a:t>
+              <a:t>”</a:t>
             </a:r>
             <a:endParaRPr lang="ko-KR" altLang="en-US" sz="600" dirty="0"/>
           </a:p>
@@ -9638,7 +12552,7 @@
 </p:sld>
 </file>
 
-<file path=ppt/slides/slide5.xml><?xml version="1.0" encoding="utf-8"?>
+<file path=ppt/slides/slide7.xml><?xml version="1.0" encoding="utf-8"?>
 <p:sld xmlns:a="http://schemas.openxmlformats.org/drawingml/2006/main" xmlns:r="http://schemas.openxmlformats.org/officeDocument/2006/relationships" xmlns:p="http://schemas.openxmlformats.org/presentationml/2006/main">
   <p:cSld>
     <p:spTree>
@@ -10133,17 +13047,18 @@
           </a:bodyPr>
           <a:lstStyle/>
           <a:p>
+            <a:pPr latinLnBrk="1"/>
             <a:r>
               <a:rPr lang="en-US" altLang="ko-KR" sz="600" dirty="0"/>
-              <a:t>"CAS</a:t>
+              <a:t>“CAS </a:t>
             </a:r>
             <a:r>
               <a:rPr lang="ko-KR" altLang="en-US" sz="600" dirty="0"/>
-              <a:t>번호 데이터를 보여줘</a:t>
+              <a:t>넘버 좀 알려줘</a:t>
             </a:r>
             <a:r>
               <a:rPr lang="en-US" altLang="ko-KR" sz="600" dirty="0"/>
-              <a:t>."</a:t>
+              <a:t>”</a:t>
             </a:r>
             <a:endParaRPr lang="ko-KR" altLang="en-US" sz="600" dirty="0"/>
           </a:p>

--- a/PPT/DSLab_이승건_특허.pptx
+++ b/PPT/DSLab_이승건_특허.pptx
@@ -11679,7 +11679,7 @@
         <p:spPr>
           <a:xfrm>
             <a:off x="6142696" y="166272"/>
-            <a:ext cx="697627" cy="400110"/>
+            <a:ext cx="3387915" cy="400110"/>
           </a:xfrm>
           <a:prstGeom prst="rect">
             <a:avLst/>
@@ -11694,8 +11694,13 @@
           <a:p>
             <a:r>
               <a:rPr lang="ko-KR" altLang="en-US" sz="2000" b="1" dirty="0"/>
-              <a:t>활용</a:t>
-            </a:r>
+              <a:t>특허주제를 이용한 </a:t>
+            </a:r>
+            <a:r>
+              <a:rPr lang="en-US" altLang="ko-KR" sz="2000" b="1" dirty="0"/>
+              <a:t>text2sql</a:t>
+            </a:r>
+            <a:endParaRPr lang="ko-KR" altLang="en-US" sz="2000" b="1" dirty="0"/>
           </a:p>
         </p:txBody>
       </p:sp>
@@ -12402,7 +12407,7 @@
         <p:spPr>
           <a:xfrm>
             <a:off x="258363" y="166272"/>
-            <a:ext cx="697627" cy="400110"/>
+            <a:ext cx="2213904" cy="400110"/>
           </a:xfrm>
           <a:prstGeom prst="rect">
             <a:avLst/>
@@ -12410,15 +12415,20 @@
           <a:noFill/>
         </p:spPr>
         <p:txBody>
-          <a:bodyPr wrap="none" rtlCol="0">
+          <a:bodyPr wrap="square" rtlCol="0">
             <a:spAutoFit/>
           </a:bodyPr>
           <a:lstStyle/>
           <a:p>
             <a:r>
               <a:rPr lang="ko-KR" altLang="en-US" sz="2000" b="1" dirty="0"/>
-              <a:t>기존</a:t>
-            </a:r>
+              <a:t>기존 </a:t>
+            </a:r>
+            <a:r>
+              <a:rPr lang="en-US" altLang="ko-KR" sz="2000" b="1" dirty="0"/>
+              <a:t>text2sql</a:t>
+            </a:r>
+            <a:endParaRPr lang="ko-KR" altLang="en-US" sz="2000" b="1" dirty="0"/>
           </a:p>
         </p:txBody>
       </p:sp>

--- a/PPT/DSLab_이승건_특허.pptx
+++ b/PPT/DSLab_이승건_특허.pptx
@@ -205,7 +205,7 @@
           <a:p>
             <a:fld id="{92E34C07-989B-4F61-AE3F-153A5F3AB426}" type="datetimeFigureOut">
               <a:rPr lang="ko-KR" altLang="en-US" smtClean="0"/>
-              <a:t>2025-02-26</a:t>
+              <a:t>2025-02-27</a:t>
             </a:fld>
             <a:endParaRPr lang="ko-KR" altLang="en-US"/>
           </a:p>
@@ -619,7 +619,7 @@
           <a:p>
             <a:fld id="{0D5E1F66-E70E-4992-8451-264A0511747B}" type="datetimeFigureOut">
               <a:rPr lang="ko-KR" altLang="en-US" smtClean="0"/>
-              <a:t>2025-02-26</a:t>
+              <a:t>2025-02-27</a:t>
             </a:fld>
             <a:endParaRPr lang="ko-KR" altLang="en-US"/>
           </a:p>
@@ -817,7 +817,7 @@
           <a:p>
             <a:fld id="{0D5E1F66-E70E-4992-8451-264A0511747B}" type="datetimeFigureOut">
               <a:rPr lang="ko-KR" altLang="en-US" smtClean="0"/>
-              <a:t>2025-02-26</a:t>
+              <a:t>2025-02-27</a:t>
             </a:fld>
             <a:endParaRPr lang="ko-KR" altLang="en-US"/>
           </a:p>
@@ -1025,7 +1025,7 @@
           <a:p>
             <a:fld id="{0D5E1F66-E70E-4992-8451-264A0511747B}" type="datetimeFigureOut">
               <a:rPr lang="ko-KR" altLang="en-US" smtClean="0"/>
-              <a:t>2025-02-26</a:t>
+              <a:t>2025-02-27</a:t>
             </a:fld>
             <a:endParaRPr lang="ko-KR" altLang="en-US"/>
           </a:p>
@@ -1223,7 +1223,7 @@
           <a:p>
             <a:fld id="{0D5E1F66-E70E-4992-8451-264A0511747B}" type="datetimeFigureOut">
               <a:rPr lang="ko-KR" altLang="en-US" smtClean="0"/>
-              <a:t>2025-02-26</a:t>
+              <a:t>2025-02-27</a:t>
             </a:fld>
             <a:endParaRPr lang="ko-KR" altLang="en-US"/>
           </a:p>
@@ -1498,7 +1498,7 @@
           <a:p>
             <a:fld id="{0D5E1F66-E70E-4992-8451-264A0511747B}" type="datetimeFigureOut">
               <a:rPr lang="ko-KR" altLang="en-US" smtClean="0"/>
-              <a:t>2025-02-26</a:t>
+              <a:t>2025-02-27</a:t>
             </a:fld>
             <a:endParaRPr lang="ko-KR" altLang="en-US"/>
           </a:p>
@@ -1763,7 +1763,7 @@
           <a:p>
             <a:fld id="{0D5E1F66-E70E-4992-8451-264A0511747B}" type="datetimeFigureOut">
               <a:rPr lang="ko-KR" altLang="en-US" smtClean="0"/>
-              <a:t>2025-02-26</a:t>
+              <a:t>2025-02-27</a:t>
             </a:fld>
             <a:endParaRPr lang="ko-KR" altLang="en-US"/>
           </a:p>
@@ -2175,7 +2175,7 @@
           <a:p>
             <a:fld id="{0D5E1F66-E70E-4992-8451-264A0511747B}" type="datetimeFigureOut">
               <a:rPr lang="ko-KR" altLang="en-US" smtClean="0"/>
-              <a:t>2025-02-26</a:t>
+              <a:t>2025-02-27</a:t>
             </a:fld>
             <a:endParaRPr lang="ko-KR" altLang="en-US"/>
           </a:p>
@@ -2316,7 +2316,7 @@
           <a:p>
             <a:fld id="{0D5E1F66-E70E-4992-8451-264A0511747B}" type="datetimeFigureOut">
               <a:rPr lang="ko-KR" altLang="en-US" smtClean="0"/>
-              <a:t>2025-02-26</a:t>
+              <a:t>2025-02-27</a:t>
             </a:fld>
             <a:endParaRPr lang="ko-KR" altLang="en-US"/>
           </a:p>
@@ -2429,7 +2429,7 @@
           <a:p>
             <a:fld id="{0D5E1F66-E70E-4992-8451-264A0511747B}" type="datetimeFigureOut">
               <a:rPr lang="ko-KR" altLang="en-US" smtClean="0"/>
-              <a:t>2025-02-26</a:t>
+              <a:t>2025-02-27</a:t>
             </a:fld>
             <a:endParaRPr lang="ko-KR" altLang="en-US"/>
           </a:p>
@@ -2740,7 +2740,7 @@
           <a:p>
             <a:fld id="{0D5E1F66-E70E-4992-8451-264A0511747B}" type="datetimeFigureOut">
               <a:rPr lang="ko-KR" altLang="en-US" smtClean="0"/>
-              <a:t>2025-02-26</a:t>
+              <a:t>2025-02-27</a:t>
             </a:fld>
             <a:endParaRPr lang="ko-KR" altLang="en-US"/>
           </a:p>
@@ -3028,7 +3028,7 @@
           <a:p>
             <a:fld id="{0D5E1F66-E70E-4992-8451-264A0511747B}" type="datetimeFigureOut">
               <a:rPr lang="ko-KR" altLang="en-US" smtClean="0"/>
-              <a:t>2025-02-26</a:t>
+              <a:t>2025-02-27</a:t>
             </a:fld>
             <a:endParaRPr lang="ko-KR" altLang="en-US"/>
           </a:p>
@@ -3269,7 +3269,7 @@
           <a:p>
             <a:fld id="{0D5E1F66-E70E-4992-8451-264A0511747B}" type="datetimeFigureOut">
               <a:rPr lang="ko-KR" altLang="en-US" smtClean="0"/>
-              <a:t>2025-02-26</a:t>
+              <a:t>2025-02-27</a:t>
             </a:fld>
             <a:endParaRPr lang="ko-KR" altLang="en-US"/>
           </a:p>
@@ -3851,14 +3851,14 @@
           <p:nvPr>
             <p:extLst>
               <p:ext uri="{D42A27DB-BD31-4B8C-83A1-F6EECF244321}">
-                <p14:modId xmlns:p14="http://schemas.microsoft.com/office/powerpoint/2010/main" val="1505244821"/>
+                <p14:modId xmlns:p14="http://schemas.microsoft.com/office/powerpoint/2010/main" val="418754779"/>
               </p:ext>
             </p:extLst>
           </p:nvPr>
         </p:nvGraphicFramePr>
         <p:xfrm>
           <a:off x="2032000" y="2354580"/>
-          <a:ext cx="8128000" cy="2148840"/>
+          <a:ext cx="8128000" cy="1691640"/>
         </p:xfrm>
         <a:graphic>
           <a:graphicData uri="http://schemas.openxmlformats.org/drawingml/2006/table">
@@ -3984,67 +3984,33 @@
                         <a:buChar char="•"/>
                       </a:pPr>
                       <a:r>
-                        <a:rPr lang="en-US" altLang="ko-KR" sz="1500" dirty="0"/>
-                        <a:t>sql2text</a:t>
-                      </a:r>
-                      <a:r>
-                        <a:rPr lang="ko-KR" altLang="en-US" sz="1500" dirty="0"/>
-                        <a:t> </a:t>
-                      </a:r>
-                      <a:r>
-                        <a:rPr lang="en-US" altLang="ko-KR" sz="1500" dirty="0"/>
-                        <a:t>RAG</a:t>
-                      </a:r>
-                      <a:r>
-                        <a:rPr lang="ko-KR" altLang="en-US" sz="1500" dirty="0"/>
-                        <a:t>를 통한 학습 데이터셋 증강</a:t>
-                      </a:r>
-                      <a:endParaRPr lang="en-US" altLang="ko-KR" sz="1500" dirty="0"/>
-                    </a:p>
-                    <a:p>
-                      <a:pPr marL="285750" indent="-285750">
-                        <a:buFont typeface="Arial" panose="020B0604020202020204" pitchFamily="34" charset="0"/>
-                        <a:buChar char="•"/>
-                      </a:pPr>
-                      <a:r>
                         <a:rPr lang="ko-KR" altLang="en-US" sz="1500" dirty="0"/>
                         <a:t>표준질의문장</a:t>
                       </a:r>
                       <a:r>
                         <a:rPr lang="en-US" altLang="ko-KR" sz="1500" dirty="0"/>
-                        <a:t>, SQL </a:t>
+                        <a:t>-SQL </a:t>
                       </a:r>
                       <a:r>
                         <a:rPr lang="ko-KR" altLang="en-US" sz="1500" dirty="0"/>
-                        <a:t>쿼리의 데이터셋 쌍을 활용 </a:t>
+                        <a:t>쿼리 쌍의 데이터셋을 활용해 </a:t>
                       </a:r>
-                      <a:endParaRPr lang="en-US" altLang="ko-KR" sz="1500" dirty="0"/>
-                    </a:p>
-                    <a:p>
-                      <a:pPr marL="285750" indent="-285750">
-                        <a:buFont typeface="Arial" panose="020B0604020202020204" pitchFamily="34" charset="0"/>
-                        <a:buChar char="•"/>
-                      </a:pPr>
                       <a:r>
                         <a:rPr lang="en-US" altLang="ko-KR" sz="1500" dirty="0"/>
-                        <a:t>RAG</a:t>
+                        <a:t>AI</a:t>
                       </a:r>
                       <a:r>
                         <a:rPr lang="ko-KR" altLang="en-US" sz="1500" dirty="0"/>
-                        <a:t>를 활용해 생성한 문장들을 </a:t>
+                        <a:t>가 생성한</a:t>
                       </a:r>
                       <a:r>
                         <a:rPr lang="en-US" altLang="ko-KR" sz="1500" dirty="0"/>
-                        <a:t>1:N </a:t>
+                        <a:t> </a:t>
                       </a:r>
                       <a:r>
                         <a:rPr lang="ko-KR" altLang="en-US" sz="1500" dirty="0"/>
-                        <a:t>매핑</a:t>
+                        <a:t>비표준질의문장을 학습에 활용</a:t>
                       </a:r>
-                    </a:p>
-                    <a:p>
-                      <a:pPr latinLnBrk="1"/>
-                      <a:endParaRPr lang="ko-KR" altLang="en-US" sz="1500" dirty="0"/>
                     </a:p>
                   </a:txBody>
                   <a:tcPr>

--- a/PPT/DSLab_이승건_특허.pptx
+++ b/PPT/DSLab_이승건_특허.pptx
@@ -11430,7 +11430,7 @@
         </p:nvSpPr>
         <p:spPr>
           <a:xfrm>
-            <a:off x="7146515" y="1097062"/>
+            <a:off x="7111347" y="1097062"/>
             <a:ext cx="946704" cy="400110"/>
           </a:xfrm>
           <a:prstGeom prst="flowChartDocument">
@@ -11498,7 +11498,7 @@
         </p:nvSpPr>
         <p:spPr>
           <a:xfrm>
-            <a:off x="8358301" y="861460"/>
+            <a:off x="8323133" y="861460"/>
             <a:ext cx="1094993" cy="700618"/>
           </a:xfrm>
           <a:prstGeom prst="roundRect">
@@ -11552,7 +11552,7 @@
         </p:nvSpPr>
         <p:spPr>
           <a:xfrm>
-            <a:off x="8538549" y="1081673"/>
+            <a:off x="8503381" y="1081673"/>
             <a:ext cx="734496" cy="215444"/>
           </a:xfrm>
           <a:prstGeom prst="rect">
@@ -11684,7 +11684,7 @@
         </p:nvSpPr>
         <p:spPr>
           <a:xfrm>
-            <a:off x="9741677" y="1081673"/>
+            <a:off x="9706509" y="1081673"/>
             <a:ext cx="946704" cy="400110"/>
           </a:xfrm>
           <a:prstGeom prst="flowChartDocument">
@@ -11752,7 +11752,7 @@
         </p:nvCxnSpPr>
         <p:spPr>
           <a:xfrm>
-            <a:off x="8155350" y="1262635"/>
+            <a:off x="8120182" y="1262635"/>
             <a:ext cx="174958" cy="0"/>
           </a:xfrm>
           <a:prstGeom prst="straightConnector1">
@@ -11793,7 +11793,7 @@
         </p:nvCxnSpPr>
         <p:spPr>
           <a:xfrm>
-            <a:off x="9506094" y="1252711"/>
+            <a:off x="9470926" y="1252711"/>
             <a:ext cx="174958" cy="0"/>
           </a:xfrm>
           <a:prstGeom prst="straightConnector1">
@@ -11832,7 +11832,7 @@
         </p:nvSpPr>
         <p:spPr>
           <a:xfrm>
-            <a:off x="6840323" y="655853"/>
+            <a:off x="6805155" y="655853"/>
             <a:ext cx="4177735" cy="1153482"/>
           </a:xfrm>
           <a:prstGeom prst="roundRect">
@@ -11888,7 +11888,7 @@
         </p:nvCxnSpPr>
         <p:spPr>
           <a:xfrm>
-            <a:off x="10176934" y="1717203"/>
+            <a:off x="10189960" y="1681805"/>
             <a:ext cx="0" cy="1032933"/>
           </a:xfrm>
           <a:prstGeom prst="straightConnector1">
@@ -11993,14 +11993,14 @@
         </p:nvSpPr>
         <p:spPr>
           <a:xfrm>
-            <a:off x="9681051" y="900516"/>
+            <a:off x="9645883" y="900516"/>
             <a:ext cx="1094993" cy="700617"/>
           </a:xfrm>
           <a:prstGeom prst="rect">
             <a:avLst/>
           </a:prstGeom>
           <a:noFill/>
-          <a:ln w="28575">
+          <a:ln w="38100">
             <a:solidFill>
               <a:srgbClr val="FF0000"/>
             </a:solidFill>

--- a/PPT/DSLab_이승건_특허.pptx
+++ b/PPT/DSLab_이승건_특허.pptx
@@ -8251,7 +8251,7 @@
         </p:nvSpPr>
         <p:spPr>
           <a:xfrm>
-            <a:off x="9176036" y="1070355"/>
+            <a:off x="9176036" y="1312463"/>
             <a:ext cx="1386373" cy="736441"/>
           </a:xfrm>
           <a:prstGeom prst="flowChartMagneticDisk">
@@ -9064,13 +9064,15 @@
               </a:ext>
             </a:extLst>
           </p:cNvPr>
-          <p:cNvCxnSpPr/>
+          <p:cNvCxnSpPr>
+            <a:cxnSpLocks/>
+          </p:cNvCxnSpPr>
           <p:nvPr/>
         </p:nvCxnSpPr>
         <p:spPr>
           <a:xfrm flipV="1">
-            <a:off x="9888983" y="1973094"/>
-            <a:ext cx="0" cy="443899"/>
+            <a:off x="9883161" y="2083849"/>
+            <a:ext cx="0" cy="329151"/>
           </a:xfrm>
           <a:prstGeom prst="straightConnector1">
             <a:avLst/>
@@ -11872,47 +11874,6 @@
           </a:p>
         </p:txBody>
       </p:sp>
-      <p:cxnSp>
-        <p:nvCxnSpPr>
-          <p:cNvPr id="15" name="직선 화살표 연결선 14">
-            <a:extLst>
-              <a:ext uri="{FF2B5EF4-FFF2-40B4-BE49-F238E27FC236}">
-                <a16:creationId xmlns:a16="http://schemas.microsoft.com/office/drawing/2014/main" id="{D57AA1C2-EF14-5F5E-5AFD-B712F8FC8368}"/>
-              </a:ext>
-            </a:extLst>
-          </p:cNvPr>
-          <p:cNvCxnSpPr>
-            <a:cxnSpLocks/>
-          </p:cNvCxnSpPr>
-          <p:nvPr/>
-        </p:nvCxnSpPr>
-        <p:spPr>
-          <a:xfrm>
-            <a:off x="10176934" y="1717203"/>
-            <a:ext cx="0" cy="1032933"/>
-          </a:xfrm>
-          <a:prstGeom prst="straightConnector1">
-            <a:avLst/>
-          </a:prstGeom>
-          <a:ln>
-            <a:tailEnd type="triangle"/>
-          </a:ln>
-        </p:spPr>
-        <p:style>
-          <a:lnRef idx="1">
-            <a:schemeClr val="dk1"/>
-          </a:lnRef>
-          <a:fillRef idx="0">
-            <a:schemeClr val="dk1"/>
-          </a:fillRef>
-          <a:effectRef idx="0">
-            <a:schemeClr val="dk1"/>
-          </a:effectRef>
-          <a:fontRef idx="minor">
-            <a:schemeClr val="tx1"/>
-          </a:fontRef>
-        </p:style>
-      </p:cxnSp>
       <p:sp>
         <p:nvSpPr>
           <p:cNvPr id="17" name="직사각형 16">
@@ -11927,7 +11888,7 @@
         </p:nvSpPr>
         <p:spPr>
           <a:xfrm>
-            <a:off x="9102313" y="3042434"/>
+            <a:off x="8101851" y="2942963"/>
             <a:ext cx="2132307" cy="888603"/>
           </a:xfrm>
           <a:prstGeom prst="rect">
@@ -12045,7 +12006,7 @@
         </p:nvCxnSpPr>
         <p:spPr>
           <a:xfrm>
-            <a:off x="10176934" y="4240269"/>
+            <a:off x="9273046" y="4240269"/>
             <a:ext cx="0" cy="677334"/>
           </a:xfrm>
           <a:prstGeom prst="straightConnector1">
@@ -12084,7 +12045,7 @@
         </p:nvSpPr>
         <p:spPr>
           <a:xfrm>
-            <a:off x="9356450" y="5088940"/>
+            <a:off x="8452562" y="5088940"/>
             <a:ext cx="1640965" cy="631821"/>
           </a:xfrm>
           <a:prstGeom prst="flowChartDocument">
@@ -12518,6 +12479,47 @@
           </a:p>
         </p:txBody>
       </p:sp>
+      <p:cxnSp>
+        <p:nvCxnSpPr>
+          <p:cNvPr id="9" name="연결선: 꺾임 8">
+            <a:extLst>
+              <a:ext uri="{FF2B5EF4-FFF2-40B4-BE49-F238E27FC236}">
+                <a16:creationId xmlns:a16="http://schemas.microsoft.com/office/drawing/2014/main" id="{08528079-9673-C914-7B9D-AABABADA7CB9}"/>
+              </a:ext>
+            </a:extLst>
+          </p:cNvPr>
+          <p:cNvCxnSpPr>
+            <a:endCxn id="17" idx="0"/>
+          </p:cNvCxnSpPr>
+          <p:nvPr/>
+        </p:nvCxnSpPr>
+        <p:spPr>
+          <a:xfrm rot="5400000">
+            <a:off x="9100310" y="1809114"/>
+            <a:ext cx="1201545" cy="1066153"/>
+          </a:xfrm>
+          <a:prstGeom prst="bentConnector3">
+            <a:avLst/>
+          </a:prstGeom>
+          <a:ln>
+            <a:tailEnd type="triangle"/>
+          </a:ln>
+        </p:spPr>
+        <p:style>
+          <a:lnRef idx="1">
+            <a:schemeClr val="dk1"/>
+          </a:lnRef>
+          <a:fillRef idx="0">
+            <a:schemeClr val="dk1"/>
+          </a:fillRef>
+          <a:effectRef idx="0">
+            <a:schemeClr val="dk1"/>
+          </a:effectRef>
+          <a:fontRef idx="minor">
+            <a:schemeClr val="tx1"/>
+          </a:fontRef>
+        </p:style>
+      </p:cxnSp>
     </p:spTree>
     <p:extLst>
       <p:ext uri="{BB962C8B-B14F-4D97-AF65-F5344CB8AC3E}">
